--- a/deliverable/P21_P22 Diapo soutenance.pptx
+++ b/deliverable/P21_P22 Diapo soutenance.pptx
@@ -29,28 +29,33 @@
     <p:sldId id="274" r:id="rId24"/>
     <p:sldId id="275" r:id="rId25"/>
     <p:sldId id="276" r:id="rId26"/>
+    <p:sldId id="277" r:id="rId27"/>
+    <p:sldId id="278" r:id="rId28"/>
+    <p:sldId id="279" r:id="rId29"/>
+    <p:sldId id="280" r:id="rId30"/>
+    <p:sldId id="281" r:id="rId31"/>
   </p:sldIdLst>
   <p:sldSz cy="5143500" cx="9144000"/>
   <p:notesSz cx="6858000" cy="9144000"/>
   <p:embeddedFontLst>
     <p:embeddedFont>
       <p:font typeface="Nunito"/>
-      <p:regular r:id="rId27"/>
-      <p:bold r:id="rId28"/>
-      <p:italic r:id="rId29"/>
-      <p:boldItalic r:id="rId30"/>
+      <p:regular r:id="rId32"/>
+      <p:bold r:id="rId33"/>
+      <p:italic r:id="rId34"/>
+      <p:boldItalic r:id="rId35"/>
     </p:embeddedFont>
     <p:embeddedFont>
       <p:font typeface="Maven Pro"/>
-      <p:regular r:id="rId31"/>
-      <p:bold r:id="rId32"/>
+      <p:regular r:id="rId36"/>
+      <p:bold r:id="rId37"/>
     </p:embeddedFont>
     <p:embeddedFont>
       <p:font typeface="EB Garamond"/>
-      <p:regular r:id="rId33"/>
-      <p:bold r:id="rId34"/>
-      <p:italic r:id="rId35"/>
-      <p:boldItalic r:id="rId36"/>
+      <p:regular r:id="rId38"/>
+      <p:bold r:id="rId39"/>
+      <p:italic r:id="rId40"/>
+      <p:boldItalic r:id="rId41"/>
     </p:embeddedFont>
   </p:embeddedFontLst>
   <p:defaultTextStyle>
@@ -845,7 +850,7 @@
       </p:grpSpPr>
       <p:sp>
         <p:nvSpPr>
-          <p:cNvPr id="327" name="Google Shape;327;g250f018c120_0_653:notes"/>
+          <p:cNvPr id="327" name="Google Shape;327;g250f018c120_0_646:notes"/>
           <p:cNvSpPr/>
           <p:nvPr>
             <p:ph idx="2" type="sldImg"/>
@@ -880,7 +885,7 @@
       </p:sp>
       <p:sp>
         <p:nvSpPr>
-          <p:cNvPr id="328" name="Google Shape;328;g250f018c120_0_653:notes"/>
+          <p:cNvPr id="328" name="Google Shape;328;g250f018c120_0_646:notes"/>
           <p:cNvSpPr txBox="1"/>
           <p:nvPr>
             <p:ph idx="1" type="body"/>
@@ -944,7 +949,7 @@
       </p:grpSpPr>
       <p:sp>
         <p:nvSpPr>
-          <p:cNvPr id="333" name="Google Shape;333;g250f018c120_0_659:notes"/>
+          <p:cNvPr id="333" name="Google Shape;333;g250f018c120_0_653:notes"/>
           <p:cNvSpPr/>
           <p:nvPr>
             <p:ph idx="2" type="sldImg"/>
@@ -979,7 +984,7 @@
       </p:sp>
       <p:sp>
         <p:nvSpPr>
-          <p:cNvPr id="334" name="Google Shape;334;g250f018c120_0_659:notes"/>
+          <p:cNvPr id="334" name="Google Shape;334;g250f018c120_0_653:notes"/>
           <p:cNvSpPr txBox="1"/>
           <p:nvPr>
             <p:ph idx="1" type="body"/>
@@ -1043,7 +1048,7 @@
       </p:grpSpPr>
       <p:sp>
         <p:nvSpPr>
-          <p:cNvPr id="339" name="Google Shape;339;g250f018c120_0_665:notes"/>
+          <p:cNvPr id="339" name="Google Shape;339;g250f018c120_0_659:notes"/>
           <p:cNvSpPr/>
           <p:nvPr>
             <p:ph idx="2" type="sldImg"/>
@@ -1078,7 +1083,7 @@
       </p:sp>
       <p:sp>
         <p:nvSpPr>
-          <p:cNvPr id="340" name="Google Shape;340;g250f018c120_0_665:notes"/>
+          <p:cNvPr id="340" name="Google Shape;340;g250f018c120_0_659:notes"/>
           <p:cNvSpPr txBox="1"/>
           <p:nvPr>
             <p:ph idx="1" type="body"/>
@@ -1142,7 +1147,7 @@
       </p:grpSpPr>
       <p:sp>
         <p:nvSpPr>
-          <p:cNvPr id="345" name="Google Shape;345;g250f018c120_0_671:notes"/>
+          <p:cNvPr id="345" name="Google Shape;345;g250f018c120_0_665:notes"/>
           <p:cNvSpPr/>
           <p:nvPr>
             <p:ph idx="2" type="sldImg"/>
@@ -1177,7 +1182,7 @@
       </p:sp>
       <p:sp>
         <p:nvSpPr>
-          <p:cNvPr id="346" name="Google Shape;346;g250f018c120_0_671:notes"/>
+          <p:cNvPr id="346" name="Google Shape;346;g250f018c120_0_665:notes"/>
           <p:cNvSpPr txBox="1"/>
           <p:nvPr>
             <p:ph idx="1" type="body"/>
@@ -1241,7 +1246,7 @@
       </p:grpSpPr>
       <p:sp>
         <p:nvSpPr>
-          <p:cNvPr id="351" name="Google Shape;351;g250f018c120_0_677:notes"/>
+          <p:cNvPr id="351" name="Google Shape;351;g250f018c120_0_671:notes"/>
           <p:cNvSpPr/>
           <p:nvPr>
             <p:ph idx="2" type="sldImg"/>
@@ -1276,7 +1281,7 @@
       </p:sp>
       <p:sp>
         <p:nvSpPr>
-          <p:cNvPr id="352" name="Google Shape;352;g250f018c120_0_677:notes"/>
+          <p:cNvPr id="352" name="Google Shape;352;g250f018c120_0_671:notes"/>
           <p:cNvSpPr txBox="1"/>
           <p:nvPr>
             <p:ph idx="1" type="body"/>
@@ -1340,7 +1345,7 @@
       </p:grpSpPr>
       <p:sp>
         <p:nvSpPr>
-          <p:cNvPr id="357" name="Google Shape;357;g250f018c120_0_684:notes"/>
+          <p:cNvPr id="357" name="Google Shape;357;g250f018c120_0_677:notes"/>
           <p:cNvSpPr/>
           <p:nvPr>
             <p:ph idx="2" type="sldImg"/>
@@ -1375,7 +1380,7 @@
       </p:sp>
       <p:sp>
         <p:nvSpPr>
-          <p:cNvPr id="358" name="Google Shape;358;g250f018c120_0_684:notes"/>
+          <p:cNvPr id="358" name="Google Shape;358;g250f018c120_0_677:notes"/>
           <p:cNvSpPr txBox="1"/>
           <p:nvPr>
             <p:ph idx="1" type="body"/>
@@ -1439,7 +1444,7 @@
       </p:grpSpPr>
       <p:sp>
         <p:nvSpPr>
-          <p:cNvPr id="363" name="Google Shape;363;g250f018c120_0_692:notes"/>
+          <p:cNvPr id="363" name="Google Shape;363;g250f018c120_0_684:notes"/>
           <p:cNvSpPr/>
           <p:nvPr>
             <p:ph idx="2" type="sldImg"/>
@@ -1474,7 +1479,7 @@
       </p:sp>
       <p:sp>
         <p:nvSpPr>
-          <p:cNvPr id="364" name="Google Shape;364;g250f018c120_0_692:notes"/>
+          <p:cNvPr id="364" name="Google Shape;364;g250f018c120_0_684:notes"/>
           <p:cNvSpPr txBox="1"/>
           <p:nvPr>
             <p:ph idx="1" type="body"/>
@@ -1538,7 +1543,7 @@
       </p:grpSpPr>
       <p:sp>
         <p:nvSpPr>
-          <p:cNvPr id="369" name="Google Shape;369;g250f018c120_0_698:notes"/>
+          <p:cNvPr id="369" name="Google Shape;369;g250f018c120_0_692:notes"/>
           <p:cNvSpPr/>
           <p:nvPr>
             <p:ph idx="2" type="sldImg"/>
@@ -1573,7 +1578,7 @@
       </p:sp>
       <p:sp>
         <p:nvSpPr>
-          <p:cNvPr id="370" name="Google Shape;370;g250f018c120_0_698:notes"/>
+          <p:cNvPr id="370" name="Google Shape;370;g250f018c120_0_692:notes"/>
           <p:cNvSpPr txBox="1"/>
           <p:nvPr>
             <p:ph idx="1" type="body"/>
@@ -1623,7 +1628,7 @@
   <p:cSld>
     <p:spTree>
       <p:nvGrpSpPr>
-        <p:cNvPr id="373" name="Shape 373"/>
+        <p:cNvPr id="374" name="Shape 374"/>
         <p:cNvGrpSpPr/>
         <p:nvPr/>
       </p:nvGrpSpPr>
@@ -1637,7 +1642,7 @@
       </p:grpSpPr>
       <p:sp>
         <p:nvSpPr>
-          <p:cNvPr id="374" name="Google Shape;374;g250f018c120_0_702:notes"/>
+          <p:cNvPr id="375" name="Google Shape;375;g250f018c120_1_5:notes"/>
           <p:cNvSpPr/>
           <p:nvPr>
             <p:ph idx="2" type="sldImg"/>
@@ -1672,7 +1677,7 @@
       </p:sp>
       <p:sp>
         <p:nvSpPr>
-          <p:cNvPr id="375" name="Google Shape;375;g250f018c120_0_702:notes"/>
+          <p:cNvPr id="376" name="Google Shape;376;g250f018c120_1_5:notes"/>
           <p:cNvSpPr txBox="1"/>
           <p:nvPr>
             <p:ph idx="1" type="body"/>
@@ -1736,7 +1741,7 @@
       </p:grpSpPr>
       <p:sp>
         <p:nvSpPr>
-          <p:cNvPr id="380" name="Google Shape;380;g250f018c120_0_708:notes"/>
+          <p:cNvPr id="380" name="Google Shape;380;g250f018c120_1_9:notes"/>
           <p:cNvSpPr/>
           <p:nvPr>
             <p:ph idx="2" type="sldImg"/>
@@ -1771,7 +1776,7 @@
       </p:sp>
       <p:sp>
         <p:nvSpPr>
-          <p:cNvPr id="381" name="Google Shape;381;g250f018c120_0_708:notes"/>
+          <p:cNvPr id="381" name="Google Shape;381;g250f018c120_1_9:notes"/>
           <p:cNvSpPr txBox="1"/>
           <p:nvPr>
             <p:ph idx="1" type="body"/>
@@ -1934,7 +1939,7 @@
       </p:grpSpPr>
       <p:sp>
         <p:nvSpPr>
-          <p:cNvPr id="386" name="Google Shape;386;g250f018c120_0_713:notes"/>
+          <p:cNvPr id="386" name="Google Shape;386;g250f018c120_1_15:notes"/>
           <p:cNvSpPr/>
           <p:nvPr>
             <p:ph idx="2" type="sldImg"/>
@@ -1969,7 +1974,7 @@
       </p:sp>
       <p:sp>
         <p:nvSpPr>
-          <p:cNvPr id="387" name="Google Shape;387;g250f018c120_0_713:notes"/>
+          <p:cNvPr id="387" name="Google Shape;387;g250f018c120_1_15:notes"/>
           <p:cNvSpPr txBox="1"/>
           <p:nvPr>
             <p:ph idx="1" type="body"/>
@@ -2033,7 +2038,7 @@
       </p:grpSpPr>
       <p:sp>
         <p:nvSpPr>
-          <p:cNvPr id="392" name="Google Shape;392;g250f018c120_0_718:notes"/>
+          <p:cNvPr id="392" name="Google Shape;392;g250f018c120_1_21:notes"/>
           <p:cNvSpPr/>
           <p:nvPr>
             <p:ph idx="2" type="sldImg"/>
@@ -2068,7 +2073,502 @@
       </p:sp>
       <p:sp>
         <p:nvSpPr>
-          <p:cNvPr id="393" name="Google Shape;393;g250f018c120_0_718:notes"/>
+          <p:cNvPr id="393" name="Google Shape;393;g250f018c120_1_21:notes"/>
+          <p:cNvSpPr txBox="1"/>
+          <p:nvPr>
+            <p:ph idx="1" type="body"/>
+          </p:nvPr>
+        </p:nvSpPr>
+        <p:spPr>
+          <a:xfrm>
+            <a:off x="685800" y="4343400"/>
+            <a:ext cx="5486400" cy="4114800"/>
+          </a:xfrm>
+          <a:prstGeom prst="rect">
+            <a:avLst/>
+          </a:prstGeom>
+        </p:spPr>
+        <p:txBody>
+          <a:bodyPr anchorCtr="0" anchor="t" bIns="91425" lIns="91425" spcFirstLastPara="1" rIns="91425" wrap="square" tIns="91425">
+            <a:noAutofit/>
+          </a:bodyPr>
+          <a:lstStyle/>
+          <a:p>
+            <a:pPr indent="0" lvl="0" marL="0" rtl="0" algn="l">
+              <a:spcBef>
+                <a:spcPts val="0"/>
+              </a:spcBef>
+              <a:spcAft>
+                <a:spcPts val="0"/>
+              </a:spcAft>
+              <a:buNone/>
+            </a:pPr>
+            <a:r>
+              <a:t/>
+            </a:r>
+            <a:endParaRPr/>
+          </a:p>
+        </p:txBody>
+      </p:sp>
+    </p:spTree>
+  </p:cSld>
+  <p:clrMapOvr>
+    <a:masterClrMapping/>
+  </p:clrMapOvr>
+</p:notes>
+</file>
+
+<file path=ppt/notesSlides/notesSlide22.xml><?xml version="1.0" encoding="utf-8"?>
+<p:notes xmlns:a="http://schemas.openxmlformats.org/drawingml/2006/main" xmlns:r="http://schemas.openxmlformats.org/officeDocument/2006/relationships" xmlns:mc="http://schemas.openxmlformats.org/markup-compatibility/2006" xmlns:mv="urn:schemas-microsoft-com:mac:vml" xmlns:p="http://schemas.openxmlformats.org/presentationml/2006/main" xmlns:c="http://schemas.openxmlformats.org/drawingml/2006/chart" xmlns:dgm="http://schemas.openxmlformats.org/drawingml/2006/diagram" xmlns:o="urn:schemas-microsoft-com:office:office" xmlns:v="urn:schemas-microsoft-com:vml" xmlns:pvml="urn:schemas-microsoft-com:office:powerpoint" xmlns:com="http://schemas.openxmlformats.org/drawingml/2006/compatibility" xmlns:p14="http://schemas.microsoft.com/office/powerpoint/2010/main" xmlns:p15="http://schemas.microsoft.com/office/powerpoint/2012/main" xmlns:ahyp="http://schemas.microsoft.com/office/drawing/2018/hyperlinkcolor" showMasterPhAnim="0" showMasterSp="0">
+  <p:cSld>
+    <p:spTree>
+      <p:nvGrpSpPr>
+        <p:cNvPr id="397" name="Shape 397"/>
+        <p:cNvGrpSpPr/>
+        <p:nvPr/>
+      </p:nvGrpSpPr>
+      <p:grpSpPr>
+        <a:xfrm>
+          <a:off x="0" y="0"/>
+          <a:ext cx="0" cy="0"/>
+          <a:chOff x="0" y="0"/>
+          <a:chExt cx="0" cy="0"/>
+        </a:xfrm>
+      </p:grpSpPr>
+      <p:sp>
+        <p:nvSpPr>
+          <p:cNvPr id="398" name="Google Shape;398;g250f018c120_0_698:notes"/>
+          <p:cNvSpPr/>
+          <p:nvPr>
+            <p:ph idx="2" type="sldImg"/>
+          </p:nvPr>
+        </p:nvSpPr>
+        <p:spPr>
+          <a:xfrm>
+            <a:off x="381300" y="685800"/>
+            <a:ext cx="6096000" cy="3429000"/>
+          </a:xfrm>
+          <a:custGeom>
+            <a:rect b="b" l="l" r="r" t="t"/>
+            <a:pathLst>
+              <a:path extrusionOk="0" h="120000" w="120000">
+                <a:moveTo>
+                  <a:pt x="0" y="0"/>
+                </a:moveTo>
+                <a:lnTo>
+                  <a:pt x="120000" y="0"/>
+                </a:lnTo>
+                <a:lnTo>
+                  <a:pt x="120000" y="120000"/>
+                </a:lnTo>
+                <a:lnTo>
+                  <a:pt x="0" y="120000"/>
+                </a:lnTo>
+                <a:close/>
+              </a:path>
+            </a:pathLst>
+          </a:custGeom>
+        </p:spPr>
+      </p:sp>
+      <p:sp>
+        <p:nvSpPr>
+          <p:cNvPr id="399" name="Google Shape;399;g250f018c120_0_698:notes"/>
+          <p:cNvSpPr txBox="1"/>
+          <p:nvPr>
+            <p:ph idx="1" type="body"/>
+          </p:nvPr>
+        </p:nvSpPr>
+        <p:spPr>
+          <a:xfrm>
+            <a:off x="685800" y="4343400"/>
+            <a:ext cx="5486400" cy="4114800"/>
+          </a:xfrm>
+          <a:prstGeom prst="rect">
+            <a:avLst/>
+          </a:prstGeom>
+        </p:spPr>
+        <p:txBody>
+          <a:bodyPr anchorCtr="0" anchor="t" bIns="91425" lIns="91425" spcFirstLastPara="1" rIns="91425" wrap="square" tIns="91425">
+            <a:noAutofit/>
+          </a:bodyPr>
+          <a:lstStyle/>
+          <a:p>
+            <a:pPr indent="0" lvl="0" marL="0" rtl="0" algn="l">
+              <a:spcBef>
+                <a:spcPts val="0"/>
+              </a:spcBef>
+              <a:spcAft>
+                <a:spcPts val="0"/>
+              </a:spcAft>
+              <a:buNone/>
+            </a:pPr>
+            <a:r>
+              <a:t/>
+            </a:r>
+            <a:endParaRPr/>
+          </a:p>
+        </p:txBody>
+      </p:sp>
+    </p:spTree>
+  </p:cSld>
+  <p:clrMapOvr>
+    <a:masterClrMapping/>
+  </p:clrMapOvr>
+</p:notes>
+</file>
+
+<file path=ppt/notesSlides/notesSlide23.xml><?xml version="1.0" encoding="utf-8"?>
+<p:notes xmlns:a="http://schemas.openxmlformats.org/drawingml/2006/main" xmlns:r="http://schemas.openxmlformats.org/officeDocument/2006/relationships" xmlns:mc="http://schemas.openxmlformats.org/markup-compatibility/2006" xmlns:mv="urn:schemas-microsoft-com:mac:vml" xmlns:p="http://schemas.openxmlformats.org/presentationml/2006/main" xmlns:c="http://schemas.openxmlformats.org/drawingml/2006/chart" xmlns:dgm="http://schemas.openxmlformats.org/drawingml/2006/diagram" xmlns:o="urn:schemas-microsoft-com:office:office" xmlns:v="urn:schemas-microsoft-com:vml" xmlns:pvml="urn:schemas-microsoft-com:office:powerpoint" xmlns:com="http://schemas.openxmlformats.org/drawingml/2006/compatibility" xmlns:p14="http://schemas.microsoft.com/office/powerpoint/2010/main" xmlns:p15="http://schemas.microsoft.com/office/powerpoint/2012/main" xmlns:ahyp="http://schemas.microsoft.com/office/drawing/2018/hyperlinkcolor" showMasterPhAnim="0" showMasterSp="0">
+  <p:cSld>
+    <p:spTree>
+      <p:nvGrpSpPr>
+        <p:cNvPr id="402" name="Shape 402"/>
+        <p:cNvGrpSpPr/>
+        <p:nvPr/>
+      </p:nvGrpSpPr>
+      <p:grpSpPr>
+        <a:xfrm>
+          <a:off x="0" y="0"/>
+          <a:ext cx="0" cy="0"/>
+          <a:chOff x="0" y="0"/>
+          <a:chExt cx="0" cy="0"/>
+        </a:xfrm>
+      </p:grpSpPr>
+      <p:sp>
+        <p:nvSpPr>
+          <p:cNvPr id="403" name="Google Shape;403;g250f018c120_0_702:notes"/>
+          <p:cNvSpPr/>
+          <p:nvPr>
+            <p:ph idx="2" type="sldImg"/>
+          </p:nvPr>
+        </p:nvSpPr>
+        <p:spPr>
+          <a:xfrm>
+            <a:off x="381300" y="685800"/>
+            <a:ext cx="6096000" cy="3429000"/>
+          </a:xfrm>
+          <a:custGeom>
+            <a:rect b="b" l="l" r="r" t="t"/>
+            <a:pathLst>
+              <a:path extrusionOk="0" h="120000" w="120000">
+                <a:moveTo>
+                  <a:pt x="0" y="0"/>
+                </a:moveTo>
+                <a:lnTo>
+                  <a:pt x="120000" y="0"/>
+                </a:lnTo>
+                <a:lnTo>
+                  <a:pt x="120000" y="120000"/>
+                </a:lnTo>
+                <a:lnTo>
+                  <a:pt x="0" y="120000"/>
+                </a:lnTo>
+                <a:close/>
+              </a:path>
+            </a:pathLst>
+          </a:custGeom>
+        </p:spPr>
+      </p:sp>
+      <p:sp>
+        <p:nvSpPr>
+          <p:cNvPr id="404" name="Google Shape;404;g250f018c120_0_702:notes"/>
+          <p:cNvSpPr txBox="1"/>
+          <p:nvPr>
+            <p:ph idx="1" type="body"/>
+          </p:nvPr>
+        </p:nvSpPr>
+        <p:spPr>
+          <a:xfrm>
+            <a:off x="685800" y="4343400"/>
+            <a:ext cx="5486400" cy="4114800"/>
+          </a:xfrm>
+          <a:prstGeom prst="rect">
+            <a:avLst/>
+          </a:prstGeom>
+        </p:spPr>
+        <p:txBody>
+          <a:bodyPr anchorCtr="0" anchor="t" bIns="91425" lIns="91425" spcFirstLastPara="1" rIns="91425" wrap="square" tIns="91425">
+            <a:noAutofit/>
+          </a:bodyPr>
+          <a:lstStyle/>
+          <a:p>
+            <a:pPr indent="0" lvl="0" marL="0" rtl="0" algn="l">
+              <a:spcBef>
+                <a:spcPts val="0"/>
+              </a:spcBef>
+              <a:spcAft>
+                <a:spcPts val="0"/>
+              </a:spcAft>
+              <a:buNone/>
+            </a:pPr>
+            <a:r>
+              <a:t/>
+            </a:r>
+            <a:endParaRPr/>
+          </a:p>
+        </p:txBody>
+      </p:sp>
+    </p:spTree>
+  </p:cSld>
+  <p:clrMapOvr>
+    <a:masterClrMapping/>
+  </p:clrMapOvr>
+</p:notes>
+</file>
+
+<file path=ppt/notesSlides/notesSlide24.xml><?xml version="1.0" encoding="utf-8"?>
+<p:notes xmlns:a="http://schemas.openxmlformats.org/drawingml/2006/main" xmlns:r="http://schemas.openxmlformats.org/officeDocument/2006/relationships" xmlns:mc="http://schemas.openxmlformats.org/markup-compatibility/2006" xmlns:mv="urn:schemas-microsoft-com:mac:vml" xmlns:p="http://schemas.openxmlformats.org/presentationml/2006/main" xmlns:c="http://schemas.openxmlformats.org/drawingml/2006/chart" xmlns:dgm="http://schemas.openxmlformats.org/drawingml/2006/diagram" xmlns:o="urn:schemas-microsoft-com:office:office" xmlns:v="urn:schemas-microsoft-com:vml" xmlns:pvml="urn:schemas-microsoft-com:office:powerpoint" xmlns:com="http://schemas.openxmlformats.org/drawingml/2006/compatibility" xmlns:p14="http://schemas.microsoft.com/office/powerpoint/2010/main" xmlns:p15="http://schemas.microsoft.com/office/powerpoint/2012/main" xmlns:ahyp="http://schemas.microsoft.com/office/drawing/2018/hyperlinkcolor" showMasterPhAnim="0" showMasterSp="0">
+  <p:cSld>
+    <p:spTree>
+      <p:nvGrpSpPr>
+        <p:cNvPr id="408" name="Shape 408"/>
+        <p:cNvGrpSpPr/>
+        <p:nvPr/>
+      </p:nvGrpSpPr>
+      <p:grpSpPr>
+        <a:xfrm>
+          <a:off x="0" y="0"/>
+          <a:ext cx="0" cy="0"/>
+          <a:chOff x="0" y="0"/>
+          <a:chExt cx="0" cy="0"/>
+        </a:xfrm>
+      </p:grpSpPr>
+      <p:sp>
+        <p:nvSpPr>
+          <p:cNvPr id="409" name="Google Shape;409;g250f018c120_0_708:notes"/>
+          <p:cNvSpPr/>
+          <p:nvPr>
+            <p:ph idx="2" type="sldImg"/>
+          </p:nvPr>
+        </p:nvSpPr>
+        <p:spPr>
+          <a:xfrm>
+            <a:off x="381300" y="685800"/>
+            <a:ext cx="6096000" cy="3429000"/>
+          </a:xfrm>
+          <a:custGeom>
+            <a:rect b="b" l="l" r="r" t="t"/>
+            <a:pathLst>
+              <a:path extrusionOk="0" h="120000" w="120000">
+                <a:moveTo>
+                  <a:pt x="0" y="0"/>
+                </a:moveTo>
+                <a:lnTo>
+                  <a:pt x="120000" y="0"/>
+                </a:lnTo>
+                <a:lnTo>
+                  <a:pt x="120000" y="120000"/>
+                </a:lnTo>
+                <a:lnTo>
+                  <a:pt x="0" y="120000"/>
+                </a:lnTo>
+                <a:close/>
+              </a:path>
+            </a:pathLst>
+          </a:custGeom>
+        </p:spPr>
+      </p:sp>
+      <p:sp>
+        <p:nvSpPr>
+          <p:cNvPr id="410" name="Google Shape;410;g250f018c120_0_708:notes"/>
+          <p:cNvSpPr txBox="1"/>
+          <p:nvPr>
+            <p:ph idx="1" type="body"/>
+          </p:nvPr>
+        </p:nvSpPr>
+        <p:spPr>
+          <a:xfrm>
+            <a:off x="685800" y="4343400"/>
+            <a:ext cx="5486400" cy="4114800"/>
+          </a:xfrm>
+          <a:prstGeom prst="rect">
+            <a:avLst/>
+          </a:prstGeom>
+        </p:spPr>
+        <p:txBody>
+          <a:bodyPr anchorCtr="0" anchor="t" bIns="91425" lIns="91425" spcFirstLastPara="1" rIns="91425" wrap="square" tIns="91425">
+            <a:noAutofit/>
+          </a:bodyPr>
+          <a:lstStyle/>
+          <a:p>
+            <a:pPr indent="0" lvl="0" marL="0" rtl="0" algn="l">
+              <a:spcBef>
+                <a:spcPts val="0"/>
+              </a:spcBef>
+              <a:spcAft>
+                <a:spcPts val="0"/>
+              </a:spcAft>
+              <a:buNone/>
+            </a:pPr>
+            <a:r>
+              <a:t/>
+            </a:r>
+            <a:endParaRPr/>
+          </a:p>
+        </p:txBody>
+      </p:sp>
+    </p:spTree>
+  </p:cSld>
+  <p:clrMapOvr>
+    <a:masterClrMapping/>
+  </p:clrMapOvr>
+</p:notes>
+</file>
+
+<file path=ppt/notesSlides/notesSlide25.xml><?xml version="1.0" encoding="utf-8"?>
+<p:notes xmlns:a="http://schemas.openxmlformats.org/drawingml/2006/main" xmlns:r="http://schemas.openxmlformats.org/officeDocument/2006/relationships" xmlns:mc="http://schemas.openxmlformats.org/markup-compatibility/2006" xmlns:mv="urn:schemas-microsoft-com:mac:vml" xmlns:p="http://schemas.openxmlformats.org/presentationml/2006/main" xmlns:c="http://schemas.openxmlformats.org/drawingml/2006/chart" xmlns:dgm="http://schemas.openxmlformats.org/drawingml/2006/diagram" xmlns:o="urn:schemas-microsoft-com:office:office" xmlns:v="urn:schemas-microsoft-com:vml" xmlns:pvml="urn:schemas-microsoft-com:office:powerpoint" xmlns:com="http://schemas.openxmlformats.org/drawingml/2006/compatibility" xmlns:p14="http://schemas.microsoft.com/office/powerpoint/2010/main" xmlns:p15="http://schemas.microsoft.com/office/powerpoint/2012/main" xmlns:ahyp="http://schemas.microsoft.com/office/drawing/2018/hyperlinkcolor" showMasterPhAnim="0" showMasterSp="0">
+  <p:cSld>
+    <p:spTree>
+      <p:nvGrpSpPr>
+        <p:cNvPr id="414" name="Shape 414"/>
+        <p:cNvGrpSpPr/>
+        <p:nvPr/>
+      </p:nvGrpSpPr>
+      <p:grpSpPr>
+        <a:xfrm>
+          <a:off x="0" y="0"/>
+          <a:ext cx="0" cy="0"/>
+          <a:chOff x="0" y="0"/>
+          <a:chExt cx="0" cy="0"/>
+        </a:xfrm>
+      </p:grpSpPr>
+      <p:sp>
+        <p:nvSpPr>
+          <p:cNvPr id="415" name="Google Shape;415;g250f018c120_0_713:notes"/>
+          <p:cNvSpPr/>
+          <p:nvPr>
+            <p:ph idx="2" type="sldImg"/>
+          </p:nvPr>
+        </p:nvSpPr>
+        <p:spPr>
+          <a:xfrm>
+            <a:off x="381300" y="685800"/>
+            <a:ext cx="6096000" cy="3429000"/>
+          </a:xfrm>
+          <a:custGeom>
+            <a:rect b="b" l="l" r="r" t="t"/>
+            <a:pathLst>
+              <a:path extrusionOk="0" h="120000" w="120000">
+                <a:moveTo>
+                  <a:pt x="0" y="0"/>
+                </a:moveTo>
+                <a:lnTo>
+                  <a:pt x="120000" y="0"/>
+                </a:lnTo>
+                <a:lnTo>
+                  <a:pt x="120000" y="120000"/>
+                </a:lnTo>
+                <a:lnTo>
+                  <a:pt x="0" y="120000"/>
+                </a:lnTo>
+                <a:close/>
+              </a:path>
+            </a:pathLst>
+          </a:custGeom>
+        </p:spPr>
+      </p:sp>
+      <p:sp>
+        <p:nvSpPr>
+          <p:cNvPr id="416" name="Google Shape;416;g250f018c120_0_713:notes"/>
+          <p:cNvSpPr txBox="1"/>
+          <p:nvPr>
+            <p:ph idx="1" type="body"/>
+          </p:nvPr>
+        </p:nvSpPr>
+        <p:spPr>
+          <a:xfrm>
+            <a:off x="685800" y="4343400"/>
+            <a:ext cx="5486400" cy="4114800"/>
+          </a:xfrm>
+          <a:prstGeom prst="rect">
+            <a:avLst/>
+          </a:prstGeom>
+        </p:spPr>
+        <p:txBody>
+          <a:bodyPr anchorCtr="0" anchor="t" bIns="91425" lIns="91425" spcFirstLastPara="1" rIns="91425" wrap="square" tIns="91425">
+            <a:noAutofit/>
+          </a:bodyPr>
+          <a:lstStyle/>
+          <a:p>
+            <a:pPr indent="0" lvl="0" marL="0" rtl="0" algn="l">
+              <a:spcBef>
+                <a:spcPts val="0"/>
+              </a:spcBef>
+              <a:spcAft>
+                <a:spcPts val="0"/>
+              </a:spcAft>
+              <a:buNone/>
+            </a:pPr>
+            <a:r>
+              <a:t/>
+            </a:r>
+            <a:endParaRPr/>
+          </a:p>
+        </p:txBody>
+      </p:sp>
+    </p:spTree>
+  </p:cSld>
+  <p:clrMapOvr>
+    <a:masterClrMapping/>
+  </p:clrMapOvr>
+</p:notes>
+</file>
+
+<file path=ppt/notesSlides/notesSlide26.xml><?xml version="1.0" encoding="utf-8"?>
+<p:notes xmlns:a="http://schemas.openxmlformats.org/drawingml/2006/main" xmlns:r="http://schemas.openxmlformats.org/officeDocument/2006/relationships" xmlns:mc="http://schemas.openxmlformats.org/markup-compatibility/2006" xmlns:mv="urn:schemas-microsoft-com:mac:vml" xmlns:p="http://schemas.openxmlformats.org/presentationml/2006/main" xmlns:c="http://schemas.openxmlformats.org/drawingml/2006/chart" xmlns:dgm="http://schemas.openxmlformats.org/drawingml/2006/diagram" xmlns:o="urn:schemas-microsoft-com:office:office" xmlns:v="urn:schemas-microsoft-com:vml" xmlns:pvml="urn:schemas-microsoft-com:office:powerpoint" xmlns:com="http://schemas.openxmlformats.org/drawingml/2006/compatibility" xmlns:p14="http://schemas.microsoft.com/office/powerpoint/2010/main" xmlns:p15="http://schemas.microsoft.com/office/powerpoint/2012/main" xmlns:ahyp="http://schemas.microsoft.com/office/drawing/2018/hyperlinkcolor" showMasterPhAnim="0" showMasterSp="0">
+  <p:cSld>
+    <p:spTree>
+      <p:nvGrpSpPr>
+        <p:cNvPr id="420" name="Shape 420"/>
+        <p:cNvGrpSpPr/>
+        <p:nvPr/>
+      </p:nvGrpSpPr>
+      <p:grpSpPr>
+        <a:xfrm>
+          <a:off x="0" y="0"/>
+          <a:ext cx="0" cy="0"/>
+          <a:chOff x="0" y="0"/>
+          <a:chExt cx="0" cy="0"/>
+        </a:xfrm>
+      </p:grpSpPr>
+      <p:sp>
+        <p:nvSpPr>
+          <p:cNvPr id="421" name="Google Shape;421;g250f018c120_0_718:notes"/>
+          <p:cNvSpPr/>
+          <p:nvPr>
+            <p:ph idx="2" type="sldImg"/>
+          </p:nvPr>
+        </p:nvSpPr>
+        <p:spPr>
+          <a:xfrm>
+            <a:off x="381300" y="685800"/>
+            <a:ext cx="6096000" cy="3429000"/>
+          </a:xfrm>
+          <a:custGeom>
+            <a:rect b="b" l="l" r="r" t="t"/>
+            <a:pathLst>
+              <a:path extrusionOk="0" h="120000" w="120000">
+                <a:moveTo>
+                  <a:pt x="0" y="0"/>
+                </a:moveTo>
+                <a:lnTo>
+                  <a:pt x="120000" y="0"/>
+                </a:lnTo>
+                <a:lnTo>
+                  <a:pt x="120000" y="120000"/>
+                </a:lnTo>
+                <a:lnTo>
+                  <a:pt x="0" y="120000"/>
+                </a:lnTo>
+                <a:close/>
+              </a:path>
+            </a:pathLst>
+          </a:custGeom>
+        </p:spPr>
+      </p:sp>
+      <p:sp>
+        <p:nvSpPr>
+          <p:cNvPr id="422" name="Google Shape;422;g250f018c120_0_718:notes"/>
           <p:cNvSpPr txBox="1"/>
           <p:nvPr>
             <p:ph idx="1" type="body"/>
@@ -2627,7 +3127,7 @@
       </p:grpSpPr>
       <p:sp>
         <p:nvSpPr>
-          <p:cNvPr id="315" name="Google Shape;315;g250f018c120_0_639:notes"/>
+          <p:cNvPr id="315" name="Google Shape;315;g250f018c120_1_0:notes"/>
           <p:cNvSpPr/>
           <p:nvPr>
             <p:ph idx="2" type="sldImg"/>
@@ -2662,7 +3162,7 @@
       </p:sp>
       <p:sp>
         <p:nvSpPr>
-          <p:cNvPr id="316" name="Google Shape;316;g250f018c120_0_639:notes"/>
+          <p:cNvPr id="316" name="Google Shape;316;g250f018c120_1_0:notes"/>
           <p:cNvSpPr txBox="1"/>
           <p:nvPr>
             <p:ph idx="1" type="body"/>
@@ -2726,7 +3226,7 @@
       </p:grpSpPr>
       <p:sp>
         <p:nvSpPr>
-          <p:cNvPr id="321" name="Google Shape;321;g250f018c120_0_646:notes"/>
+          <p:cNvPr id="321" name="Google Shape;321;g250f018c120_0_639:notes"/>
           <p:cNvSpPr/>
           <p:nvPr>
             <p:ph idx="2" type="sldImg"/>
@@ -2761,7 +3261,7 @@
       </p:sp>
       <p:sp>
         <p:nvSpPr>
-          <p:cNvPr id="322" name="Google Shape;322;g250f018c120_0_646:notes"/>
+          <p:cNvPr id="322" name="Google Shape;322;g250f018c120_0_639:notes"/>
           <p:cNvSpPr txBox="1"/>
           <p:nvPr>
             <p:ph idx="1" type="body"/>
@@ -17283,7 +17783,7 @@
             </a:pPr>
             <a:r>
               <a:rPr lang="fr"/>
-              <a:t>DCC de l’API - Zoom sur le lancement</a:t>
+              <a:t>DCC de l’API</a:t>
             </a:r>
             <a:endParaRPr/>
           </a:p>
@@ -17305,8 +17805,8 @@
         </p:blipFill>
         <p:spPr>
           <a:xfrm>
-            <a:off x="2418673" y="1157025"/>
-            <a:ext cx="4932701" cy="3928613"/>
+            <a:off x="1150949" y="1290000"/>
+            <a:ext cx="6842102" cy="3611475"/>
           </a:xfrm>
           <a:prstGeom prst="rect">
             <a:avLst/>
@@ -17376,7 +17876,7 @@
             </a:pPr>
             <a:r>
               <a:rPr lang="fr"/>
-              <a:t>DCC de l’API - Zoom sur le Doclet</a:t>
+              <a:t>DCC de l’API - Zoom sur le lancement</a:t>
             </a:r>
             <a:endParaRPr/>
           </a:p>
@@ -17398,8 +17898,8 @@
         </p:blipFill>
         <p:spPr>
           <a:xfrm>
-            <a:off x="320663" y="1361600"/>
-            <a:ext cx="8502675" cy="3703375"/>
+            <a:off x="2418673" y="1157025"/>
+            <a:ext cx="4932701" cy="3928613"/>
           </a:xfrm>
           <a:prstGeom prst="rect">
             <a:avLst/>
@@ -17454,7 +17954,7 @@
         </p:spPr>
         <p:txBody>
           <a:bodyPr anchorCtr="0" anchor="t" bIns="91425" lIns="91425" spcFirstLastPara="1" rIns="91425" wrap="square" tIns="91425">
-            <a:normAutofit fontScale="90000"/>
+            <a:normAutofit/>
           </a:bodyPr>
           <a:lstStyle/>
           <a:p>
@@ -17469,7 +17969,7 @@
             </a:pPr>
             <a:r>
               <a:rPr lang="fr"/>
-              <a:t>DCC de l’API - Zoom sur les diagrammes</a:t>
+              <a:t>DCC de l’API - Zoom sur le Doclet</a:t>
             </a:r>
             <a:endParaRPr/>
           </a:p>
@@ -17481,17 +17981,18 @@
           <p:cNvPicPr preferRelativeResize="0"/>
           <p:nvPr/>
         </p:nvPicPr>
-        <p:blipFill rotWithShape="1">
+        <p:blipFill>
           <a:blip r:embed="rId3">
             <a:alphaModFix/>
           </a:blip>
-          <a:srcRect b="0" l="0" r="1468" t="2808"/>
-          <a:stretch/>
+          <a:stretch>
+            <a:fillRect/>
+          </a:stretch>
         </p:blipFill>
         <p:spPr>
           <a:xfrm>
-            <a:off x="150400" y="1524300"/>
-            <a:ext cx="8843200" cy="3238125"/>
+            <a:off x="320663" y="1361600"/>
+            <a:ext cx="8502675" cy="3703375"/>
           </a:xfrm>
           <a:prstGeom prst="rect">
             <a:avLst/>
@@ -17546,7 +18047,7 @@
         </p:spPr>
         <p:txBody>
           <a:bodyPr anchorCtr="0" anchor="t" bIns="91425" lIns="91425" spcFirstLastPara="1" rIns="91425" wrap="square" tIns="91425">
-            <a:normAutofit/>
+            <a:normAutofit fontScale="90000"/>
           </a:bodyPr>
           <a:lstStyle/>
           <a:p>
@@ -17561,7 +18062,7 @@
             </a:pPr>
             <a:r>
               <a:rPr lang="fr"/>
-              <a:t>DCC de l’API - Zoom sur les objets bruts</a:t>
+              <a:t>DCC de l’API - Zoom sur les diagrammes</a:t>
             </a:r>
             <a:endParaRPr/>
           </a:p>
@@ -17573,18 +18074,17 @@
           <p:cNvPicPr preferRelativeResize="0"/>
           <p:nvPr/>
         </p:nvPicPr>
-        <p:blipFill>
+        <p:blipFill rotWithShape="1">
           <a:blip r:embed="rId3">
             <a:alphaModFix/>
           </a:blip>
-          <a:stretch>
-            <a:fillRect/>
-          </a:stretch>
+          <a:srcRect b="0" l="0" r="1468" t="2808"/>
+          <a:stretch/>
         </p:blipFill>
         <p:spPr>
           <a:xfrm>
-            <a:off x="62601" y="1424475"/>
-            <a:ext cx="9018798" cy="3505774"/>
+            <a:off x="150400" y="1524300"/>
+            <a:ext cx="8843200" cy="3238125"/>
           </a:xfrm>
           <a:prstGeom prst="rect">
             <a:avLst/>
@@ -17631,7 +18131,7 @@
         <p:spPr>
           <a:xfrm>
             <a:off x="1303800" y="598575"/>
-            <a:ext cx="7484700" cy="999300"/>
+            <a:ext cx="7030500" cy="999300"/>
           </a:xfrm>
           <a:prstGeom prst="rect">
             <a:avLst/>
@@ -17639,7 +18139,7 @@
         </p:spPr>
         <p:txBody>
           <a:bodyPr anchorCtr="0" anchor="t" bIns="91425" lIns="91425" spcFirstLastPara="1" rIns="91425" wrap="square" tIns="91425">
-            <a:normAutofit fontScale="90000"/>
+            <a:normAutofit/>
           </a:bodyPr>
           <a:lstStyle/>
           <a:p>
@@ -17654,7 +18154,7 @@
             </a:pPr>
             <a:r>
               <a:rPr lang="fr"/>
-              <a:t>DCC de l’API - Zoom sur les relations d’objets</a:t>
+              <a:t>DCC de l’API - Zoom sur les objets bruts</a:t>
             </a:r>
             <a:endParaRPr/>
           </a:p>
@@ -17676,8 +18176,8 @@
         </p:blipFill>
         <p:spPr>
           <a:xfrm>
-            <a:off x="3028150" y="1325750"/>
-            <a:ext cx="3087700" cy="3616826"/>
+            <a:off x="62601" y="1424475"/>
+            <a:ext cx="9018798" cy="3505774"/>
           </a:xfrm>
           <a:prstGeom prst="rect">
             <a:avLst/>
@@ -17724,7 +18224,7 @@
         <p:spPr>
           <a:xfrm>
             <a:off x="1303800" y="598575"/>
-            <a:ext cx="7790700" cy="999300"/>
+            <a:ext cx="7484700" cy="999300"/>
           </a:xfrm>
           <a:prstGeom prst="rect">
             <a:avLst/>
@@ -17747,15 +18247,7 @@
             </a:pPr>
             <a:r>
               <a:rPr lang="fr"/>
-              <a:t>DCC de l’API - Zoom sur les “</a:t>
-            </a:r>
-            <a:r>
-              <a:rPr lang="fr"/>
-              <a:t>éléments</a:t>
-            </a:r>
-            <a:r>
-              <a:rPr lang="fr"/>
-              <a:t> internes”</a:t>
+              <a:t>DCC de l’API - Zoom sur les relations d’objets</a:t>
             </a:r>
             <a:endParaRPr/>
           </a:p>
@@ -17777,8 +18269,8 @@
         </p:blipFill>
         <p:spPr>
           <a:xfrm>
-            <a:off x="2443500" y="1256699"/>
-            <a:ext cx="4256999" cy="3140474"/>
+            <a:off x="3028150" y="1325750"/>
+            <a:ext cx="3087700" cy="3616826"/>
           </a:xfrm>
           <a:prstGeom prst="rect">
             <a:avLst/>
@@ -17848,7 +18340,15 @@
             </a:pPr>
             <a:r>
               <a:rPr lang="fr"/>
-              <a:t>DCC de l’API - Zoom sur les “éléments internes” (2)</a:t>
+              <a:t>DCC de l’API - Zoom sur les “</a:t>
+            </a:r>
+            <a:r>
+              <a:rPr lang="fr"/>
+              <a:t>éléments</a:t>
+            </a:r>
+            <a:r>
+              <a:rPr lang="fr"/>
+              <a:t> internes”</a:t>
             </a:r>
             <a:endParaRPr/>
           </a:p>
@@ -17870,8 +18370,8 @@
         </p:blipFill>
         <p:spPr>
           <a:xfrm>
-            <a:off x="1817627" y="1597875"/>
-            <a:ext cx="5508746" cy="3240825"/>
+            <a:off x="2443500" y="1256699"/>
+            <a:ext cx="4256999" cy="3140474"/>
           </a:xfrm>
           <a:prstGeom prst="rect">
             <a:avLst/>
@@ -17917,6 +18417,99 @@
         </p:nvSpPr>
         <p:spPr>
           <a:xfrm>
+            <a:off x="1303800" y="598575"/>
+            <a:ext cx="7790700" cy="999300"/>
+          </a:xfrm>
+          <a:prstGeom prst="rect">
+            <a:avLst/>
+          </a:prstGeom>
+        </p:spPr>
+        <p:txBody>
+          <a:bodyPr anchorCtr="0" anchor="t" bIns="91425" lIns="91425" spcFirstLastPara="1" rIns="91425" wrap="square" tIns="91425">
+            <a:normAutofit fontScale="90000"/>
+          </a:bodyPr>
+          <a:lstStyle/>
+          <a:p>
+            <a:pPr indent="0" lvl="0" marL="0" rtl="0" algn="l">
+              <a:spcBef>
+                <a:spcPts val="0"/>
+              </a:spcBef>
+              <a:spcAft>
+                <a:spcPts val="0"/>
+              </a:spcAft>
+              <a:buNone/>
+            </a:pPr>
+            <a:r>
+              <a:rPr lang="fr"/>
+              <a:t>DCC de l’API - Zoom sur les “éléments internes” (2)</a:t>
+            </a:r>
+            <a:endParaRPr/>
+          </a:p>
+        </p:txBody>
+      </p:sp>
+      <p:pic>
+        <p:nvPicPr>
+          <p:cNvPr id="373" name="Google Shape;373;p29"/>
+          <p:cNvPicPr preferRelativeResize="0"/>
+          <p:nvPr/>
+        </p:nvPicPr>
+        <p:blipFill>
+          <a:blip r:embed="rId3">
+            <a:alphaModFix/>
+          </a:blip>
+          <a:stretch>
+            <a:fillRect/>
+          </a:stretch>
+        </p:blipFill>
+        <p:spPr>
+          <a:xfrm>
+            <a:off x="1817627" y="1597875"/>
+            <a:ext cx="5508746" cy="3240825"/>
+          </a:xfrm>
+          <a:prstGeom prst="rect">
+            <a:avLst/>
+          </a:prstGeom>
+          <a:noFill/>
+          <a:ln>
+            <a:noFill/>
+          </a:ln>
+        </p:spPr>
+      </p:pic>
+    </p:spTree>
+  </p:cSld>
+  <p:clrMapOvr>
+    <a:masterClrMapping/>
+  </p:clrMapOvr>
+</p:sld>
+</file>
+
+<file path=ppt/slides/slide18.xml><?xml version="1.0" encoding="utf-8"?>
+<p:sld xmlns:a="http://schemas.openxmlformats.org/drawingml/2006/main" xmlns:r="http://schemas.openxmlformats.org/officeDocument/2006/relationships" xmlns:mc="http://schemas.openxmlformats.org/markup-compatibility/2006" xmlns:mv="urn:schemas-microsoft-com:mac:vml" xmlns:p="http://schemas.openxmlformats.org/presentationml/2006/main" xmlns:c="http://schemas.openxmlformats.org/drawingml/2006/chart" xmlns:dgm="http://schemas.openxmlformats.org/drawingml/2006/diagram" xmlns:o="urn:schemas-microsoft-com:office:office" xmlns:v="urn:schemas-microsoft-com:vml" xmlns:pvml="urn:schemas-microsoft-com:office:powerpoint" xmlns:com="http://schemas.openxmlformats.org/drawingml/2006/compatibility" xmlns:p14="http://schemas.microsoft.com/office/powerpoint/2010/main" xmlns:p15="http://schemas.microsoft.com/office/powerpoint/2012/main" xmlns:ahyp="http://schemas.microsoft.com/office/drawing/2018/hyperlinkcolor">
+  <p:cSld>
+    <p:spTree>
+      <p:nvGrpSpPr>
+        <p:cNvPr id="377" name="Shape 377"/>
+        <p:cNvGrpSpPr/>
+        <p:nvPr/>
+      </p:nvGrpSpPr>
+      <p:grpSpPr>
+        <a:xfrm>
+          <a:off x="0" y="0"/>
+          <a:ext cx="0" cy="0"/>
+          <a:chOff x="0" y="0"/>
+          <a:chExt cx="0" cy="0"/>
+        </a:xfrm>
+      </p:grpSpPr>
+      <p:sp>
+        <p:nvSpPr>
+          <p:cNvPr id="378" name="Google Shape;378;p30"/>
+          <p:cNvSpPr txBox="1"/>
+          <p:nvPr>
+            <p:ph type="title"/>
+          </p:nvPr>
+        </p:nvSpPr>
+        <p:spPr>
+          <a:xfrm>
             <a:off x="824000" y="1613825"/>
             <a:ext cx="5857800" cy="1872900"/>
           </a:xfrm>
@@ -17941,164 +18534,9 @@
             </a:pPr>
             <a:r>
               <a:rPr lang="fr"/>
-              <a:t>Bilan de fonctionnement</a:t>
+              <a:t>Utilisation de Java langage model</a:t>
             </a:r>
             <a:endParaRPr/>
-          </a:p>
-        </p:txBody>
-      </p:sp>
-    </p:spTree>
-  </p:cSld>
-  <p:clrMapOvr>
-    <a:masterClrMapping/>
-  </p:clrMapOvr>
-</p:sld>
-</file>
-
-<file path=ppt/slides/slide18.xml><?xml version="1.0" encoding="utf-8"?>
-<p:sld xmlns:a="http://schemas.openxmlformats.org/drawingml/2006/main" xmlns:r="http://schemas.openxmlformats.org/officeDocument/2006/relationships" xmlns:mc="http://schemas.openxmlformats.org/markup-compatibility/2006" xmlns:mv="urn:schemas-microsoft-com:mac:vml" xmlns:p="http://schemas.openxmlformats.org/presentationml/2006/main" xmlns:c="http://schemas.openxmlformats.org/drawingml/2006/chart" xmlns:dgm="http://schemas.openxmlformats.org/drawingml/2006/diagram" xmlns:o="urn:schemas-microsoft-com:office:office" xmlns:v="urn:schemas-microsoft-com:vml" xmlns:pvml="urn:schemas-microsoft-com:office:powerpoint" xmlns:com="http://schemas.openxmlformats.org/drawingml/2006/compatibility" xmlns:p14="http://schemas.microsoft.com/office/powerpoint/2010/main" xmlns:p15="http://schemas.microsoft.com/office/powerpoint/2012/main" xmlns:ahyp="http://schemas.microsoft.com/office/drawing/2018/hyperlinkcolor">
-  <p:cSld>
-    <p:spTree>
-      <p:nvGrpSpPr>
-        <p:cNvPr id="376" name="Shape 376"/>
-        <p:cNvGrpSpPr/>
-        <p:nvPr/>
-      </p:nvGrpSpPr>
-      <p:grpSpPr>
-        <a:xfrm>
-          <a:off x="0" y="0"/>
-          <a:ext cx="0" cy="0"/>
-          <a:chOff x="0" y="0"/>
-          <a:chExt cx="0" cy="0"/>
-        </a:xfrm>
-      </p:grpSpPr>
-      <p:sp>
-        <p:nvSpPr>
-          <p:cNvPr id="377" name="Google Shape;377;p30"/>
-          <p:cNvSpPr txBox="1"/>
-          <p:nvPr>
-            <p:ph type="title"/>
-          </p:nvPr>
-        </p:nvSpPr>
-        <p:spPr>
-          <a:xfrm>
-            <a:off x="1303800" y="598575"/>
-            <a:ext cx="7790700" cy="999300"/>
-          </a:xfrm>
-          <a:prstGeom prst="rect">
-            <a:avLst/>
-          </a:prstGeom>
-        </p:spPr>
-        <p:txBody>
-          <a:bodyPr anchorCtr="0" anchor="t" bIns="91425" lIns="91425" spcFirstLastPara="1" rIns="91425" wrap="square" tIns="91425">
-            <a:normAutofit/>
-          </a:bodyPr>
-          <a:lstStyle/>
-          <a:p>
-            <a:pPr indent="0" lvl="0" marL="0" rtl="0" algn="l">
-              <a:spcBef>
-                <a:spcPts val="0"/>
-              </a:spcBef>
-              <a:spcAft>
-                <a:spcPts val="0"/>
-              </a:spcAft>
-              <a:buNone/>
-            </a:pPr>
-            <a:r>
-              <a:rPr lang="fr"/>
-              <a:t>Qu’est-ce qui marche..?</a:t>
-            </a:r>
-            <a:endParaRPr/>
-          </a:p>
-        </p:txBody>
-      </p:sp>
-      <p:sp>
-        <p:nvSpPr>
-          <p:cNvPr id="378" name="Google Shape;378;p30"/>
-          <p:cNvSpPr txBox="1"/>
-          <p:nvPr>
-            <p:ph idx="1" type="body"/>
-          </p:nvPr>
-        </p:nvSpPr>
-        <p:spPr>
-          <a:xfrm>
-            <a:off x="1303800" y="1597875"/>
-            <a:ext cx="7030500" cy="3203100"/>
-          </a:xfrm>
-          <a:prstGeom prst="rect">
-            <a:avLst/>
-          </a:prstGeom>
-        </p:spPr>
-        <p:txBody>
-          <a:bodyPr anchorCtr="0" anchor="t" bIns="91425" lIns="91425" spcFirstLastPara="1" rIns="91425" wrap="square" tIns="91425">
-            <a:normAutofit/>
-          </a:bodyPr>
-          <a:lstStyle/>
-          <a:p>
-            <a:pPr indent="0" lvl="0" marL="0" rtl="0" algn="l">
-              <a:spcBef>
-                <a:spcPts val="0"/>
-              </a:spcBef>
-              <a:spcAft>
-                <a:spcPts val="0"/>
-              </a:spcAft>
-              <a:buNone/>
-            </a:pPr>
-            <a:r>
-              <a:rPr lang="fr" sz="2100"/>
-              <a:t>TOUT ce qui a été demandé dans l’énoncé, à deux “exceptions” près :</a:t>
-            </a:r>
-            <a:endParaRPr sz="2100"/>
-          </a:p>
-          <a:p>
-            <a:pPr indent="-361950" lvl="0" marL="457200" rtl="0" algn="l">
-              <a:spcBef>
-                <a:spcPts val="1200"/>
-              </a:spcBef>
-              <a:spcAft>
-                <a:spcPts val="0"/>
-              </a:spcAft>
-              <a:buSzPts val="2100"/>
-              <a:buChar char="-"/>
-            </a:pPr>
-            <a:r>
-              <a:rPr lang="fr" sz="2100"/>
-              <a:t>les &lt;&lt;interface&gt;&gt;, &lt;&lt;enumeration&gt;&gt; et le paramètre “skinparam strictuml” </a:t>
-            </a:r>
-            <a:r>
-              <a:rPr i="1" lang="fr" sz="2100"/>
-              <a:t>(une simple ligne permet de le rajouter)</a:t>
-            </a:r>
-            <a:r>
-              <a:rPr lang="fr" sz="2100"/>
-              <a:t> ont été volontairement enlevés </a:t>
-            </a:r>
-            <a:r>
-              <a:rPr i="1" lang="fr" sz="2100"/>
-              <a:t>notamment </a:t>
-            </a:r>
-            <a:r>
-              <a:rPr lang="fr" sz="2100"/>
-              <a:t>pour des questions de design </a:t>
-            </a:r>
-            <a:endParaRPr sz="2100"/>
-          </a:p>
-          <a:p>
-            <a:pPr indent="-361950" lvl="0" marL="457200" rtl="0" algn="l">
-              <a:spcBef>
-                <a:spcPts val="0"/>
-              </a:spcBef>
-              <a:spcAft>
-                <a:spcPts val="0"/>
-              </a:spcAft>
-              <a:buSzPts val="2100"/>
-              <a:buChar char="-"/>
-            </a:pPr>
-            <a:r>
-              <a:rPr lang="fr" sz="2100"/>
-              <a:t>l’exemple des collections infinie (gestion partielle)</a:t>
-            </a:r>
-            <a:endParaRPr sz="2100"/>
           </a:p>
         </p:txBody>
       </p:sp>
@@ -18161,67 +18599,48 @@
             </a:pPr>
             <a:r>
               <a:rPr lang="fr"/>
-              <a:t>Problématique de développement</a:t>
+              <a:t>Les “</a:t>
+            </a:r>
+            <a:r>
+              <a:rPr lang="fr"/>
+              <a:t>éléments</a:t>
+            </a:r>
+            <a:r>
+              <a:rPr lang="fr"/>
+              <a:t>” </a:t>
             </a:r>
             <a:endParaRPr/>
           </a:p>
         </p:txBody>
       </p:sp>
-      <p:sp>
-        <p:nvSpPr>
+      <p:pic>
+        <p:nvPicPr>
           <p:cNvPr id="384" name="Google Shape;384;p31"/>
-          <p:cNvSpPr txBox="1"/>
-          <p:nvPr>
-            <p:ph idx="1" type="body"/>
-          </p:nvPr>
-        </p:nvSpPr>
+          <p:cNvPicPr preferRelativeResize="0"/>
+          <p:nvPr/>
+        </p:nvPicPr>
+        <p:blipFill>
+          <a:blip r:embed="rId3">
+            <a:alphaModFix/>
+          </a:blip>
+          <a:stretch>
+            <a:fillRect/>
+          </a:stretch>
+        </p:blipFill>
         <p:spPr>
           <a:xfrm>
-            <a:off x="1303800" y="1597875"/>
-            <a:ext cx="7030500" cy="3203100"/>
+            <a:off x="676650" y="1182825"/>
+            <a:ext cx="7790700" cy="3875571"/>
           </a:xfrm>
           <a:prstGeom prst="rect">
             <a:avLst/>
           </a:prstGeom>
+          <a:noFill/>
+          <a:ln>
+            <a:noFill/>
+          </a:ln>
         </p:spPr>
-        <p:txBody>
-          <a:bodyPr anchorCtr="0" anchor="t" bIns="91425" lIns="91425" spcFirstLastPara="1" rIns="91425" wrap="square" tIns="91425">
-            <a:normAutofit/>
-          </a:bodyPr>
-          <a:lstStyle/>
-          <a:p>
-            <a:pPr indent="0" lvl="0" marL="0" rtl="0" algn="l">
-              <a:spcBef>
-                <a:spcPts val="0"/>
-              </a:spcBef>
-              <a:spcAft>
-                <a:spcPts val="0"/>
-              </a:spcAft>
-              <a:buNone/>
-            </a:pPr>
-            <a:r>
-              <a:rPr lang="fr" sz="2100"/>
-              <a:t>Les PumlObjects ne stockant pas une instance précise d’un élément, il fallait trouvé un moyen de les différencier (ne pas mettre des &lt;&lt;Use&gt;&gt; ou “implements” plusieurs fois, sur des elements sont aucun lien !).</a:t>
-            </a:r>
-            <a:endParaRPr sz="2100"/>
-          </a:p>
-          <a:p>
-            <a:pPr indent="0" lvl="0" marL="0" rtl="0" algn="l">
-              <a:spcBef>
-                <a:spcPts val="1200"/>
-              </a:spcBef>
-              <a:spcAft>
-                <a:spcPts val="1200"/>
-              </a:spcAft>
-              <a:buNone/>
-            </a:pPr>
-            <a:r>
-              <a:t/>
-            </a:r>
-            <a:endParaRPr sz="2100"/>
-          </a:p>
-        </p:txBody>
-      </p:sp>
+      </p:pic>
     </p:spTree>
   </p:cSld>
   <p:clrMapOvr>
@@ -18346,88 +18765,40 @@
             </a:pPr>
             <a:r>
               <a:rPr lang="fr"/>
-              <a:t>Solution </a:t>
+              <a:t>Les “types” </a:t>
             </a:r>
             <a:endParaRPr/>
           </a:p>
         </p:txBody>
       </p:sp>
-      <p:sp>
-        <p:nvSpPr>
+      <p:pic>
+        <p:nvPicPr>
           <p:cNvPr id="390" name="Google Shape;390;p32"/>
-          <p:cNvSpPr txBox="1"/>
-          <p:nvPr>
-            <p:ph idx="1" type="body"/>
-          </p:nvPr>
-        </p:nvSpPr>
+          <p:cNvPicPr preferRelativeResize="0"/>
+          <p:nvPr/>
+        </p:nvPicPr>
+        <p:blipFill>
+          <a:blip r:embed="rId3">
+            <a:alphaModFix/>
+          </a:blip>
+          <a:stretch>
+            <a:fillRect/>
+          </a:stretch>
+        </p:blipFill>
         <p:spPr>
           <a:xfrm>
-            <a:off x="1303800" y="1597875"/>
-            <a:ext cx="7030500" cy="3203100"/>
+            <a:off x="2154438" y="1276625"/>
+            <a:ext cx="4835124" cy="3714475"/>
           </a:xfrm>
           <a:prstGeom prst="rect">
             <a:avLst/>
           </a:prstGeom>
+          <a:noFill/>
+          <a:ln>
+            <a:noFill/>
+          </a:ln>
         </p:spPr>
-        <p:txBody>
-          <a:bodyPr anchorCtr="0" anchor="t" bIns="91425" lIns="91425" spcFirstLastPara="1" rIns="91425" wrap="square" tIns="91425">
-            <a:normAutofit lnSpcReduction="10000"/>
-          </a:bodyPr>
-          <a:lstStyle/>
-          <a:p>
-            <a:pPr indent="0" lvl="0" marL="0" rtl="0" algn="l">
-              <a:spcBef>
-                <a:spcPts val="0"/>
-              </a:spcBef>
-              <a:spcAft>
-                <a:spcPts val="0"/>
-              </a:spcAft>
-              <a:buNone/>
-            </a:pPr>
-            <a:r>
-              <a:rPr lang="fr" sz="2100"/>
-              <a:t>Utiliser une variable globale dans l’abstract PumlClasses, modifiée lors de l’analyse de ses héritages et ses uses (list incrémentée), puis réinitialisée avant d’analyser la suivante.</a:t>
-            </a:r>
-            <a:endParaRPr sz="2100"/>
-          </a:p>
-          <a:p>
-            <a:pPr indent="-361950" lvl="0" marL="457200" rtl="0" algn="l">
-              <a:spcBef>
-                <a:spcPts val="1200"/>
-              </a:spcBef>
-              <a:spcAft>
-                <a:spcPts val="0"/>
-              </a:spcAft>
-              <a:buSzPts val="2100"/>
-              <a:buChar char="+"/>
-            </a:pPr>
-            <a:r>
-              <a:rPr lang="fr" sz="2100"/>
-              <a:t>Éventuellement</a:t>
-            </a:r>
-            <a:r>
-              <a:rPr lang="fr" sz="2100"/>
-              <a:t> rebouclé sur tout les element de type CLASS de l’environnement durant la création du DCA/DCC pour les ajouter à la fin</a:t>
-            </a:r>
-            <a:endParaRPr sz="2100"/>
-          </a:p>
-          <a:p>
-            <a:pPr indent="0" lvl="0" marL="0" rtl="0" algn="l">
-              <a:spcBef>
-                <a:spcPts val="1200"/>
-              </a:spcBef>
-              <a:spcAft>
-                <a:spcPts val="1200"/>
-              </a:spcAft>
-              <a:buNone/>
-            </a:pPr>
-            <a:r>
-              <a:t/>
-            </a:r>
-            <a:endParaRPr sz="2100"/>
-          </a:p>
-        </p:txBody>
-      </p:sp>
+      </p:pic>
     </p:spTree>
   </p:cSld>
   <p:clrMapOvr>
@@ -18456,6 +18827,629 @@
       <p:sp>
         <p:nvSpPr>
           <p:cNvPr id="395" name="Google Shape;395;p33"/>
+          <p:cNvSpPr txBox="1"/>
+          <p:nvPr>
+            <p:ph type="title"/>
+          </p:nvPr>
+        </p:nvSpPr>
+        <p:spPr>
+          <a:xfrm>
+            <a:off x="1303800" y="598575"/>
+            <a:ext cx="7790700" cy="999300"/>
+          </a:xfrm>
+          <a:prstGeom prst="rect">
+            <a:avLst/>
+          </a:prstGeom>
+        </p:spPr>
+        <p:txBody>
+          <a:bodyPr anchorCtr="0" anchor="t" bIns="91425" lIns="91425" spcFirstLastPara="1" rIns="91425" wrap="square" tIns="91425">
+            <a:normAutofit/>
+          </a:bodyPr>
+          <a:lstStyle/>
+          <a:p>
+            <a:pPr indent="0" lvl="0" marL="0" rtl="0" algn="l">
+              <a:spcBef>
+                <a:spcPts val="0"/>
+              </a:spcBef>
+              <a:spcAft>
+                <a:spcPts val="0"/>
+              </a:spcAft>
+              <a:buNone/>
+            </a:pPr>
+            <a:r>
+              <a:rPr lang="fr"/>
+              <a:t>Et les autres ?</a:t>
+            </a:r>
+            <a:endParaRPr/>
+          </a:p>
+        </p:txBody>
+      </p:sp>
+      <p:sp>
+        <p:nvSpPr>
+          <p:cNvPr id="396" name="Google Shape;396;p33"/>
+          <p:cNvSpPr txBox="1"/>
+          <p:nvPr>
+            <p:ph idx="1" type="body"/>
+          </p:nvPr>
+        </p:nvSpPr>
+        <p:spPr>
+          <a:xfrm>
+            <a:off x="1303800" y="1597875"/>
+            <a:ext cx="7030500" cy="3203100"/>
+          </a:xfrm>
+          <a:prstGeom prst="rect">
+            <a:avLst/>
+          </a:prstGeom>
+        </p:spPr>
+        <p:txBody>
+          <a:bodyPr anchorCtr="0" anchor="t" bIns="91425" lIns="91425" spcFirstLastPara="1" rIns="91425" wrap="square" tIns="91425">
+            <a:normAutofit/>
+          </a:bodyPr>
+          <a:lstStyle/>
+          <a:p>
+            <a:pPr indent="-361950" lvl="0" marL="457200" rtl="0" algn="l">
+              <a:spcBef>
+                <a:spcPts val="0"/>
+              </a:spcBef>
+              <a:spcAft>
+                <a:spcPts val="0"/>
+              </a:spcAft>
+              <a:buSzPts val="2100"/>
+              <a:buChar char="-"/>
+            </a:pPr>
+            <a:r>
+              <a:rPr lang="fr" sz="2100"/>
+              <a:t>Pas d’utilisation de TreeDoc</a:t>
+            </a:r>
+            <a:endParaRPr sz="2100"/>
+          </a:p>
+          <a:p>
+            <a:pPr indent="0" lvl="0" marL="0" rtl="0" algn="l">
+              <a:spcBef>
+                <a:spcPts val="1200"/>
+              </a:spcBef>
+              <a:spcAft>
+                <a:spcPts val="0"/>
+              </a:spcAft>
+              <a:buNone/>
+            </a:pPr>
+            <a:r>
+              <a:t/>
+            </a:r>
+            <a:endParaRPr sz="2100"/>
+          </a:p>
+          <a:p>
+            <a:pPr indent="-361950" lvl="0" marL="457200" rtl="0" algn="l">
+              <a:spcBef>
+                <a:spcPts val="1200"/>
+              </a:spcBef>
+              <a:spcAft>
+                <a:spcPts val="0"/>
+              </a:spcAft>
+              <a:buSzPts val="2100"/>
+              <a:buChar char="-"/>
+            </a:pPr>
+            <a:r>
+              <a:rPr lang="fr" sz="2100"/>
+              <a:t>Ni de ModuleElement ou RecordComponentElement </a:t>
+            </a:r>
+            <a:r>
+              <a:rPr i="1" lang="fr" sz="2100"/>
+              <a:t>(malgré que l’on se soit renseignés sur eux)</a:t>
+            </a:r>
+            <a:endParaRPr i="1" sz="2100"/>
+          </a:p>
+        </p:txBody>
+      </p:sp>
+    </p:spTree>
+  </p:cSld>
+  <p:clrMapOvr>
+    <a:masterClrMapping/>
+  </p:clrMapOvr>
+</p:sld>
+</file>
+
+<file path=ppt/slides/slide22.xml><?xml version="1.0" encoding="utf-8"?>
+<p:sld xmlns:a="http://schemas.openxmlformats.org/drawingml/2006/main" xmlns:r="http://schemas.openxmlformats.org/officeDocument/2006/relationships" xmlns:mc="http://schemas.openxmlformats.org/markup-compatibility/2006" xmlns:mv="urn:schemas-microsoft-com:mac:vml" xmlns:p="http://schemas.openxmlformats.org/presentationml/2006/main" xmlns:c="http://schemas.openxmlformats.org/drawingml/2006/chart" xmlns:dgm="http://schemas.openxmlformats.org/drawingml/2006/diagram" xmlns:o="urn:schemas-microsoft-com:office:office" xmlns:v="urn:schemas-microsoft-com:vml" xmlns:pvml="urn:schemas-microsoft-com:office:powerpoint" xmlns:com="http://schemas.openxmlformats.org/drawingml/2006/compatibility" xmlns:p14="http://schemas.microsoft.com/office/powerpoint/2010/main" xmlns:p15="http://schemas.microsoft.com/office/powerpoint/2012/main" xmlns:ahyp="http://schemas.microsoft.com/office/drawing/2018/hyperlinkcolor">
+  <p:cSld>
+    <p:spTree>
+      <p:nvGrpSpPr>
+        <p:cNvPr id="400" name="Shape 400"/>
+        <p:cNvGrpSpPr/>
+        <p:nvPr/>
+      </p:nvGrpSpPr>
+      <p:grpSpPr>
+        <a:xfrm>
+          <a:off x="0" y="0"/>
+          <a:ext cx="0" cy="0"/>
+          <a:chOff x="0" y="0"/>
+          <a:chExt cx="0" cy="0"/>
+        </a:xfrm>
+      </p:grpSpPr>
+      <p:sp>
+        <p:nvSpPr>
+          <p:cNvPr id="401" name="Google Shape;401;p34"/>
+          <p:cNvSpPr txBox="1"/>
+          <p:nvPr>
+            <p:ph type="title"/>
+          </p:nvPr>
+        </p:nvSpPr>
+        <p:spPr>
+          <a:xfrm>
+            <a:off x="824000" y="1613825"/>
+            <a:ext cx="5857800" cy="1872900"/>
+          </a:xfrm>
+          <a:prstGeom prst="rect">
+            <a:avLst/>
+          </a:prstGeom>
+        </p:spPr>
+        <p:txBody>
+          <a:bodyPr anchorCtr="0" anchor="ctr" bIns="91425" lIns="91425" spcFirstLastPara="1" rIns="91425" wrap="square" tIns="91425">
+            <a:normAutofit/>
+          </a:bodyPr>
+          <a:lstStyle/>
+          <a:p>
+            <a:pPr indent="0" lvl="0" marL="0" rtl="0" algn="l">
+              <a:spcBef>
+                <a:spcPts val="0"/>
+              </a:spcBef>
+              <a:spcAft>
+                <a:spcPts val="0"/>
+              </a:spcAft>
+              <a:buNone/>
+            </a:pPr>
+            <a:r>
+              <a:rPr lang="fr"/>
+              <a:t>Bilan de fonctionnement</a:t>
+            </a:r>
+            <a:endParaRPr/>
+          </a:p>
+        </p:txBody>
+      </p:sp>
+    </p:spTree>
+  </p:cSld>
+  <p:clrMapOvr>
+    <a:masterClrMapping/>
+  </p:clrMapOvr>
+</p:sld>
+</file>
+
+<file path=ppt/slides/slide23.xml><?xml version="1.0" encoding="utf-8"?>
+<p:sld xmlns:a="http://schemas.openxmlformats.org/drawingml/2006/main" xmlns:r="http://schemas.openxmlformats.org/officeDocument/2006/relationships" xmlns:mc="http://schemas.openxmlformats.org/markup-compatibility/2006" xmlns:mv="urn:schemas-microsoft-com:mac:vml" xmlns:p="http://schemas.openxmlformats.org/presentationml/2006/main" xmlns:c="http://schemas.openxmlformats.org/drawingml/2006/chart" xmlns:dgm="http://schemas.openxmlformats.org/drawingml/2006/diagram" xmlns:o="urn:schemas-microsoft-com:office:office" xmlns:v="urn:schemas-microsoft-com:vml" xmlns:pvml="urn:schemas-microsoft-com:office:powerpoint" xmlns:com="http://schemas.openxmlformats.org/drawingml/2006/compatibility" xmlns:p14="http://schemas.microsoft.com/office/powerpoint/2010/main" xmlns:p15="http://schemas.microsoft.com/office/powerpoint/2012/main" xmlns:ahyp="http://schemas.microsoft.com/office/drawing/2018/hyperlinkcolor">
+  <p:cSld>
+    <p:spTree>
+      <p:nvGrpSpPr>
+        <p:cNvPr id="405" name="Shape 405"/>
+        <p:cNvGrpSpPr/>
+        <p:nvPr/>
+      </p:nvGrpSpPr>
+      <p:grpSpPr>
+        <a:xfrm>
+          <a:off x="0" y="0"/>
+          <a:ext cx="0" cy="0"/>
+          <a:chOff x="0" y="0"/>
+          <a:chExt cx="0" cy="0"/>
+        </a:xfrm>
+      </p:grpSpPr>
+      <p:sp>
+        <p:nvSpPr>
+          <p:cNvPr id="406" name="Google Shape;406;p35"/>
+          <p:cNvSpPr txBox="1"/>
+          <p:nvPr>
+            <p:ph type="title"/>
+          </p:nvPr>
+        </p:nvSpPr>
+        <p:spPr>
+          <a:xfrm>
+            <a:off x="1303800" y="598575"/>
+            <a:ext cx="7790700" cy="999300"/>
+          </a:xfrm>
+          <a:prstGeom prst="rect">
+            <a:avLst/>
+          </a:prstGeom>
+        </p:spPr>
+        <p:txBody>
+          <a:bodyPr anchorCtr="0" anchor="t" bIns="91425" lIns="91425" spcFirstLastPara="1" rIns="91425" wrap="square" tIns="91425">
+            <a:normAutofit/>
+          </a:bodyPr>
+          <a:lstStyle/>
+          <a:p>
+            <a:pPr indent="0" lvl="0" marL="0" rtl="0" algn="l">
+              <a:spcBef>
+                <a:spcPts val="0"/>
+              </a:spcBef>
+              <a:spcAft>
+                <a:spcPts val="0"/>
+              </a:spcAft>
+              <a:buNone/>
+            </a:pPr>
+            <a:r>
+              <a:rPr lang="fr"/>
+              <a:t>Qu’est-ce qui marche..?</a:t>
+            </a:r>
+            <a:endParaRPr/>
+          </a:p>
+        </p:txBody>
+      </p:sp>
+      <p:sp>
+        <p:nvSpPr>
+          <p:cNvPr id="407" name="Google Shape;407;p35"/>
+          <p:cNvSpPr txBox="1"/>
+          <p:nvPr>
+            <p:ph idx="1" type="body"/>
+          </p:nvPr>
+        </p:nvSpPr>
+        <p:spPr>
+          <a:xfrm>
+            <a:off x="1303800" y="1597875"/>
+            <a:ext cx="7030500" cy="3203100"/>
+          </a:xfrm>
+          <a:prstGeom prst="rect">
+            <a:avLst/>
+          </a:prstGeom>
+        </p:spPr>
+        <p:txBody>
+          <a:bodyPr anchorCtr="0" anchor="t" bIns="91425" lIns="91425" spcFirstLastPara="1" rIns="91425" wrap="square" tIns="91425">
+            <a:normAutofit/>
+          </a:bodyPr>
+          <a:lstStyle/>
+          <a:p>
+            <a:pPr indent="0" lvl="0" marL="0" rtl="0" algn="l">
+              <a:spcBef>
+                <a:spcPts val="0"/>
+              </a:spcBef>
+              <a:spcAft>
+                <a:spcPts val="0"/>
+              </a:spcAft>
+              <a:buNone/>
+            </a:pPr>
+            <a:r>
+              <a:rPr lang="fr" sz="2100"/>
+              <a:t>TOUT ce qui a été demandé dans l’énoncé, à deux “exceptions” près :</a:t>
+            </a:r>
+            <a:endParaRPr sz="2100"/>
+          </a:p>
+          <a:p>
+            <a:pPr indent="-361950" lvl="0" marL="457200" rtl="0" algn="l">
+              <a:spcBef>
+                <a:spcPts val="1200"/>
+              </a:spcBef>
+              <a:spcAft>
+                <a:spcPts val="0"/>
+              </a:spcAft>
+              <a:buSzPts val="2100"/>
+              <a:buChar char="-"/>
+            </a:pPr>
+            <a:r>
+              <a:rPr lang="fr" sz="2100"/>
+              <a:t>les &lt;&lt;interface&gt;&gt;, &lt;&lt;enumeration&gt;&gt; et le paramètre “skinparam strictuml” </a:t>
+            </a:r>
+            <a:r>
+              <a:rPr i="1" lang="fr" sz="2100"/>
+              <a:t>(une simple ligne permet de le rajouter)</a:t>
+            </a:r>
+            <a:r>
+              <a:rPr lang="fr" sz="2100"/>
+              <a:t> ont été volontairement enlevés </a:t>
+            </a:r>
+            <a:r>
+              <a:rPr i="1" lang="fr" sz="2100"/>
+              <a:t>notamment </a:t>
+            </a:r>
+            <a:r>
+              <a:rPr lang="fr" sz="2100"/>
+              <a:t>pour des questions de design </a:t>
+            </a:r>
+            <a:endParaRPr sz="2100"/>
+          </a:p>
+          <a:p>
+            <a:pPr indent="-361950" lvl="0" marL="457200" rtl="0" algn="l">
+              <a:spcBef>
+                <a:spcPts val="0"/>
+              </a:spcBef>
+              <a:spcAft>
+                <a:spcPts val="0"/>
+              </a:spcAft>
+              <a:buSzPts val="2100"/>
+              <a:buChar char="-"/>
+            </a:pPr>
+            <a:r>
+              <a:rPr lang="fr" sz="2100"/>
+              <a:t>l’exemple des collections infinie (gestion partielle)</a:t>
+            </a:r>
+            <a:endParaRPr sz="2100"/>
+          </a:p>
+        </p:txBody>
+      </p:sp>
+    </p:spTree>
+  </p:cSld>
+  <p:clrMapOvr>
+    <a:masterClrMapping/>
+  </p:clrMapOvr>
+</p:sld>
+</file>
+
+<file path=ppt/slides/slide24.xml><?xml version="1.0" encoding="utf-8"?>
+<p:sld xmlns:a="http://schemas.openxmlformats.org/drawingml/2006/main" xmlns:r="http://schemas.openxmlformats.org/officeDocument/2006/relationships" xmlns:mc="http://schemas.openxmlformats.org/markup-compatibility/2006" xmlns:mv="urn:schemas-microsoft-com:mac:vml" xmlns:p="http://schemas.openxmlformats.org/presentationml/2006/main" xmlns:c="http://schemas.openxmlformats.org/drawingml/2006/chart" xmlns:dgm="http://schemas.openxmlformats.org/drawingml/2006/diagram" xmlns:o="urn:schemas-microsoft-com:office:office" xmlns:v="urn:schemas-microsoft-com:vml" xmlns:pvml="urn:schemas-microsoft-com:office:powerpoint" xmlns:com="http://schemas.openxmlformats.org/drawingml/2006/compatibility" xmlns:p14="http://schemas.microsoft.com/office/powerpoint/2010/main" xmlns:p15="http://schemas.microsoft.com/office/powerpoint/2012/main" xmlns:ahyp="http://schemas.microsoft.com/office/drawing/2018/hyperlinkcolor">
+  <p:cSld>
+    <p:spTree>
+      <p:nvGrpSpPr>
+        <p:cNvPr id="411" name="Shape 411"/>
+        <p:cNvGrpSpPr/>
+        <p:nvPr/>
+      </p:nvGrpSpPr>
+      <p:grpSpPr>
+        <a:xfrm>
+          <a:off x="0" y="0"/>
+          <a:ext cx="0" cy="0"/>
+          <a:chOff x="0" y="0"/>
+          <a:chExt cx="0" cy="0"/>
+        </a:xfrm>
+      </p:grpSpPr>
+      <p:sp>
+        <p:nvSpPr>
+          <p:cNvPr id="412" name="Google Shape;412;p36"/>
+          <p:cNvSpPr txBox="1"/>
+          <p:nvPr>
+            <p:ph type="title"/>
+          </p:nvPr>
+        </p:nvSpPr>
+        <p:spPr>
+          <a:xfrm>
+            <a:off x="1303800" y="598575"/>
+            <a:ext cx="7790700" cy="999300"/>
+          </a:xfrm>
+          <a:prstGeom prst="rect">
+            <a:avLst/>
+          </a:prstGeom>
+        </p:spPr>
+        <p:txBody>
+          <a:bodyPr anchorCtr="0" anchor="t" bIns="91425" lIns="91425" spcFirstLastPara="1" rIns="91425" wrap="square" tIns="91425">
+            <a:normAutofit/>
+          </a:bodyPr>
+          <a:lstStyle/>
+          <a:p>
+            <a:pPr indent="0" lvl="0" marL="0" rtl="0" algn="l">
+              <a:spcBef>
+                <a:spcPts val="0"/>
+              </a:spcBef>
+              <a:spcAft>
+                <a:spcPts val="0"/>
+              </a:spcAft>
+              <a:buNone/>
+            </a:pPr>
+            <a:r>
+              <a:rPr lang="fr"/>
+              <a:t>Problématique de développement</a:t>
+            </a:r>
+            <a:endParaRPr/>
+          </a:p>
+        </p:txBody>
+      </p:sp>
+      <p:sp>
+        <p:nvSpPr>
+          <p:cNvPr id="413" name="Google Shape;413;p36"/>
+          <p:cNvSpPr txBox="1"/>
+          <p:nvPr>
+            <p:ph idx="1" type="body"/>
+          </p:nvPr>
+        </p:nvSpPr>
+        <p:spPr>
+          <a:xfrm>
+            <a:off x="1303800" y="1597875"/>
+            <a:ext cx="7030500" cy="3203100"/>
+          </a:xfrm>
+          <a:prstGeom prst="rect">
+            <a:avLst/>
+          </a:prstGeom>
+        </p:spPr>
+        <p:txBody>
+          <a:bodyPr anchorCtr="0" anchor="t" bIns="91425" lIns="91425" spcFirstLastPara="1" rIns="91425" wrap="square" tIns="91425">
+            <a:normAutofit/>
+          </a:bodyPr>
+          <a:lstStyle/>
+          <a:p>
+            <a:pPr indent="0" lvl="0" marL="0" rtl="0" algn="l">
+              <a:spcBef>
+                <a:spcPts val="0"/>
+              </a:spcBef>
+              <a:spcAft>
+                <a:spcPts val="0"/>
+              </a:spcAft>
+              <a:buNone/>
+            </a:pPr>
+            <a:r>
+              <a:rPr lang="fr" sz="2100"/>
+              <a:t>Les PumlObjects ne stockant pas une instance précise d’un élément, il fallait trouvé un moyen de les différencier (ne pas mettre des &lt;&lt;Use&gt;&gt; ou “implements” plusieurs fois, sur des elements sont aucun lien !).</a:t>
+            </a:r>
+            <a:endParaRPr sz="2100"/>
+          </a:p>
+          <a:p>
+            <a:pPr indent="0" lvl="0" marL="0" rtl="0" algn="l">
+              <a:spcBef>
+                <a:spcPts val="1200"/>
+              </a:spcBef>
+              <a:spcAft>
+                <a:spcPts val="1200"/>
+              </a:spcAft>
+              <a:buNone/>
+            </a:pPr>
+            <a:r>
+              <a:t/>
+            </a:r>
+            <a:endParaRPr sz="2100"/>
+          </a:p>
+        </p:txBody>
+      </p:sp>
+    </p:spTree>
+  </p:cSld>
+  <p:clrMapOvr>
+    <a:masterClrMapping/>
+  </p:clrMapOvr>
+</p:sld>
+</file>
+
+<file path=ppt/slides/slide25.xml><?xml version="1.0" encoding="utf-8"?>
+<p:sld xmlns:a="http://schemas.openxmlformats.org/drawingml/2006/main" xmlns:r="http://schemas.openxmlformats.org/officeDocument/2006/relationships" xmlns:mc="http://schemas.openxmlformats.org/markup-compatibility/2006" xmlns:mv="urn:schemas-microsoft-com:mac:vml" xmlns:p="http://schemas.openxmlformats.org/presentationml/2006/main" xmlns:c="http://schemas.openxmlformats.org/drawingml/2006/chart" xmlns:dgm="http://schemas.openxmlformats.org/drawingml/2006/diagram" xmlns:o="urn:schemas-microsoft-com:office:office" xmlns:v="urn:schemas-microsoft-com:vml" xmlns:pvml="urn:schemas-microsoft-com:office:powerpoint" xmlns:com="http://schemas.openxmlformats.org/drawingml/2006/compatibility" xmlns:p14="http://schemas.microsoft.com/office/powerpoint/2010/main" xmlns:p15="http://schemas.microsoft.com/office/powerpoint/2012/main" xmlns:ahyp="http://schemas.microsoft.com/office/drawing/2018/hyperlinkcolor">
+  <p:cSld>
+    <p:spTree>
+      <p:nvGrpSpPr>
+        <p:cNvPr id="417" name="Shape 417"/>
+        <p:cNvGrpSpPr/>
+        <p:nvPr/>
+      </p:nvGrpSpPr>
+      <p:grpSpPr>
+        <a:xfrm>
+          <a:off x="0" y="0"/>
+          <a:ext cx="0" cy="0"/>
+          <a:chOff x="0" y="0"/>
+          <a:chExt cx="0" cy="0"/>
+        </a:xfrm>
+      </p:grpSpPr>
+      <p:sp>
+        <p:nvSpPr>
+          <p:cNvPr id="418" name="Google Shape;418;p37"/>
+          <p:cNvSpPr txBox="1"/>
+          <p:nvPr>
+            <p:ph type="title"/>
+          </p:nvPr>
+        </p:nvSpPr>
+        <p:spPr>
+          <a:xfrm>
+            <a:off x="1303800" y="598575"/>
+            <a:ext cx="7790700" cy="999300"/>
+          </a:xfrm>
+          <a:prstGeom prst="rect">
+            <a:avLst/>
+          </a:prstGeom>
+        </p:spPr>
+        <p:txBody>
+          <a:bodyPr anchorCtr="0" anchor="t" bIns="91425" lIns="91425" spcFirstLastPara="1" rIns="91425" wrap="square" tIns="91425">
+            <a:normAutofit/>
+          </a:bodyPr>
+          <a:lstStyle/>
+          <a:p>
+            <a:pPr indent="0" lvl="0" marL="0" rtl="0" algn="l">
+              <a:spcBef>
+                <a:spcPts val="0"/>
+              </a:spcBef>
+              <a:spcAft>
+                <a:spcPts val="0"/>
+              </a:spcAft>
+              <a:buNone/>
+            </a:pPr>
+            <a:r>
+              <a:rPr lang="fr"/>
+              <a:t>Solution </a:t>
+            </a:r>
+            <a:endParaRPr/>
+          </a:p>
+        </p:txBody>
+      </p:sp>
+      <p:sp>
+        <p:nvSpPr>
+          <p:cNvPr id="419" name="Google Shape;419;p37"/>
+          <p:cNvSpPr txBox="1"/>
+          <p:nvPr>
+            <p:ph idx="1" type="body"/>
+          </p:nvPr>
+        </p:nvSpPr>
+        <p:spPr>
+          <a:xfrm>
+            <a:off x="1303800" y="1597875"/>
+            <a:ext cx="7030500" cy="3203100"/>
+          </a:xfrm>
+          <a:prstGeom prst="rect">
+            <a:avLst/>
+          </a:prstGeom>
+        </p:spPr>
+        <p:txBody>
+          <a:bodyPr anchorCtr="0" anchor="t" bIns="91425" lIns="91425" spcFirstLastPara="1" rIns="91425" wrap="square" tIns="91425">
+            <a:normAutofit lnSpcReduction="10000"/>
+          </a:bodyPr>
+          <a:lstStyle/>
+          <a:p>
+            <a:pPr indent="0" lvl="0" marL="0" rtl="0" algn="l">
+              <a:spcBef>
+                <a:spcPts val="0"/>
+              </a:spcBef>
+              <a:spcAft>
+                <a:spcPts val="0"/>
+              </a:spcAft>
+              <a:buNone/>
+            </a:pPr>
+            <a:r>
+              <a:rPr lang="fr" sz="2100"/>
+              <a:t>Utiliser une variable globale dans l’abstract PumlClasses, modifiée lors de l’analyse de ses héritages et ses uses (list incrémentée), puis réinitialisée avant d’analyser la suivante.</a:t>
+            </a:r>
+            <a:endParaRPr sz="2100"/>
+          </a:p>
+          <a:p>
+            <a:pPr indent="-361950" lvl="0" marL="457200" rtl="0" algn="l">
+              <a:spcBef>
+                <a:spcPts val="1200"/>
+              </a:spcBef>
+              <a:spcAft>
+                <a:spcPts val="0"/>
+              </a:spcAft>
+              <a:buSzPts val="2100"/>
+              <a:buChar char="+"/>
+            </a:pPr>
+            <a:r>
+              <a:rPr lang="fr" sz="2100"/>
+              <a:t>Éventuellement</a:t>
+            </a:r>
+            <a:r>
+              <a:rPr lang="fr" sz="2100"/>
+              <a:t> rebouclé sur tout les element de type CLASS de l’environnement durant la création du DCA/DCC pour les ajouter à la fin</a:t>
+            </a:r>
+            <a:endParaRPr sz="2100"/>
+          </a:p>
+          <a:p>
+            <a:pPr indent="0" lvl="0" marL="0" rtl="0" algn="l">
+              <a:spcBef>
+                <a:spcPts val="1200"/>
+              </a:spcBef>
+              <a:spcAft>
+                <a:spcPts val="1200"/>
+              </a:spcAft>
+              <a:buNone/>
+            </a:pPr>
+            <a:r>
+              <a:t/>
+            </a:r>
+            <a:endParaRPr sz="2100"/>
+          </a:p>
+        </p:txBody>
+      </p:sp>
+    </p:spTree>
+  </p:cSld>
+  <p:clrMapOvr>
+    <a:masterClrMapping/>
+  </p:clrMapOvr>
+</p:sld>
+</file>
+
+<file path=ppt/slides/slide26.xml><?xml version="1.0" encoding="utf-8"?>
+<p:sld xmlns:a="http://schemas.openxmlformats.org/drawingml/2006/main" xmlns:r="http://schemas.openxmlformats.org/officeDocument/2006/relationships" xmlns:mc="http://schemas.openxmlformats.org/markup-compatibility/2006" xmlns:mv="urn:schemas-microsoft-com:mac:vml" xmlns:p="http://schemas.openxmlformats.org/presentationml/2006/main" xmlns:c="http://schemas.openxmlformats.org/drawingml/2006/chart" xmlns:dgm="http://schemas.openxmlformats.org/drawingml/2006/diagram" xmlns:o="urn:schemas-microsoft-com:office:office" xmlns:v="urn:schemas-microsoft-com:vml" xmlns:pvml="urn:schemas-microsoft-com:office:powerpoint" xmlns:com="http://schemas.openxmlformats.org/drawingml/2006/compatibility" xmlns:p14="http://schemas.microsoft.com/office/powerpoint/2010/main" xmlns:p15="http://schemas.microsoft.com/office/powerpoint/2012/main" xmlns:ahyp="http://schemas.microsoft.com/office/drawing/2018/hyperlinkcolor">
+  <p:cSld>
+    <p:spTree>
+      <p:nvGrpSpPr>
+        <p:cNvPr id="423" name="Shape 423"/>
+        <p:cNvGrpSpPr/>
+        <p:nvPr/>
+      </p:nvGrpSpPr>
+      <p:grpSpPr>
+        <a:xfrm>
+          <a:off x="0" y="0"/>
+          <a:ext cx="0" cy="0"/>
+          <a:chOff x="0" y="0"/>
+          <a:chExt cx="0" cy="0"/>
+        </a:xfrm>
+      </p:grpSpPr>
+      <p:sp>
+        <p:nvSpPr>
+          <p:cNvPr id="424" name="Google Shape;424;p38"/>
           <p:cNvSpPr txBox="1"/>
           <p:nvPr>
             <p:ph type="title"/>
@@ -19227,40 +20221,119 @@
             </a:pPr>
             <a:r>
               <a:rPr lang="fr"/>
-              <a:t>DCA de l’API</a:t>
+              <a:t>Nos choix (après refonte) (2)</a:t>
             </a:r>
             <a:endParaRPr/>
           </a:p>
         </p:txBody>
       </p:sp>
-      <p:pic>
-        <p:nvPicPr>
+      <p:sp>
+        <p:nvSpPr>
           <p:cNvPr id="319" name="Google Shape;319;p20"/>
-          <p:cNvPicPr preferRelativeResize="0"/>
-          <p:nvPr/>
-        </p:nvPicPr>
-        <p:blipFill>
-          <a:blip r:embed="rId3">
-            <a:alphaModFix/>
-          </a:blip>
-          <a:stretch>
-            <a:fillRect/>
-          </a:stretch>
-        </p:blipFill>
+          <p:cNvSpPr txBox="1"/>
+          <p:nvPr>
+            <p:ph idx="1" type="body"/>
+          </p:nvPr>
+        </p:nvSpPr>
         <p:spPr>
           <a:xfrm>
-            <a:off x="1246299" y="1422350"/>
-            <a:ext cx="6651402" cy="3514076"/>
+            <a:off x="1303800" y="1597875"/>
+            <a:ext cx="7030500" cy="3203100"/>
           </a:xfrm>
           <a:prstGeom prst="rect">
             <a:avLst/>
           </a:prstGeom>
-          <a:noFill/>
-          <a:ln>
-            <a:noFill/>
-          </a:ln>
         </p:spPr>
-      </p:pic>
+        <p:txBody>
+          <a:bodyPr anchorCtr="0" anchor="t" bIns="91425" lIns="91425" spcFirstLastPara="1" rIns="91425" wrap="square" tIns="91425">
+            <a:normAutofit/>
+          </a:bodyPr>
+          <a:lstStyle/>
+          <a:p>
+            <a:pPr indent="-361950" lvl="0" marL="457200" rtl="0" algn="l">
+              <a:spcBef>
+                <a:spcPts val="0"/>
+              </a:spcBef>
+              <a:spcAft>
+                <a:spcPts val="0"/>
+              </a:spcAft>
+              <a:buSzPts val="2100"/>
+              <a:buChar char="-"/>
+            </a:pPr>
+            <a:r>
+              <a:rPr lang="fr" sz="2100"/>
+              <a:t>Ne pas afficher ce qui vient du langage java ou du package jdk </a:t>
+            </a:r>
+            <a:endParaRPr sz="2100"/>
+          </a:p>
+          <a:p>
+            <a:pPr indent="0" lvl="0" marL="457200" rtl="0" algn="l">
+              <a:spcBef>
+                <a:spcPts val="1200"/>
+              </a:spcBef>
+              <a:spcAft>
+                <a:spcPts val="0"/>
+              </a:spcAft>
+              <a:buNone/>
+            </a:pPr>
+            <a:r>
+              <a:t/>
+            </a:r>
+            <a:endParaRPr sz="2100"/>
+          </a:p>
+          <a:p>
+            <a:pPr indent="0" lvl="0" marL="0" rtl="0" algn="l">
+              <a:spcBef>
+                <a:spcPts val="1200"/>
+              </a:spcBef>
+              <a:spcAft>
+                <a:spcPts val="0"/>
+              </a:spcAft>
+              <a:buNone/>
+            </a:pPr>
+            <a:r>
+              <a:rPr lang="fr" sz="2100"/>
+              <a:t>(Tout simplement pour éviter que vous ne confondiez vos class, enum ou interface avec celles du langage)</a:t>
+            </a:r>
+            <a:endParaRPr sz="2100"/>
+          </a:p>
+          <a:p>
+            <a:pPr indent="0" lvl="0" marL="0" rtl="0" algn="l">
+              <a:spcBef>
+                <a:spcPts val="1200"/>
+              </a:spcBef>
+              <a:spcAft>
+                <a:spcPts val="0"/>
+              </a:spcAft>
+              <a:buNone/>
+            </a:pPr>
+            <a:r>
+              <a:t/>
+            </a:r>
+            <a:endParaRPr sz="2100"/>
+          </a:p>
+          <a:p>
+            <a:pPr indent="0" lvl="0" marL="0" rtl="0" algn="l">
+              <a:spcBef>
+                <a:spcPts val="1200"/>
+              </a:spcBef>
+              <a:spcAft>
+                <a:spcPts val="1200"/>
+              </a:spcAft>
+              <a:buNone/>
+            </a:pPr>
+            <a:r>
+              <a:rPr i="1" lang="fr"/>
+              <a:t>Ça sent</a:t>
+            </a:r>
+            <a:r>
+              <a:rPr i="1" lang="fr"/>
+              <a:t> le vécu…</a:t>
+            </a:r>
+            <a:endParaRPr i="1"/>
+          </a:p>
+        </p:txBody>
+      </p:sp>
     </p:spTree>
   </p:cSld>
   <p:clrMapOvr>
@@ -19320,7 +20393,7 @@
             </a:pPr>
             <a:r>
               <a:rPr lang="fr"/>
-              <a:t>DCC de l’API</a:t>
+              <a:t>DCA de l’API</a:t>
             </a:r>
             <a:endParaRPr/>
           </a:p>
@@ -19342,8 +20415,8 @@
         </p:blipFill>
         <p:spPr>
           <a:xfrm>
-            <a:off x="1150949" y="1290000"/>
-            <a:ext cx="6842102" cy="3611475"/>
+            <a:off x="1246299" y="1422350"/>
+            <a:ext cx="6651402" cy="3514076"/>
           </a:xfrm>
           <a:prstGeom prst="rect">
             <a:avLst/>

--- a/deliverable/P21_P22 Diapo soutenance.pptx
+++ b/deliverable/P21_P22 Diapo soutenance.pptx
@@ -34,28 +34,34 @@
     <p:sldId id="279" r:id="rId29"/>
     <p:sldId id="280" r:id="rId30"/>
     <p:sldId id="281" r:id="rId31"/>
+    <p:sldId id="282" r:id="rId32"/>
+    <p:sldId id="283" r:id="rId33"/>
+    <p:sldId id="284" r:id="rId34"/>
+    <p:sldId id="285" r:id="rId35"/>
+    <p:sldId id="286" r:id="rId36"/>
+    <p:sldId id="287" r:id="rId37"/>
   </p:sldIdLst>
   <p:sldSz cy="5143500" cx="9144000"/>
   <p:notesSz cx="6858000" cy="9144000"/>
   <p:embeddedFontLst>
     <p:embeddedFont>
       <p:font typeface="Nunito"/>
-      <p:regular r:id="rId32"/>
-      <p:bold r:id="rId33"/>
-      <p:italic r:id="rId34"/>
-      <p:boldItalic r:id="rId35"/>
-    </p:embeddedFont>
-    <p:embeddedFont>
-      <p:font typeface="Maven Pro"/>
-      <p:regular r:id="rId36"/>
-      <p:bold r:id="rId37"/>
-    </p:embeddedFont>
-    <p:embeddedFont>
-      <p:font typeface="EB Garamond"/>
       <p:regular r:id="rId38"/>
       <p:bold r:id="rId39"/>
       <p:italic r:id="rId40"/>
       <p:boldItalic r:id="rId41"/>
+    </p:embeddedFont>
+    <p:embeddedFont>
+      <p:font typeface="Maven Pro"/>
+      <p:regular r:id="rId42"/>
+      <p:bold r:id="rId43"/>
+    </p:embeddedFont>
+    <p:embeddedFont>
+      <p:font typeface="EB Garamond"/>
+      <p:regular r:id="rId44"/>
+      <p:bold r:id="rId45"/>
+      <p:italic r:id="rId46"/>
+      <p:boldItalic r:id="rId47"/>
     </p:embeddedFont>
   </p:embeddedFontLst>
   <p:defaultTextStyle>
@@ -836,7 +842,7 @@
   <p:cSld>
     <p:spTree>
       <p:nvGrpSpPr>
-        <p:cNvPr id="326" name="Shape 326"/>
+        <p:cNvPr id="335" name="Shape 335"/>
         <p:cNvGrpSpPr/>
         <p:nvPr/>
       </p:nvGrpSpPr>
@@ -850,7 +856,7 @@
       </p:grpSpPr>
       <p:sp>
         <p:nvSpPr>
-          <p:cNvPr id="327" name="Google Shape;327;g250f018c120_0_646:notes"/>
+          <p:cNvPr id="336" name="Google Shape;336;g250f018c120_0_646:notes"/>
           <p:cNvSpPr/>
           <p:nvPr>
             <p:ph idx="2" type="sldImg"/>
@@ -885,7 +891,7 @@
       </p:sp>
       <p:sp>
         <p:nvSpPr>
-          <p:cNvPr id="328" name="Google Shape;328;g250f018c120_0_646:notes"/>
+          <p:cNvPr id="337" name="Google Shape;337;g250f018c120_0_646:notes"/>
           <p:cNvSpPr txBox="1"/>
           <p:nvPr>
             <p:ph idx="1" type="body"/>
@@ -935,7 +941,7 @@
   <p:cSld>
     <p:spTree>
       <p:nvGrpSpPr>
-        <p:cNvPr id="332" name="Shape 332"/>
+        <p:cNvPr id="342" name="Shape 342"/>
         <p:cNvGrpSpPr/>
         <p:nvPr/>
       </p:nvGrpSpPr>
@@ -949,7 +955,7 @@
       </p:grpSpPr>
       <p:sp>
         <p:nvSpPr>
-          <p:cNvPr id="333" name="Google Shape;333;g250f018c120_0_653:notes"/>
+          <p:cNvPr id="343" name="Google Shape;343;g250f018c120_0_653:notes"/>
           <p:cNvSpPr/>
           <p:nvPr>
             <p:ph idx="2" type="sldImg"/>
@@ -984,7 +990,7 @@
       </p:sp>
       <p:sp>
         <p:nvSpPr>
-          <p:cNvPr id="334" name="Google Shape;334;g250f018c120_0_653:notes"/>
+          <p:cNvPr id="344" name="Google Shape;344;g250f018c120_0_653:notes"/>
           <p:cNvSpPr txBox="1"/>
           <p:nvPr>
             <p:ph idx="1" type="body"/>
@@ -1034,7 +1040,7 @@
   <p:cSld>
     <p:spTree>
       <p:nvGrpSpPr>
-        <p:cNvPr id="338" name="Shape 338"/>
+        <p:cNvPr id="349" name="Shape 349"/>
         <p:cNvGrpSpPr/>
         <p:nvPr/>
       </p:nvGrpSpPr>
@@ -1048,7 +1054,7 @@
       </p:grpSpPr>
       <p:sp>
         <p:nvSpPr>
-          <p:cNvPr id="339" name="Google Shape;339;g250f018c120_0_659:notes"/>
+          <p:cNvPr id="350" name="Google Shape;350;g250f018c120_0_659:notes"/>
           <p:cNvSpPr/>
           <p:nvPr>
             <p:ph idx="2" type="sldImg"/>
@@ -1083,7 +1089,7 @@
       </p:sp>
       <p:sp>
         <p:nvSpPr>
-          <p:cNvPr id="340" name="Google Shape;340;g250f018c120_0_659:notes"/>
+          <p:cNvPr id="351" name="Google Shape;351;g250f018c120_0_659:notes"/>
           <p:cNvSpPr txBox="1"/>
           <p:nvPr>
             <p:ph idx="1" type="body"/>
@@ -1133,7 +1139,7 @@
   <p:cSld>
     <p:spTree>
       <p:nvGrpSpPr>
-        <p:cNvPr id="344" name="Shape 344"/>
+        <p:cNvPr id="356" name="Shape 356"/>
         <p:cNvGrpSpPr/>
         <p:nvPr/>
       </p:nvGrpSpPr>
@@ -1147,7 +1153,7 @@
       </p:grpSpPr>
       <p:sp>
         <p:nvSpPr>
-          <p:cNvPr id="345" name="Google Shape;345;g250f018c120_0_665:notes"/>
+          <p:cNvPr id="357" name="Google Shape;357;g250f018c120_0_665:notes"/>
           <p:cNvSpPr/>
           <p:nvPr>
             <p:ph idx="2" type="sldImg"/>
@@ -1182,7 +1188,7 @@
       </p:sp>
       <p:sp>
         <p:nvSpPr>
-          <p:cNvPr id="346" name="Google Shape;346;g250f018c120_0_665:notes"/>
+          <p:cNvPr id="358" name="Google Shape;358;g250f018c120_0_665:notes"/>
           <p:cNvSpPr txBox="1"/>
           <p:nvPr>
             <p:ph idx="1" type="body"/>
@@ -1232,7 +1238,7 @@
   <p:cSld>
     <p:spTree>
       <p:nvGrpSpPr>
-        <p:cNvPr id="350" name="Shape 350"/>
+        <p:cNvPr id="363" name="Shape 363"/>
         <p:cNvGrpSpPr/>
         <p:nvPr/>
       </p:nvGrpSpPr>
@@ -1246,7 +1252,7 @@
       </p:grpSpPr>
       <p:sp>
         <p:nvSpPr>
-          <p:cNvPr id="351" name="Google Shape;351;g250f018c120_0_671:notes"/>
+          <p:cNvPr id="364" name="Google Shape;364;g250f018c120_0_671:notes"/>
           <p:cNvSpPr/>
           <p:nvPr>
             <p:ph idx="2" type="sldImg"/>
@@ -1281,7 +1287,7 @@
       </p:sp>
       <p:sp>
         <p:nvSpPr>
-          <p:cNvPr id="352" name="Google Shape;352;g250f018c120_0_671:notes"/>
+          <p:cNvPr id="365" name="Google Shape;365;g250f018c120_0_671:notes"/>
           <p:cNvSpPr txBox="1"/>
           <p:nvPr>
             <p:ph idx="1" type="body"/>
@@ -1331,7 +1337,7 @@
   <p:cSld>
     <p:spTree>
       <p:nvGrpSpPr>
-        <p:cNvPr id="356" name="Shape 356"/>
+        <p:cNvPr id="370" name="Shape 370"/>
         <p:cNvGrpSpPr/>
         <p:nvPr/>
       </p:nvGrpSpPr>
@@ -1345,7 +1351,7 @@
       </p:grpSpPr>
       <p:sp>
         <p:nvSpPr>
-          <p:cNvPr id="357" name="Google Shape;357;g250f018c120_0_677:notes"/>
+          <p:cNvPr id="371" name="Google Shape;371;g250f018c120_0_677:notes"/>
           <p:cNvSpPr/>
           <p:nvPr>
             <p:ph idx="2" type="sldImg"/>
@@ -1380,7 +1386,7 @@
       </p:sp>
       <p:sp>
         <p:nvSpPr>
-          <p:cNvPr id="358" name="Google Shape;358;g250f018c120_0_677:notes"/>
+          <p:cNvPr id="372" name="Google Shape;372;g250f018c120_0_677:notes"/>
           <p:cNvSpPr txBox="1"/>
           <p:nvPr>
             <p:ph idx="1" type="body"/>
@@ -1430,7 +1436,7 @@
   <p:cSld>
     <p:spTree>
       <p:nvGrpSpPr>
-        <p:cNvPr id="362" name="Shape 362"/>
+        <p:cNvPr id="377" name="Shape 377"/>
         <p:cNvGrpSpPr/>
         <p:nvPr/>
       </p:nvGrpSpPr>
@@ -1444,7 +1450,7 @@
       </p:grpSpPr>
       <p:sp>
         <p:nvSpPr>
-          <p:cNvPr id="363" name="Google Shape;363;g250f018c120_0_684:notes"/>
+          <p:cNvPr id="378" name="Google Shape;378;g250f018c120_0_684:notes"/>
           <p:cNvSpPr/>
           <p:nvPr>
             <p:ph idx="2" type="sldImg"/>
@@ -1479,7 +1485,7 @@
       </p:sp>
       <p:sp>
         <p:nvSpPr>
-          <p:cNvPr id="364" name="Google Shape;364;g250f018c120_0_684:notes"/>
+          <p:cNvPr id="379" name="Google Shape;379;g250f018c120_0_684:notes"/>
           <p:cNvSpPr txBox="1"/>
           <p:nvPr>
             <p:ph idx="1" type="body"/>
@@ -1529,7 +1535,7 @@
   <p:cSld>
     <p:spTree>
       <p:nvGrpSpPr>
-        <p:cNvPr id="368" name="Shape 368"/>
+        <p:cNvPr id="384" name="Shape 384"/>
         <p:cNvGrpSpPr/>
         <p:nvPr/>
       </p:nvGrpSpPr>
@@ -1543,7 +1549,7 @@
       </p:grpSpPr>
       <p:sp>
         <p:nvSpPr>
-          <p:cNvPr id="369" name="Google Shape;369;g250f018c120_0_692:notes"/>
+          <p:cNvPr id="385" name="Google Shape;385;g250f018c120_0_692:notes"/>
           <p:cNvSpPr/>
           <p:nvPr>
             <p:ph idx="2" type="sldImg"/>
@@ -1578,7 +1584,7 @@
       </p:sp>
       <p:sp>
         <p:nvSpPr>
-          <p:cNvPr id="370" name="Google Shape;370;g250f018c120_0_692:notes"/>
+          <p:cNvPr id="386" name="Google Shape;386;g250f018c120_0_692:notes"/>
           <p:cNvSpPr txBox="1"/>
           <p:nvPr>
             <p:ph idx="1" type="body"/>
@@ -1628,7 +1634,7 @@
   <p:cSld>
     <p:spTree>
       <p:nvGrpSpPr>
-        <p:cNvPr id="374" name="Shape 374"/>
+        <p:cNvPr id="391" name="Shape 391"/>
         <p:cNvGrpSpPr/>
         <p:nvPr/>
       </p:nvGrpSpPr>
@@ -1642,7 +1648,7 @@
       </p:grpSpPr>
       <p:sp>
         <p:nvSpPr>
-          <p:cNvPr id="375" name="Google Shape;375;g250f018c120_1_5:notes"/>
+          <p:cNvPr id="392" name="Google Shape;392;g250f018c120_1_5:notes"/>
           <p:cNvSpPr/>
           <p:nvPr>
             <p:ph idx="2" type="sldImg"/>
@@ -1677,7 +1683,7 @@
       </p:sp>
       <p:sp>
         <p:nvSpPr>
-          <p:cNvPr id="376" name="Google Shape;376;g250f018c120_1_5:notes"/>
+          <p:cNvPr id="393" name="Google Shape;393;g250f018c120_1_5:notes"/>
           <p:cNvSpPr txBox="1"/>
           <p:nvPr>
             <p:ph idx="1" type="body"/>
@@ -1727,7 +1733,7 @@
   <p:cSld>
     <p:spTree>
       <p:nvGrpSpPr>
-        <p:cNvPr id="379" name="Shape 379"/>
+        <p:cNvPr id="397" name="Shape 397"/>
         <p:cNvGrpSpPr/>
         <p:nvPr/>
       </p:nvGrpSpPr>
@@ -1741,7 +1747,7 @@
       </p:grpSpPr>
       <p:sp>
         <p:nvSpPr>
-          <p:cNvPr id="380" name="Google Shape;380;g250f018c120_1_9:notes"/>
+          <p:cNvPr id="398" name="Google Shape;398;g250f018c120_1_9:notes"/>
           <p:cNvSpPr/>
           <p:nvPr>
             <p:ph idx="2" type="sldImg"/>
@@ -1776,7 +1782,7 @@
       </p:sp>
       <p:sp>
         <p:nvSpPr>
-          <p:cNvPr id="381" name="Google Shape;381;g250f018c120_1_9:notes"/>
+          <p:cNvPr id="399" name="Google Shape;399;g250f018c120_1_9:notes"/>
           <p:cNvSpPr txBox="1"/>
           <p:nvPr>
             <p:ph idx="1" type="body"/>
@@ -1826,7 +1832,7 @@
   <p:cSld>
     <p:spTree>
       <p:nvGrpSpPr>
-        <p:cNvPr id="280" name="Shape 280"/>
+        <p:cNvPr id="281" name="Shape 281"/>
         <p:cNvGrpSpPr/>
         <p:nvPr/>
       </p:nvGrpSpPr>
@@ -1840,7 +1846,7 @@
       </p:grpSpPr>
       <p:sp>
         <p:nvSpPr>
-          <p:cNvPr id="281" name="Google Shape;281;g250f018c120_0_586:notes"/>
+          <p:cNvPr id="282" name="Google Shape;282;g250f018c120_0_586:notes"/>
           <p:cNvSpPr/>
           <p:nvPr>
             <p:ph idx="2" type="sldImg"/>
@@ -1875,7 +1881,7 @@
       </p:sp>
       <p:sp>
         <p:nvSpPr>
-          <p:cNvPr id="282" name="Google Shape;282;g250f018c120_0_586:notes"/>
+          <p:cNvPr id="283" name="Google Shape;283;g250f018c120_0_586:notes"/>
           <p:cNvSpPr txBox="1"/>
           <p:nvPr>
             <p:ph idx="1" type="body"/>
@@ -1925,7 +1931,7 @@
   <p:cSld>
     <p:spTree>
       <p:nvGrpSpPr>
-        <p:cNvPr id="385" name="Shape 385"/>
+        <p:cNvPr id="404" name="Shape 404"/>
         <p:cNvGrpSpPr/>
         <p:nvPr/>
       </p:nvGrpSpPr>
@@ -1939,7 +1945,7 @@
       </p:grpSpPr>
       <p:sp>
         <p:nvSpPr>
-          <p:cNvPr id="386" name="Google Shape;386;g250f018c120_1_15:notes"/>
+          <p:cNvPr id="405" name="Google Shape;405;g250f018c120_1_15:notes"/>
           <p:cNvSpPr/>
           <p:nvPr>
             <p:ph idx="2" type="sldImg"/>
@@ -1974,7 +1980,7 @@
       </p:sp>
       <p:sp>
         <p:nvSpPr>
-          <p:cNvPr id="387" name="Google Shape;387;g250f018c120_1_15:notes"/>
+          <p:cNvPr id="406" name="Google Shape;406;g250f018c120_1_15:notes"/>
           <p:cNvSpPr txBox="1"/>
           <p:nvPr>
             <p:ph idx="1" type="body"/>
@@ -2024,7 +2030,7 @@
   <p:cSld>
     <p:spTree>
       <p:nvGrpSpPr>
-        <p:cNvPr id="391" name="Shape 391"/>
+        <p:cNvPr id="411" name="Shape 411"/>
         <p:cNvGrpSpPr/>
         <p:nvPr/>
       </p:nvGrpSpPr>
@@ -2038,7 +2044,7 @@
       </p:grpSpPr>
       <p:sp>
         <p:nvSpPr>
-          <p:cNvPr id="392" name="Google Shape;392;g250f018c120_1_21:notes"/>
+          <p:cNvPr id="412" name="Google Shape;412;g250f018c120_1_21:notes"/>
           <p:cNvSpPr/>
           <p:nvPr>
             <p:ph idx="2" type="sldImg"/>
@@ -2073,7 +2079,7 @@
       </p:sp>
       <p:sp>
         <p:nvSpPr>
-          <p:cNvPr id="393" name="Google Shape;393;g250f018c120_1_21:notes"/>
+          <p:cNvPr id="413" name="Google Shape;413;g250f018c120_1_21:notes"/>
           <p:cNvSpPr txBox="1"/>
           <p:nvPr>
             <p:ph idx="1" type="body"/>
@@ -2123,7 +2129,7 @@
   <p:cSld>
     <p:spTree>
       <p:nvGrpSpPr>
-        <p:cNvPr id="397" name="Shape 397"/>
+        <p:cNvPr id="418" name="Shape 418"/>
         <p:cNvGrpSpPr/>
         <p:nvPr/>
       </p:nvGrpSpPr>
@@ -2137,7 +2143,7 @@
       </p:grpSpPr>
       <p:sp>
         <p:nvSpPr>
-          <p:cNvPr id="398" name="Google Shape;398;g250f018c120_0_698:notes"/>
+          <p:cNvPr id="419" name="Google Shape;419;g250f018c120_0_698:notes"/>
           <p:cNvSpPr/>
           <p:nvPr>
             <p:ph idx="2" type="sldImg"/>
@@ -2172,7 +2178,7 @@
       </p:sp>
       <p:sp>
         <p:nvSpPr>
-          <p:cNvPr id="399" name="Google Shape;399;g250f018c120_0_698:notes"/>
+          <p:cNvPr id="420" name="Google Shape;420;g250f018c120_0_698:notes"/>
           <p:cNvSpPr txBox="1"/>
           <p:nvPr>
             <p:ph idx="1" type="body"/>
@@ -2222,7 +2228,7 @@
   <p:cSld>
     <p:spTree>
       <p:nvGrpSpPr>
-        <p:cNvPr id="402" name="Shape 402"/>
+        <p:cNvPr id="424" name="Shape 424"/>
         <p:cNvGrpSpPr/>
         <p:nvPr/>
       </p:nvGrpSpPr>
@@ -2236,7 +2242,7 @@
       </p:grpSpPr>
       <p:sp>
         <p:nvSpPr>
-          <p:cNvPr id="403" name="Google Shape;403;g250f018c120_0_702:notes"/>
+          <p:cNvPr id="425" name="Google Shape;425;g251ad7a234b_0_4:notes"/>
           <p:cNvSpPr/>
           <p:nvPr>
             <p:ph idx="2" type="sldImg"/>
@@ -2271,7 +2277,7 @@
       </p:sp>
       <p:sp>
         <p:nvSpPr>
-          <p:cNvPr id="404" name="Google Shape;404;g250f018c120_0_702:notes"/>
+          <p:cNvPr id="426" name="Google Shape;426;g251ad7a234b_0_4:notes"/>
           <p:cNvSpPr txBox="1"/>
           <p:nvPr>
             <p:ph idx="1" type="body"/>
@@ -2321,7 +2327,7 @@
   <p:cSld>
     <p:spTree>
       <p:nvGrpSpPr>
-        <p:cNvPr id="408" name="Shape 408"/>
+        <p:cNvPr id="431" name="Shape 431"/>
         <p:cNvGrpSpPr/>
         <p:nvPr/>
       </p:nvGrpSpPr>
@@ -2335,7 +2341,7 @@
       </p:grpSpPr>
       <p:sp>
         <p:nvSpPr>
-          <p:cNvPr id="409" name="Google Shape;409;g250f018c120_0_708:notes"/>
+          <p:cNvPr id="432" name="Google Shape;432;g251ad7a234b_0_11:notes"/>
           <p:cNvSpPr/>
           <p:nvPr>
             <p:ph idx="2" type="sldImg"/>
@@ -2370,7 +2376,7 @@
       </p:sp>
       <p:sp>
         <p:nvSpPr>
-          <p:cNvPr id="410" name="Google Shape;410;g250f018c120_0_708:notes"/>
+          <p:cNvPr id="433" name="Google Shape;433;g251ad7a234b_0_11:notes"/>
           <p:cNvSpPr txBox="1"/>
           <p:nvPr>
             <p:ph idx="1" type="body"/>
@@ -2420,7 +2426,7 @@
   <p:cSld>
     <p:spTree>
       <p:nvGrpSpPr>
-        <p:cNvPr id="414" name="Shape 414"/>
+        <p:cNvPr id="438" name="Shape 438"/>
         <p:cNvGrpSpPr/>
         <p:nvPr/>
       </p:nvGrpSpPr>
@@ -2434,7 +2440,7 @@
       </p:grpSpPr>
       <p:sp>
         <p:nvSpPr>
-          <p:cNvPr id="415" name="Google Shape;415;g250f018c120_0_713:notes"/>
+          <p:cNvPr id="439" name="Google Shape;439;g251ad7a234b_0_17:notes"/>
           <p:cNvSpPr/>
           <p:nvPr>
             <p:ph idx="2" type="sldImg"/>
@@ -2469,7 +2475,7 @@
       </p:sp>
       <p:sp>
         <p:nvSpPr>
-          <p:cNvPr id="416" name="Google Shape;416;g250f018c120_0_713:notes"/>
+          <p:cNvPr id="440" name="Google Shape;440;g251ad7a234b_0_17:notes"/>
           <p:cNvSpPr txBox="1"/>
           <p:nvPr>
             <p:ph idx="1" type="body"/>
@@ -2519,7 +2525,7 @@
   <p:cSld>
     <p:spTree>
       <p:nvGrpSpPr>
-        <p:cNvPr id="420" name="Shape 420"/>
+        <p:cNvPr id="445" name="Shape 445"/>
         <p:cNvGrpSpPr/>
         <p:nvPr/>
       </p:nvGrpSpPr>
@@ -2533,7 +2539,7 @@
       </p:grpSpPr>
       <p:sp>
         <p:nvSpPr>
-          <p:cNvPr id="421" name="Google Shape;421;g250f018c120_0_718:notes"/>
+          <p:cNvPr id="446" name="Google Shape;446;g251ad7a234b_0_23:notes"/>
           <p:cNvSpPr/>
           <p:nvPr>
             <p:ph idx="2" type="sldImg"/>
@@ -2568,7 +2574,7 @@
       </p:sp>
       <p:sp>
         <p:nvSpPr>
-          <p:cNvPr id="422" name="Google Shape;422;g250f018c120_0_718:notes"/>
+          <p:cNvPr id="447" name="Google Shape;447;g251ad7a234b_0_23:notes"/>
           <p:cNvSpPr txBox="1"/>
           <p:nvPr>
             <p:ph idx="1" type="body"/>
@@ -2613,12 +2619,12 @@
 </p:notes>
 </file>
 
-<file path=ppt/notesSlides/notesSlide3.xml><?xml version="1.0" encoding="utf-8"?>
+<file path=ppt/notesSlides/notesSlide27.xml><?xml version="1.0" encoding="utf-8"?>
 <p:notes xmlns:a="http://schemas.openxmlformats.org/drawingml/2006/main" xmlns:r="http://schemas.openxmlformats.org/officeDocument/2006/relationships" xmlns:mc="http://schemas.openxmlformats.org/markup-compatibility/2006" xmlns:mv="urn:schemas-microsoft-com:mac:vml" xmlns:p="http://schemas.openxmlformats.org/presentationml/2006/main" xmlns:c="http://schemas.openxmlformats.org/drawingml/2006/chart" xmlns:dgm="http://schemas.openxmlformats.org/drawingml/2006/diagram" xmlns:o="urn:schemas-microsoft-com:office:office" xmlns:v="urn:schemas-microsoft-com:vml" xmlns:pvml="urn:schemas-microsoft-com:office:powerpoint" xmlns:com="http://schemas.openxmlformats.org/drawingml/2006/compatibility" xmlns:p14="http://schemas.microsoft.com/office/powerpoint/2010/main" xmlns:p15="http://schemas.microsoft.com/office/powerpoint/2012/main" xmlns:ahyp="http://schemas.microsoft.com/office/drawing/2018/hyperlinkcolor" showMasterPhAnim="0" showMasterSp="0">
   <p:cSld>
     <p:spTree>
       <p:nvGrpSpPr>
-        <p:cNvPr id="285" name="Shape 285"/>
+        <p:cNvPr id="452" name="Shape 452"/>
         <p:cNvGrpSpPr/>
         <p:nvPr/>
       </p:nvGrpSpPr>
@@ -2632,7 +2638,7 @@
       </p:grpSpPr>
       <p:sp>
         <p:nvSpPr>
-          <p:cNvPr id="286" name="Google Shape;286;g250f018c120_0_607:notes"/>
+          <p:cNvPr id="453" name="Google Shape;453;g251ad7a234b_0_29:notes"/>
           <p:cNvSpPr/>
           <p:nvPr>
             <p:ph idx="2" type="sldImg"/>
@@ -2667,7 +2673,7 @@
       </p:sp>
       <p:sp>
         <p:nvSpPr>
-          <p:cNvPr id="287" name="Google Shape;287;g250f018c120_0_607:notes"/>
+          <p:cNvPr id="454" name="Google Shape;454;g251ad7a234b_0_29:notes"/>
           <p:cNvSpPr txBox="1"/>
           <p:nvPr>
             <p:ph idx="1" type="body"/>
@@ -2712,12 +2718,12 @@
 </p:notes>
 </file>
 
-<file path=ppt/notesSlides/notesSlide4.xml><?xml version="1.0" encoding="utf-8"?>
+<file path=ppt/notesSlides/notesSlide28.xml><?xml version="1.0" encoding="utf-8"?>
 <p:notes xmlns:a="http://schemas.openxmlformats.org/drawingml/2006/main" xmlns:r="http://schemas.openxmlformats.org/officeDocument/2006/relationships" xmlns:mc="http://schemas.openxmlformats.org/markup-compatibility/2006" xmlns:mv="urn:schemas-microsoft-com:mac:vml" xmlns:p="http://schemas.openxmlformats.org/presentationml/2006/main" xmlns:c="http://schemas.openxmlformats.org/drawingml/2006/chart" xmlns:dgm="http://schemas.openxmlformats.org/drawingml/2006/diagram" xmlns:o="urn:schemas-microsoft-com:office:office" xmlns:v="urn:schemas-microsoft-com:vml" xmlns:pvml="urn:schemas-microsoft-com:office:powerpoint" xmlns:com="http://schemas.openxmlformats.org/drawingml/2006/compatibility" xmlns:p14="http://schemas.microsoft.com/office/powerpoint/2010/main" xmlns:p15="http://schemas.microsoft.com/office/powerpoint/2012/main" xmlns:ahyp="http://schemas.microsoft.com/office/drawing/2018/hyperlinkcolor" showMasterPhAnim="0" showMasterSp="0">
   <p:cSld>
     <p:spTree>
       <p:nvGrpSpPr>
-        <p:cNvPr id="291" name="Shape 291"/>
+        <p:cNvPr id="459" name="Shape 459"/>
         <p:cNvGrpSpPr/>
         <p:nvPr/>
       </p:nvGrpSpPr>
@@ -2731,7 +2737,7 @@
       </p:grpSpPr>
       <p:sp>
         <p:nvSpPr>
-          <p:cNvPr id="292" name="Google Shape;292;g250f018c120_0_612:notes"/>
+          <p:cNvPr id="460" name="Google Shape;460;g251ad7a234b_0_0:notes"/>
           <p:cNvSpPr/>
           <p:nvPr>
             <p:ph idx="2" type="sldImg"/>
@@ -2766,7 +2772,7 @@
       </p:sp>
       <p:sp>
         <p:nvSpPr>
-          <p:cNvPr id="293" name="Google Shape;293;g250f018c120_0_612:notes"/>
+          <p:cNvPr id="461" name="Google Shape;461;g251ad7a234b_0_0:notes"/>
           <p:cNvSpPr txBox="1"/>
           <p:nvPr>
             <p:ph idx="1" type="body"/>
@@ -2811,12 +2817,12 @@
 </p:notes>
 </file>
 
-<file path=ppt/notesSlides/notesSlide5.xml><?xml version="1.0" encoding="utf-8"?>
+<file path=ppt/notesSlides/notesSlide29.xml><?xml version="1.0" encoding="utf-8"?>
 <p:notes xmlns:a="http://schemas.openxmlformats.org/drawingml/2006/main" xmlns:r="http://schemas.openxmlformats.org/officeDocument/2006/relationships" xmlns:mc="http://schemas.openxmlformats.org/markup-compatibility/2006" xmlns:mv="urn:schemas-microsoft-com:mac:vml" xmlns:p="http://schemas.openxmlformats.org/presentationml/2006/main" xmlns:c="http://schemas.openxmlformats.org/drawingml/2006/chart" xmlns:dgm="http://schemas.openxmlformats.org/drawingml/2006/diagram" xmlns:o="urn:schemas-microsoft-com:office:office" xmlns:v="urn:schemas-microsoft-com:vml" xmlns:pvml="urn:schemas-microsoft-com:office:powerpoint" xmlns:com="http://schemas.openxmlformats.org/drawingml/2006/compatibility" xmlns:p14="http://schemas.microsoft.com/office/powerpoint/2010/main" xmlns:p15="http://schemas.microsoft.com/office/powerpoint/2012/main" xmlns:ahyp="http://schemas.microsoft.com/office/drawing/2018/hyperlinkcolor" showMasterPhAnim="0" showMasterSp="0">
   <p:cSld>
     <p:spTree>
       <p:nvGrpSpPr>
-        <p:cNvPr id="297" name="Shape 297"/>
+        <p:cNvPr id="465" name="Shape 465"/>
         <p:cNvGrpSpPr/>
         <p:nvPr/>
       </p:nvGrpSpPr>
@@ -2830,7 +2836,7 @@
       </p:grpSpPr>
       <p:sp>
         <p:nvSpPr>
-          <p:cNvPr id="298" name="Google Shape;298;g250f018c120_0_617:notes"/>
+          <p:cNvPr id="466" name="Google Shape;466;g250f018c120_0_702:notes"/>
           <p:cNvSpPr/>
           <p:nvPr>
             <p:ph idx="2" type="sldImg"/>
@@ -2865,7 +2871,7 @@
       </p:sp>
       <p:sp>
         <p:nvSpPr>
-          <p:cNvPr id="299" name="Google Shape;299;g250f018c120_0_617:notes"/>
+          <p:cNvPr id="467" name="Google Shape;467;g250f018c120_0_702:notes"/>
           <p:cNvSpPr txBox="1"/>
           <p:nvPr>
             <p:ph idx="1" type="body"/>
@@ -2910,12 +2916,12 @@
 </p:notes>
 </file>
 
-<file path=ppt/notesSlides/notesSlide6.xml><?xml version="1.0" encoding="utf-8"?>
+<file path=ppt/notesSlides/notesSlide3.xml><?xml version="1.0" encoding="utf-8"?>
 <p:notes xmlns:a="http://schemas.openxmlformats.org/drawingml/2006/main" xmlns:r="http://schemas.openxmlformats.org/officeDocument/2006/relationships" xmlns:mc="http://schemas.openxmlformats.org/markup-compatibility/2006" xmlns:mv="urn:schemas-microsoft-com:mac:vml" xmlns:p="http://schemas.openxmlformats.org/presentationml/2006/main" xmlns:c="http://schemas.openxmlformats.org/drawingml/2006/chart" xmlns:dgm="http://schemas.openxmlformats.org/drawingml/2006/diagram" xmlns:o="urn:schemas-microsoft-com:office:office" xmlns:v="urn:schemas-microsoft-com:vml" xmlns:pvml="urn:schemas-microsoft-com:office:powerpoint" xmlns:com="http://schemas.openxmlformats.org/drawingml/2006/compatibility" xmlns:p14="http://schemas.microsoft.com/office/powerpoint/2010/main" xmlns:p15="http://schemas.microsoft.com/office/powerpoint/2012/main" xmlns:ahyp="http://schemas.microsoft.com/office/drawing/2018/hyperlinkcolor" showMasterPhAnim="0" showMasterSp="0">
   <p:cSld>
     <p:spTree>
       <p:nvGrpSpPr>
-        <p:cNvPr id="302" name="Shape 302"/>
+        <p:cNvPr id="287" name="Shape 287"/>
         <p:cNvGrpSpPr/>
         <p:nvPr/>
       </p:nvGrpSpPr>
@@ -2929,7 +2935,7 @@
       </p:grpSpPr>
       <p:sp>
         <p:nvSpPr>
-          <p:cNvPr id="303" name="Google Shape;303;g250f018c120_0_634:notes"/>
+          <p:cNvPr id="288" name="Google Shape;288;g250f018c120_0_607:notes"/>
           <p:cNvSpPr/>
           <p:nvPr>
             <p:ph idx="2" type="sldImg"/>
@@ -2964,7 +2970,7 @@
       </p:sp>
       <p:sp>
         <p:nvSpPr>
-          <p:cNvPr id="304" name="Google Shape;304;g250f018c120_0_634:notes"/>
+          <p:cNvPr id="289" name="Google Shape;289;g250f018c120_0_607:notes"/>
           <p:cNvSpPr txBox="1"/>
           <p:nvPr>
             <p:ph idx="1" type="body"/>
@@ -3009,12 +3015,12 @@
 </p:notes>
 </file>
 
-<file path=ppt/notesSlides/notesSlide7.xml><?xml version="1.0" encoding="utf-8"?>
+<file path=ppt/notesSlides/notesSlide30.xml><?xml version="1.0" encoding="utf-8"?>
 <p:notes xmlns:a="http://schemas.openxmlformats.org/drawingml/2006/main" xmlns:r="http://schemas.openxmlformats.org/officeDocument/2006/relationships" xmlns:mc="http://schemas.openxmlformats.org/markup-compatibility/2006" xmlns:mv="urn:schemas-microsoft-com:mac:vml" xmlns:p="http://schemas.openxmlformats.org/presentationml/2006/main" xmlns:c="http://schemas.openxmlformats.org/drawingml/2006/chart" xmlns:dgm="http://schemas.openxmlformats.org/drawingml/2006/diagram" xmlns:o="urn:schemas-microsoft-com:office:office" xmlns:v="urn:schemas-microsoft-com:vml" xmlns:pvml="urn:schemas-microsoft-com:office:powerpoint" xmlns:com="http://schemas.openxmlformats.org/drawingml/2006/compatibility" xmlns:p14="http://schemas.microsoft.com/office/powerpoint/2010/main" xmlns:p15="http://schemas.microsoft.com/office/powerpoint/2012/main" xmlns:ahyp="http://schemas.microsoft.com/office/drawing/2018/hyperlinkcolor" showMasterPhAnim="0" showMasterSp="0">
   <p:cSld>
     <p:spTree>
       <p:nvGrpSpPr>
-        <p:cNvPr id="308" name="Shape 308"/>
+        <p:cNvPr id="472" name="Shape 472"/>
         <p:cNvGrpSpPr/>
         <p:nvPr/>
       </p:nvGrpSpPr>
@@ -3028,7 +3034,7 @@
       </p:grpSpPr>
       <p:sp>
         <p:nvSpPr>
-          <p:cNvPr id="309" name="Google Shape;309;g250f018c120_0_629:notes"/>
+          <p:cNvPr id="473" name="Google Shape;473;g250f018c120_0_708:notes"/>
           <p:cNvSpPr/>
           <p:nvPr>
             <p:ph idx="2" type="sldImg"/>
@@ -3063,7 +3069,7 @@
       </p:sp>
       <p:sp>
         <p:nvSpPr>
-          <p:cNvPr id="310" name="Google Shape;310;g250f018c120_0_629:notes"/>
+          <p:cNvPr id="474" name="Google Shape;474;g250f018c120_0_708:notes"/>
           <p:cNvSpPr txBox="1"/>
           <p:nvPr>
             <p:ph idx="1" type="body"/>
@@ -3108,12 +3114,12 @@
 </p:notes>
 </file>
 
-<file path=ppt/notesSlides/notesSlide8.xml><?xml version="1.0" encoding="utf-8"?>
+<file path=ppt/notesSlides/notesSlide31.xml><?xml version="1.0" encoding="utf-8"?>
 <p:notes xmlns:a="http://schemas.openxmlformats.org/drawingml/2006/main" xmlns:r="http://schemas.openxmlformats.org/officeDocument/2006/relationships" xmlns:mc="http://schemas.openxmlformats.org/markup-compatibility/2006" xmlns:mv="urn:schemas-microsoft-com:mac:vml" xmlns:p="http://schemas.openxmlformats.org/presentationml/2006/main" xmlns:c="http://schemas.openxmlformats.org/drawingml/2006/chart" xmlns:dgm="http://schemas.openxmlformats.org/drawingml/2006/diagram" xmlns:o="urn:schemas-microsoft-com:office:office" xmlns:v="urn:schemas-microsoft-com:vml" xmlns:pvml="urn:schemas-microsoft-com:office:powerpoint" xmlns:com="http://schemas.openxmlformats.org/drawingml/2006/compatibility" xmlns:p14="http://schemas.microsoft.com/office/powerpoint/2010/main" xmlns:p15="http://schemas.microsoft.com/office/powerpoint/2012/main" xmlns:ahyp="http://schemas.microsoft.com/office/drawing/2018/hyperlinkcolor" showMasterPhAnim="0" showMasterSp="0">
   <p:cSld>
     <p:spTree>
       <p:nvGrpSpPr>
-        <p:cNvPr id="314" name="Shape 314"/>
+        <p:cNvPr id="479" name="Shape 479"/>
         <p:cNvGrpSpPr/>
         <p:nvPr/>
       </p:nvGrpSpPr>
@@ -3127,7 +3133,7 @@
       </p:grpSpPr>
       <p:sp>
         <p:nvSpPr>
-          <p:cNvPr id="315" name="Google Shape;315;g250f018c120_1_0:notes"/>
+          <p:cNvPr id="480" name="Google Shape;480;g250f018c120_0_713:notes"/>
           <p:cNvSpPr/>
           <p:nvPr>
             <p:ph idx="2" type="sldImg"/>
@@ -3162,7 +3168,7 @@
       </p:sp>
       <p:sp>
         <p:nvSpPr>
-          <p:cNvPr id="316" name="Google Shape;316;g250f018c120_1_0:notes"/>
+          <p:cNvPr id="481" name="Google Shape;481;g250f018c120_0_713:notes"/>
           <p:cNvSpPr txBox="1"/>
           <p:nvPr>
             <p:ph idx="1" type="body"/>
@@ -3207,12 +3213,12 @@
 </p:notes>
 </file>
 
-<file path=ppt/notesSlides/notesSlide9.xml><?xml version="1.0" encoding="utf-8"?>
+<file path=ppt/notesSlides/notesSlide32.xml><?xml version="1.0" encoding="utf-8"?>
 <p:notes xmlns:a="http://schemas.openxmlformats.org/drawingml/2006/main" xmlns:r="http://schemas.openxmlformats.org/officeDocument/2006/relationships" xmlns:mc="http://schemas.openxmlformats.org/markup-compatibility/2006" xmlns:mv="urn:schemas-microsoft-com:mac:vml" xmlns:p="http://schemas.openxmlformats.org/presentationml/2006/main" xmlns:c="http://schemas.openxmlformats.org/drawingml/2006/chart" xmlns:dgm="http://schemas.openxmlformats.org/drawingml/2006/diagram" xmlns:o="urn:schemas-microsoft-com:office:office" xmlns:v="urn:schemas-microsoft-com:vml" xmlns:pvml="urn:schemas-microsoft-com:office:powerpoint" xmlns:com="http://schemas.openxmlformats.org/drawingml/2006/compatibility" xmlns:p14="http://schemas.microsoft.com/office/powerpoint/2010/main" xmlns:p15="http://schemas.microsoft.com/office/powerpoint/2012/main" xmlns:ahyp="http://schemas.microsoft.com/office/drawing/2018/hyperlinkcolor" showMasterPhAnim="0" showMasterSp="0">
   <p:cSld>
     <p:spTree>
       <p:nvGrpSpPr>
-        <p:cNvPr id="320" name="Shape 320"/>
+        <p:cNvPr id="486" name="Shape 486"/>
         <p:cNvGrpSpPr/>
         <p:nvPr/>
       </p:nvGrpSpPr>
@@ -3226,7 +3232,7 @@
       </p:grpSpPr>
       <p:sp>
         <p:nvSpPr>
-          <p:cNvPr id="321" name="Google Shape;321;g250f018c120_0_639:notes"/>
+          <p:cNvPr id="487" name="Google Shape;487;g250f018c120_0_718:notes"/>
           <p:cNvSpPr/>
           <p:nvPr>
             <p:ph idx="2" type="sldImg"/>
@@ -3261,7 +3267,601 @@
       </p:sp>
       <p:sp>
         <p:nvSpPr>
-          <p:cNvPr id="322" name="Google Shape;322;g250f018c120_0_639:notes"/>
+          <p:cNvPr id="488" name="Google Shape;488;g250f018c120_0_718:notes"/>
+          <p:cNvSpPr txBox="1"/>
+          <p:nvPr>
+            <p:ph idx="1" type="body"/>
+          </p:nvPr>
+        </p:nvSpPr>
+        <p:spPr>
+          <a:xfrm>
+            <a:off x="685800" y="4343400"/>
+            <a:ext cx="5486400" cy="4114800"/>
+          </a:xfrm>
+          <a:prstGeom prst="rect">
+            <a:avLst/>
+          </a:prstGeom>
+        </p:spPr>
+        <p:txBody>
+          <a:bodyPr anchorCtr="0" anchor="t" bIns="91425" lIns="91425" spcFirstLastPara="1" rIns="91425" wrap="square" tIns="91425">
+            <a:noAutofit/>
+          </a:bodyPr>
+          <a:lstStyle/>
+          <a:p>
+            <a:pPr indent="0" lvl="0" marL="0" rtl="0" algn="l">
+              <a:spcBef>
+                <a:spcPts val="0"/>
+              </a:spcBef>
+              <a:spcAft>
+                <a:spcPts val="0"/>
+              </a:spcAft>
+              <a:buNone/>
+            </a:pPr>
+            <a:r>
+              <a:t/>
+            </a:r>
+            <a:endParaRPr/>
+          </a:p>
+        </p:txBody>
+      </p:sp>
+    </p:spTree>
+  </p:cSld>
+  <p:clrMapOvr>
+    <a:masterClrMapping/>
+  </p:clrMapOvr>
+</p:notes>
+</file>
+
+<file path=ppt/notesSlides/notesSlide4.xml><?xml version="1.0" encoding="utf-8"?>
+<p:notes xmlns:a="http://schemas.openxmlformats.org/drawingml/2006/main" xmlns:r="http://schemas.openxmlformats.org/officeDocument/2006/relationships" xmlns:mc="http://schemas.openxmlformats.org/markup-compatibility/2006" xmlns:mv="urn:schemas-microsoft-com:mac:vml" xmlns:p="http://schemas.openxmlformats.org/presentationml/2006/main" xmlns:c="http://schemas.openxmlformats.org/drawingml/2006/chart" xmlns:dgm="http://schemas.openxmlformats.org/drawingml/2006/diagram" xmlns:o="urn:schemas-microsoft-com:office:office" xmlns:v="urn:schemas-microsoft-com:vml" xmlns:pvml="urn:schemas-microsoft-com:office:powerpoint" xmlns:com="http://schemas.openxmlformats.org/drawingml/2006/compatibility" xmlns:p14="http://schemas.microsoft.com/office/powerpoint/2010/main" xmlns:p15="http://schemas.microsoft.com/office/powerpoint/2012/main" xmlns:ahyp="http://schemas.microsoft.com/office/drawing/2018/hyperlinkcolor" showMasterPhAnim="0" showMasterSp="0">
+  <p:cSld>
+    <p:spTree>
+      <p:nvGrpSpPr>
+        <p:cNvPr id="294" name="Shape 294"/>
+        <p:cNvGrpSpPr/>
+        <p:nvPr/>
+      </p:nvGrpSpPr>
+      <p:grpSpPr>
+        <a:xfrm>
+          <a:off x="0" y="0"/>
+          <a:ext cx="0" cy="0"/>
+          <a:chOff x="0" y="0"/>
+          <a:chExt cx="0" cy="0"/>
+        </a:xfrm>
+      </p:grpSpPr>
+      <p:sp>
+        <p:nvSpPr>
+          <p:cNvPr id="295" name="Google Shape;295;g250f018c120_0_612:notes"/>
+          <p:cNvSpPr/>
+          <p:nvPr>
+            <p:ph idx="2" type="sldImg"/>
+          </p:nvPr>
+        </p:nvSpPr>
+        <p:spPr>
+          <a:xfrm>
+            <a:off x="381300" y="685800"/>
+            <a:ext cx="6096000" cy="3429000"/>
+          </a:xfrm>
+          <a:custGeom>
+            <a:rect b="b" l="l" r="r" t="t"/>
+            <a:pathLst>
+              <a:path extrusionOk="0" h="120000" w="120000">
+                <a:moveTo>
+                  <a:pt x="0" y="0"/>
+                </a:moveTo>
+                <a:lnTo>
+                  <a:pt x="120000" y="0"/>
+                </a:lnTo>
+                <a:lnTo>
+                  <a:pt x="120000" y="120000"/>
+                </a:lnTo>
+                <a:lnTo>
+                  <a:pt x="0" y="120000"/>
+                </a:lnTo>
+                <a:close/>
+              </a:path>
+            </a:pathLst>
+          </a:custGeom>
+        </p:spPr>
+      </p:sp>
+      <p:sp>
+        <p:nvSpPr>
+          <p:cNvPr id="296" name="Google Shape;296;g250f018c120_0_612:notes"/>
+          <p:cNvSpPr txBox="1"/>
+          <p:nvPr>
+            <p:ph idx="1" type="body"/>
+          </p:nvPr>
+        </p:nvSpPr>
+        <p:spPr>
+          <a:xfrm>
+            <a:off x="685800" y="4343400"/>
+            <a:ext cx="5486400" cy="4114800"/>
+          </a:xfrm>
+          <a:prstGeom prst="rect">
+            <a:avLst/>
+          </a:prstGeom>
+        </p:spPr>
+        <p:txBody>
+          <a:bodyPr anchorCtr="0" anchor="t" bIns="91425" lIns="91425" spcFirstLastPara="1" rIns="91425" wrap="square" tIns="91425">
+            <a:noAutofit/>
+          </a:bodyPr>
+          <a:lstStyle/>
+          <a:p>
+            <a:pPr indent="0" lvl="0" marL="0" rtl="0" algn="l">
+              <a:spcBef>
+                <a:spcPts val="0"/>
+              </a:spcBef>
+              <a:spcAft>
+                <a:spcPts val="0"/>
+              </a:spcAft>
+              <a:buNone/>
+            </a:pPr>
+            <a:r>
+              <a:t/>
+            </a:r>
+            <a:endParaRPr/>
+          </a:p>
+        </p:txBody>
+      </p:sp>
+    </p:spTree>
+  </p:cSld>
+  <p:clrMapOvr>
+    <a:masterClrMapping/>
+  </p:clrMapOvr>
+</p:notes>
+</file>
+
+<file path=ppt/notesSlides/notesSlide5.xml><?xml version="1.0" encoding="utf-8"?>
+<p:notes xmlns:a="http://schemas.openxmlformats.org/drawingml/2006/main" xmlns:r="http://schemas.openxmlformats.org/officeDocument/2006/relationships" xmlns:mc="http://schemas.openxmlformats.org/markup-compatibility/2006" xmlns:mv="urn:schemas-microsoft-com:mac:vml" xmlns:p="http://schemas.openxmlformats.org/presentationml/2006/main" xmlns:c="http://schemas.openxmlformats.org/drawingml/2006/chart" xmlns:dgm="http://schemas.openxmlformats.org/drawingml/2006/diagram" xmlns:o="urn:schemas-microsoft-com:office:office" xmlns:v="urn:schemas-microsoft-com:vml" xmlns:pvml="urn:schemas-microsoft-com:office:powerpoint" xmlns:com="http://schemas.openxmlformats.org/drawingml/2006/compatibility" xmlns:p14="http://schemas.microsoft.com/office/powerpoint/2010/main" xmlns:p15="http://schemas.microsoft.com/office/powerpoint/2012/main" xmlns:ahyp="http://schemas.microsoft.com/office/drawing/2018/hyperlinkcolor" showMasterPhAnim="0" showMasterSp="0">
+  <p:cSld>
+    <p:spTree>
+      <p:nvGrpSpPr>
+        <p:cNvPr id="301" name="Shape 301"/>
+        <p:cNvGrpSpPr/>
+        <p:nvPr/>
+      </p:nvGrpSpPr>
+      <p:grpSpPr>
+        <a:xfrm>
+          <a:off x="0" y="0"/>
+          <a:ext cx="0" cy="0"/>
+          <a:chOff x="0" y="0"/>
+          <a:chExt cx="0" cy="0"/>
+        </a:xfrm>
+      </p:grpSpPr>
+      <p:sp>
+        <p:nvSpPr>
+          <p:cNvPr id="302" name="Google Shape;302;g250f018c120_0_617:notes"/>
+          <p:cNvSpPr/>
+          <p:nvPr>
+            <p:ph idx="2" type="sldImg"/>
+          </p:nvPr>
+        </p:nvSpPr>
+        <p:spPr>
+          <a:xfrm>
+            <a:off x="381300" y="685800"/>
+            <a:ext cx="6096000" cy="3429000"/>
+          </a:xfrm>
+          <a:custGeom>
+            <a:rect b="b" l="l" r="r" t="t"/>
+            <a:pathLst>
+              <a:path extrusionOk="0" h="120000" w="120000">
+                <a:moveTo>
+                  <a:pt x="0" y="0"/>
+                </a:moveTo>
+                <a:lnTo>
+                  <a:pt x="120000" y="0"/>
+                </a:lnTo>
+                <a:lnTo>
+                  <a:pt x="120000" y="120000"/>
+                </a:lnTo>
+                <a:lnTo>
+                  <a:pt x="0" y="120000"/>
+                </a:lnTo>
+                <a:close/>
+              </a:path>
+            </a:pathLst>
+          </a:custGeom>
+        </p:spPr>
+      </p:sp>
+      <p:sp>
+        <p:nvSpPr>
+          <p:cNvPr id="303" name="Google Shape;303;g250f018c120_0_617:notes"/>
+          <p:cNvSpPr txBox="1"/>
+          <p:nvPr>
+            <p:ph idx="1" type="body"/>
+          </p:nvPr>
+        </p:nvSpPr>
+        <p:spPr>
+          <a:xfrm>
+            <a:off x="685800" y="4343400"/>
+            <a:ext cx="5486400" cy="4114800"/>
+          </a:xfrm>
+          <a:prstGeom prst="rect">
+            <a:avLst/>
+          </a:prstGeom>
+        </p:spPr>
+        <p:txBody>
+          <a:bodyPr anchorCtr="0" anchor="t" bIns="91425" lIns="91425" spcFirstLastPara="1" rIns="91425" wrap="square" tIns="91425">
+            <a:noAutofit/>
+          </a:bodyPr>
+          <a:lstStyle/>
+          <a:p>
+            <a:pPr indent="0" lvl="0" marL="0" rtl="0" algn="l">
+              <a:spcBef>
+                <a:spcPts val="0"/>
+              </a:spcBef>
+              <a:spcAft>
+                <a:spcPts val="0"/>
+              </a:spcAft>
+              <a:buNone/>
+            </a:pPr>
+            <a:r>
+              <a:t/>
+            </a:r>
+            <a:endParaRPr/>
+          </a:p>
+        </p:txBody>
+      </p:sp>
+    </p:spTree>
+  </p:cSld>
+  <p:clrMapOvr>
+    <a:masterClrMapping/>
+  </p:clrMapOvr>
+</p:notes>
+</file>
+
+<file path=ppt/notesSlides/notesSlide6.xml><?xml version="1.0" encoding="utf-8"?>
+<p:notes xmlns:a="http://schemas.openxmlformats.org/drawingml/2006/main" xmlns:r="http://schemas.openxmlformats.org/officeDocument/2006/relationships" xmlns:mc="http://schemas.openxmlformats.org/markup-compatibility/2006" xmlns:mv="urn:schemas-microsoft-com:mac:vml" xmlns:p="http://schemas.openxmlformats.org/presentationml/2006/main" xmlns:c="http://schemas.openxmlformats.org/drawingml/2006/chart" xmlns:dgm="http://schemas.openxmlformats.org/drawingml/2006/diagram" xmlns:o="urn:schemas-microsoft-com:office:office" xmlns:v="urn:schemas-microsoft-com:vml" xmlns:pvml="urn:schemas-microsoft-com:office:powerpoint" xmlns:com="http://schemas.openxmlformats.org/drawingml/2006/compatibility" xmlns:p14="http://schemas.microsoft.com/office/powerpoint/2010/main" xmlns:p15="http://schemas.microsoft.com/office/powerpoint/2012/main" xmlns:ahyp="http://schemas.microsoft.com/office/drawing/2018/hyperlinkcolor" showMasterPhAnim="0" showMasterSp="0">
+  <p:cSld>
+    <p:spTree>
+      <p:nvGrpSpPr>
+        <p:cNvPr id="307" name="Shape 307"/>
+        <p:cNvGrpSpPr/>
+        <p:nvPr/>
+      </p:nvGrpSpPr>
+      <p:grpSpPr>
+        <a:xfrm>
+          <a:off x="0" y="0"/>
+          <a:ext cx="0" cy="0"/>
+          <a:chOff x="0" y="0"/>
+          <a:chExt cx="0" cy="0"/>
+        </a:xfrm>
+      </p:grpSpPr>
+      <p:sp>
+        <p:nvSpPr>
+          <p:cNvPr id="308" name="Google Shape;308;g250f018c120_0_634:notes"/>
+          <p:cNvSpPr/>
+          <p:nvPr>
+            <p:ph idx="2" type="sldImg"/>
+          </p:nvPr>
+        </p:nvSpPr>
+        <p:spPr>
+          <a:xfrm>
+            <a:off x="381300" y="685800"/>
+            <a:ext cx="6096000" cy="3429000"/>
+          </a:xfrm>
+          <a:custGeom>
+            <a:rect b="b" l="l" r="r" t="t"/>
+            <a:pathLst>
+              <a:path extrusionOk="0" h="120000" w="120000">
+                <a:moveTo>
+                  <a:pt x="0" y="0"/>
+                </a:moveTo>
+                <a:lnTo>
+                  <a:pt x="120000" y="0"/>
+                </a:lnTo>
+                <a:lnTo>
+                  <a:pt x="120000" y="120000"/>
+                </a:lnTo>
+                <a:lnTo>
+                  <a:pt x="0" y="120000"/>
+                </a:lnTo>
+                <a:close/>
+              </a:path>
+            </a:pathLst>
+          </a:custGeom>
+        </p:spPr>
+      </p:sp>
+      <p:sp>
+        <p:nvSpPr>
+          <p:cNvPr id="309" name="Google Shape;309;g250f018c120_0_634:notes"/>
+          <p:cNvSpPr txBox="1"/>
+          <p:nvPr>
+            <p:ph idx="1" type="body"/>
+          </p:nvPr>
+        </p:nvSpPr>
+        <p:spPr>
+          <a:xfrm>
+            <a:off x="685800" y="4343400"/>
+            <a:ext cx="5486400" cy="4114800"/>
+          </a:xfrm>
+          <a:prstGeom prst="rect">
+            <a:avLst/>
+          </a:prstGeom>
+        </p:spPr>
+        <p:txBody>
+          <a:bodyPr anchorCtr="0" anchor="t" bIns="91425" lIns="91425" spcFirstLastPara="1" rIns="91425" wrap="square" tIns="91425">
+            <a:noAutofit/>
+          </a:bodyPr>
+          <a:lstStyle/>
+          <a:p>
+            <a:pPr indent="0" lvl="0" marL="0" rtl="0" algn="l">
+              <a:spcBef>
+                <a:spcPts val="0"/>
+              </a:spcBef>
+              <a:spcAft>
+                <a:spcPts val="0"/>
+              </a:spcAft>
+              <a:buNone/>
+            </a:pPr>
+            <a:r>
+              <a:t/>
+            </a:r>
+            <a:endParaRPr/>
+          </a:p>
+        </p:txBody>
+      </p:sp>
+    </p:spTree>
+  </p:cSld>
+  <p:clrMapOvr>
+    <a:masterClrMapping/>
+  </p:clrMapOvr>
+</p:notes>
+</file>
+
+<file path=ppt/notesSlides/notesSlide7.xml><?xml version="1.0" encoding="utf-8"?>
+<p:notes xmlns:a="http://schemas.openxmlformats.org/drawingml/2006/main" xmlns:r="http://schemas.openxmlformats.org/officeDocument/2006/relationships" xmlns:mc="http://schemas.openxmlformats.org/markup-compatibility/2006" xmlns:mv="urn:schemas-microsoft-com:mac:vml" xmlns:p="http://schemas.openxmlformats.org/presentationml/2006/main" xmlns:c="http://schemas.openxmlformats.org/drawingml/2006/chart" xmlns:dgm="http://schemas.openxmlformats.org/drawingml/2006/diagram" xmlns:o="urn:schemas-microsoft-com:office:office" xmlns:v="urn:schemas-microsoft-com:vml" xmlns:pvml="urn:schemas-microsoft-com:office:powerpoint" xmlns:com="http://schemas.openxmlformats.org/drawingml/2006/compatibility" xmlns:p14="http://schemas.microsoft.com/office/powerpoint/2010/main" xmlns:p15="http://schemas.microsoft.com/office/powerpoint/2012/main" xmlns:ahyp="http://schemas.microsoft.com/office/drawing/2018/hyperlinkcolor" showMasterPhAnim="0" showMasterSp="0">
+  <p:cSld>
+    <p:spTree>
+      <p:nvGrpSpPr>
+        <p:cNvPr id="314" name="Shape 314"/>
+        <p:cNvGrpSpPr/>
+        <p:nvPr/>
+      </p:nvGrpSpPr>
+      <p:grpSpPr>
+        <a:xfrm>
+          <a:off x="0" y="0"/>
+          <a:ext cx="0" cy="0"/>
+          <a:chOff x="0" y="0"/>
+          <a:chExt cx="0" cy="0"/>
+        </a:xfrm>
+      </p:grpSpPr>
+      <p:sp>
+        <p:nvSpPr>
+          <p:cNvPr id="315" name="Google Shape;315;g250f018c120_0_629:notes"/>
+          <p:cNvSpPr/>
+          <p:nvPr>
+            <p:ph idx="2" type="sldImg"/>
+          </p:nvPr>
+        </p:nvSpPr>
+        <p:spPr>
+          <a:xfrm>
+            <a:off x="381300" y="685800"/>
+            <a:ext cx="6096000" cy="3429000"/>
+          </a:xfrm>
+          <a:custGeom>
+            <a:rect b="b" l="l" r="r" t="t"/>
+            <a:pathLst>
+              <a:path extrusionOk="0" h="120000" w="120000">
+                <a:moveTo>
+                  <a:pt x="0" y="0"/>
+                </a:moveTo>
+                <a:lnTo>
+                  <a:pt x="120000" y="0"/>
+                </a:lnTo>
+                <a:lnTo>
+                  <a:pt x="120000" y="120000"/>
+                </a:lnTo>
+                <a:lnTo>
+                  <a:pt x="0" y="120000"/>
+                </a:lnTo>
+                <a:close/>
+              </a:path>
+            </a:pathLst>
+          </a:custGeom>
+        </p:spPr>
+      </p:sp>
+      <p:sp>
+        <p:nvSpPr>
+          <p:cNvPr id="316" name="Google Shape;316;g250f018c120_0_629:notes"/>
+          <p:cNvSpPr txBox="1"/>
+          <p:nvPr>
+            <p:ph idx="1" type="body"/>
+          </p:nvPr>
+        </p:nvSpPr>
+        <p:spPr>
+          <a:xfrm>
+            <a:off x="685800" y="4343400"/>
+            <a:ext cx="5486400" cy="4114800"/>
+          </a:xfrm>
+          <a:prstGeom prst="rect">
+            <a:avLst/>
+          </a:prstGeom>
+        </p:spPr>
+        <p:txBody>
+          <a:bodyPr anchorCtr="0" anchor="t" bIns="91425" lIns="91425" spcFirstLastPara="1" rIns="91425" wrap="square" tIns="91425">
+            <a:noAutofit/>
+          </a:bodyPr>
+          <a:lstStyle/>
+          <a:p>
+            <a:pPr indent="0" lvl="0" marL="0" rtl="0" algn="l">
+              <a:spcBef>
+                <a:spcPts val="0"/>
+              </a:spcBef>
+              <a:spcAft>
+                <a:spcPts val="0"/>
+              </a:spcAft>
+              <a:buNone/>
+            </a:pPr>
+            <a:r>
+              <a:t/>
+            </a:r>
+            <a:endParaRPr/>
+          </a:p>
+        </p:txBody>
+      </p:sp>
+    </p:spTree>
+  </p:cSld>
+  <p:clrMapOvr>
+    <a:masterClrMapping/>
+  </p:clrMapOvr>
+</p:notes>
+</file>
+
+<file path=ppt/notesSlides/notesSlide8.xml><?xml version="1.0" encoding="utf-8"?>
+<p:notes xmlns:a="http://schemas.openxmlformats.org/drawingml/2006/main" xmlns:r="http://schemas.openxmlformats.org/officeDocument/2006/relationships" xmlns:mc="http://schemas.openxmlformats.org/markup-compatibility/2006" xmlns:mv="urn:schemas-microsoft-com:mac:vml" xmlns:p="http://schemas.openxmlformats.org/presentationml/2006/main" xmlns:c="http://schemas.openxmlformats.org/drawingml/2006/chart" xmlns:dgm="http://schemas.openxmlformats.org/drawingml/2006/diagram" xmlns:o="urn:schemas-microsoft-com:office:office" xmlns:v="urn:schemas-microsoft-com:vml" xmlns:pvml="urn:schemas-microsoft-com:office:powerpoint" xmlns:com="http://schemas.openxmlformats.org/drawingml/2006/compatibility" xmlns:p14="http://schemas.microsoft.com/office/powerpoint/2010/main" xmlns:p15="http://schemas.microsoft.com/office/powerpoint/2012/main" xmlns:ahyp="http://schemas.microsoft.com/office/drawing/2018/hyperlinkcolor" showMasterPhAnim="0" showMasterSp="0">
+  <p:cSld>
+    <p:spTree>
+      <p:nvGrpSpPr>
+        <p:cNvPr id="321" name="Shape 321"/>
+        <p:cNvGrpSpPr/>
+        <p:nvPr/>
+      </p:nvGrpSpPr>
+      <p:grpSpPr>
+        <a:xfrm>
+          <a:off x="0" y="0"/>
+          <a:ext cx="0" cy="0"/>
+          <a:chOff x="0" y="0"/>
+          <a:chExt cx="0" cy="0"/>
+        </a:xfrm>
+      </p:grpSpPr>
+      <p:sp>
+        <p:nvSpPr>
+          <p:cNvPr id="322" name="Google Shape;322;g250f018c120_1_0:notes"/>
+          <p:cNvSpPr/>
+          <p:nvPr>
+            <p:ph idx="2" type="sldImg"/>
+          </p:nvPr>
+        </p:nvSpPr>
+        <p:spPr>
+          <a:xfrm>
+            <a:off x="381300" y="685800"/>
+            <a:ext cx="6096000" cy="3429000"/>
+          </a:xfrm>
+          <a:custGeom>
+            <a:rect b="b" l="l" r="r" t="t"/>
+            <a:pathLst>
+              <a:path extrusionOk="0" h="120000" w="120000">
+                <a:moveTo>
+                  <a:pt x="0" y="0"/>
+                </a:moveTo>
+                <a:lnTo>
+                  <a:pt x="120000" y="0"/>
+                </a:lnTo>
+                <a:lnTo>
+                  <a:pt x="120000" y="120000"/>
+                </a:lnTo>
+                <a:lnTo>
+                  <a:pt x="0" y="120000"/>
+                </a:lnTo>
+                <a:close/>
+              </a:path>
+            </a:pathLst>
+          </a:custGeom>
+        </p:spPr>
+      </p:sp>
+      <p:sp>
+        <p:nvSpPr>
+          <p:cNvPr id="323" name="Google Shape;323;g250f018c120_1_0:notes"/>
+          <p:cNvSpPr txBox="1"/>
+          <p:nvPr>
+            <p:ph idx="1" type="body"/>
+          </p:nvPr>
+        </p:nvSpPr>
+        <p:spPr>
+          <a:xfrm>
+            <a:off x="685800" y="4343400"/>
+            <a:ext cx="5486400" cy="4114800"/>
+          </a:xfrm>
+          <a:prstGeom prst="rect">
+            <a:avLst/>
+          </a:prstGeom>
+        </p:spPr>
+        <p:txBody>
+          <a:bodyPr anchorCtr="0" anchor="t" bIns="91425" lIns="91425" spcFirstLastPara="1" rIns="91425" wrap="square" tIns="91425">
+            <a:noAutofit/>
+          </a:bodyPr>
+          <a:lstStyle/>
+          <a:p>
+            <a:pPr indent="0" lvl="0" marL="0" rtl="0" algn="l">
+              <a:spcBef>
+                <a:spcPts val="0"/>
+              </a:spcBef>
+              <a:spcAft>
+                <a:spcPts val="0"/>
+              </a:spcAft>
+              <a:buNone/>
+            </a:pPr>
+            <a:r>
+              <a:t/>
+            </a:r>
+            <a:endParaRPr/>
+          </a:p>
+        </p:txBody>
+      </p:sp>
+    </p:spTree>
+  </p:cSld>
+  <p:clrMapOvr>
+    <a:masterClrMapping/>
+  </p:clrMapOvr>
+</p:notes>
+</file>
+
+<file path=ppt/notesSlides/notesSlide9.xml><?xml version="1.0" encoding="utf-8"?>
+<p:notes xmlns:a="http://schemas.openxmlformats.org/drawingml/2006/main" xmlns:r="http://schemas.openxmlformats.org/officeDocument/2006/relationships" xmlns:mc="http://schemas.openxmlformats.org/markup-compatibility/2006" xmlns:mv="urn:schemas-microsoft-com:mac:vml" xmlns:p="http://schemas.openxmlformats.org/presentationml/2006/main" xmlns:c="http://schemas.openxmlformats.org/drawingml/2006/chart" xmlns:dgm="http://schemas.openxmlformats.org/drawingml/2006/diagram" xmlns:o="urn:schemas-microsoft-com:office:office" xmlns:v="urn:schemas-microsoft-com:vml" xmlns:pvml="urn:schemas-microsoft-com:office:powerpoint" xmlns:com="http://schemas.openxmlformats.org/drawingml/2006/compatibility" xmlns:p14="http://schemas.microsoft.com/office/powerpoint/2010/main" xmlns:p15="http://schemas.microsoft.com/office/powerpoint/2012/main" xmlns:ahyp="http://schemas.microsoft.com/office/drawing/2018/hyperlinkcolor" showMasterPhAnim="0" showMasterSp="0">
+  <p:cSld>
+    <p:spTree>
+      <p:nvGrpSpPr>
+        <p:cNvPr id="328" name="Shape 328"/>
+        <p:cNvGrpSpPr/>
+        <p:nvPr/>
+      </p:nvGrpSpPr>
+      <p:grpSpPr>
+        <a:xfrm>
+          <a:off x="0" y="0"/>
+          <a:ext cx="0" cy="0"/>
+          <a:chOff x="0" y="0"/>
+          <a:chExt cx="0" cy="0"/>
+        </a:xfrm>
+      </p:grpSpPr>
+      <p:sp>
+        <p:nvSpPr>
+          <p:cNvPr id="329" name="Google Shape;329;g250f018c120_0_639:notes"/>
+          <p:cNvSpPr/>
+          <p:nvPr>
+            <p:ph idx="2" type="sldImg"/>
+          </p:nvPr>
+        </p:nvSpPr>
+        <p:spPr>
+          <a:xfrm>
+            <a:off x="381300" y="685800"/>
+            <a:ext cx="6096000" cy="3429000"/>
+          </a:xfrm>
+          <a:custGeom>
+            <a:rect b="b" l="l" r="r" t="t"/>
+            <a:pathLst>
+              <a:path extrusionOk="0" h="120000" w="120000">
+                <a:moveTo>
+                  <a:pt x="0" y="0"/>
+                </a:moveTo>
+                <a:lnTo>
+                  <a:pt x="120000" y="0"/>
+                </a:lnTo>
+                <a:lnTo>
+                  <a:pt x="120000" y="120000"/>
+                </a:lnTo>
+                <a:lnTo>
+                  <a:pt x="0" y="120000"/>
+                </a:lnTo>
+                <a:close/>
+              </a:path>
+            </a:pathLst>
+          </a:custGeom>
+        </p:spPr>
+      </p:sp>
+      <p:sp>
+        <p:nvSpPr>
+          <p:cNvPr id="330" name="Google Shape;330;g250f018c120_0_639:notes"/>
           <p:cNvSpPr txBox="1"/>
           <p:nvPr>
             <p:ph idx="1" type="body"/>
@@ -16884,7 +17484,7 @@
     <p:sldLayoutId id="2147483657" r:id="rId10"/>
     <p:sldLayoutId id="2147483658" r:id="rId11"/>
   </p:sldLayoutIdLst>
-  <p:hf dt="0" ftr="0" hdr="0" sldNum="0"/>
+  <p:hf dt="0" ftr="0" hdr="0"/>
   <p:txStyles>
     <p:titleStyle>
       <a:defPPr lvl="0" marR="0" rtl="0" algn="l">
@@ -17724,6 +18324,46 @@
           </a:p>
         </p:txBody>
       </p:sp>
+      <p:sp>
+        <p:nvSpPr>
+          <p:cNvPr id="280" name="Google Shape;280;p13"/>
+          <p:cNvSpPr txBox="1"/>
+          <p:nvPr>
+            <p:ph idx="12" type="sldNum"/>
+          </p:nvPr>
+        </p:nvSpPr>
+        <p:spPr>
+          <a:xfrm>
+            <a:off x="8451046" y="4736976"/>
+            <a:ext cx="548700" cy="393600"/>
+          </a:xfrm>
+          <a:prstGeom prst="rect">
+            <a:avLst/>
+          </a:prstGeom>
+        </p:spPr>
+        <p:txBody>
+          <a:bodyPr anchorCtr="0" anchor="ctr" bIns="91425" lIns="91425" spcFirstLastPara="1" rIns="91425" wrap="square" tIns="91425">
+            <a:normAutofit/>
+          </a:bodyPr>
+          <a:lstStyle/>
+          <a:p>
+            <a:pPr indent="0" lvl="0" marL="0" rtl="0" algn="r">
+              <a:spcBef>
+                <a:spcPts val="0"/>
+              </a:spcBef>
+              <a:spcAft>
+                <a:spcPts val="0"/>
+              </a:spcAft>
+              <a:buNone/>
+            </a:pPr>
+            <a:fld id="{00000000-1234-1234-1234-123412341234}" type="slidenum">
+              <a:rPr lang="fr"/>
+              <a:t>‹#›</a:t>
+            </a:fld>
+            <a:endParaRPr/>
+          </a:p>
+        </p:txBody>
+      </p:sp>
     </p:spTree>
   </p:cSld>
   <p:clrMapOvr>
@@ -17737,7 +18377,7 @@
   <p:cSld>
     <p:spTree>
       <p:nvGrpSpPr>
-        <p:cNvPr id="329" name="Shape 329"/>
+        <p:cNvPr id="338" name="Shape 338"/>
         <p:cNvGrpSpPr/>
         <p:nvPr/>
       </p:nvGrpSpPr>
@@ -17751,7 +18391,7 @@
       </p:grpSpPr>
       <p:sp>
         <p:nvSpPr>
-          <p:cNvPr id="330" name="Google Shape;330;p22"/>
+          <p:cNvPr id="339" name="Google Shape;339;p22"/>
           <p:cNvSpPr txBox="1"/>
           <p:nvPr>
             <p:ph type="title"/>
@@ -17791,7 +18431,7 @@
       </p:sp>
       <p:pic>
         <p:nvPicPr>
-          <p:cNvPr id="331" name="Google Shape;331;p22"/>
+          <p:cNvPr id="340" name="Google Shape;340;p22"/>
           <p:cNvPicPr preferRelativeResize="0"/>
           <p:nvPr/>
         </p:nvPicPr>
@@ -17817,6 +18457,46 @@
           </a:ln>
         </p:spPr>
       </p:pic>
+      <p:sp>
+        <p:nvSpPr>
+          <p:cNvPr id="341" name="Google Shape;341;p22"/>
+          <p:cNvSpPr txBox="1"/>
+          <p:nvPr>
+            <p:ph idx="12" type="sldNum"/>
+          </p:nvPr>
+        </p:nvSpPr>
+        <p:spPr>
+          <a:xfrm>
+            <a:off x="8451046" y="4736976"/>
+            <a:ext cx="548700" cy="393600"/>
+          </a:xfrm>
+          <a:prstGeom prst="rect">
+            <a:avLst/>
+          </a:prstGeom>
+        </p:spPr>
+        <p:txBody>
+          <a:bodyPr anchorCtr="0" anchor="ctr" bIns="91425" lIns="91425" spcFirstLastPara="1" rIns="91425" wrap="square" tIns="91425">
+            <a:normAutofit/>
+          </a:bodyPr>
+          <a:lstStyle/>
+          <a:p>
+            <a:pPr indent="0" lvl="0" marL="0" rtl="0" algn="r">
+              <a:spcBef>
+                <a:spcPts val="0"/>
+              </a:spcBef>
+              <a:spcAft>
+                <a:spcPts val="0"/>
+              </a:spcAft>
+              <a:buNone/>
+            </a:pPr>
+            <a:fld id="{00000000-1234-1234-1234-123412341234}" type="slidenum">
+              <a:rPr lang="fr"/>
+              <a:t>‹#›</a:t>
+            </a:fld>
+            <a:endParaRPr/>
+          </a:p>
+        </p:txBody>
+      </p:sp>
     </p:spTree>
   </p:cSld>
   <p:clrMapOvr>
@@ -17830,7 +18510,7 @@
   <p:cSld>
     <p:spTree>
       <p:nvGrpSpPr>
-        <p:cNvPr id="335" name="Shape 335"/>
+        <p:cNvPr id="345" name="Shape 345"/>
         <p:cNvGrpSpPr/>
         <p:nvPr/>
       </p:nvGrpSpPr>
@@ -17844,7 +18524,7 @@
       </p:grpSpPr>
       <p:sp>
         <p:nvSpPr>
-          <p:cNvPr id="336" name="Google Shape;336;p23"/>
+          <p:cNvPr id="346" name="Google Shape;346;p23"/>
           <p:cNvSpPr txBox="1"/>
           <p:nvPr>
             <p:ph type="title"/>
@@ -17884,7 +18564,7 @@
       </p:sp>
       <p:pic>
         <p:nvPicPr>
-          <p:cNvPr id="337" name="Google Shape;337;p23"/>
+          <p:cNvPr id="347" name="Google Shape;347;p23"/>
           <p:cNvPicPr preferRelativeResize="0"/>
           <p:nvPr/>
         </p:nvPicPr>
@@ -17910,6 +18590,46 @@
           </a:ln>
         </p:spPr>
       </p:pic>
+      <p:sp>
+        <p:nvSpPr>
+          <p:cNvPr id="348" name="Google Shape;348;p23"/>
+          <p:cNvSpPr txBox="1"/>
+          <p:nvPr>
+            <p:ph idx="12" type="sldNum"/>
+          </p:nvPr>
+        </p:nvSpPr>
+        <p:spPr>
+          <a:xfrm>
+            <a:off x="8451046" y="4736976"/>
+            <a:ext cx="548700" cy="393600"/>
+          </a:xfrm>
+          <a:prstGeom prst="rect">
+            <a:avLst/>
+          </a:prstGeom>
+        </p:spPr>
+        <p:txBody>
+          <a:bodyPr anchorCtr="0" anchor="ctr" bIns="91425" lIns="91425" spcFirstLastPara="1" rIns="91425" wrap="square" tIns="91425">
+            <a:normAutofit/>
+          </a:bodyPr>
+          <a:lstStyle/>
+          <a:p>
+            <a:pPr indent="0" lvl="0" marL="0" rtl="0" algn="r">
+              <a:spcBef>
+                <a:spcPts val="0"/>
+              </a:spcBef>
+              <a:spcAft>
+                <a:spcPts val="0"/>
+              </a:spcAft>
+              <a:buNone/>
+            </a:pPr>
+            <a:fld id="{00000000-1234-1234-1234-123412341234}" type="slidenum">
+              <a:rPr lang="fr"/>
+              <a:t>‹#›</a:t>
+            </a:fld>
+            <a:endParaRPr/>
+          </a:p>
+        </p:txBody>
+      </p:sp>
     </p:spTree>
   </p:cSld>
   <p:clrMapOvr>
@@ -17923,7 +18643,7 @@
   <p:cSld>
     <p:spTree>
       <p:nvGrpSpPr>
-        <p:cNvPr id="341" name="Shape 341"/>
+        <p:cNvPr id="352" name="Shape 352"/>
         <p:cNvGrpSpPr/>
         <p:nvPr/>
       </p:nvGrpSpPr>
@@ -17937,7 +18657,7 @@
       </p:grpSpPr>
       <p:sp>
         <p:nvSpPr>
-          <p:cNvPr id="342" name="Google Shape;342;p24"/>
+          <p:cNvPr id="353" name="Google Shape;353;p24"/>
           <p:cNvSpPr txBox="1"/>
           <p:nvPr>
             <p:ph type="title"/>
@@ -17977,7 +18697,7 @@
       </p:sp>
       <p:pic>
         <p:nvPicPr>
-          <p:cNvPr id="343" name="Google Shape;343;p24"/>
+          <p:cNvPr id="354" name="Google Shape;354;p24"/>
           <p:cNvPicPr preferRelativeResize="0"/>
           <p:nvPr/>
         </p:nvPicPr>
@@ -18003,6 +18723,46 @@
           </a:ln>
         </p:spPr>
       </p:pic>
+      <p:sp>
+        <p:nvSpPr>
+          <p:cNvPr id="355" name="Google Shape;355;p24"/>
+          <p:cNvSpPr txBox="1"/>
+          <p:nvPr>
+            <p:ph idx="12" type="sldNum"/>
+          </p:nvPr>
+        </p:nvSpPr>
+        <p:spPr>
+          <a:xfrm>
+            <a:off x="8451046" y="4736976"/>
+            <a:ext cx="548700" cy="393600"/>
+          </a:xfrm>
+          <a:prstGeom prst="rect">
+            <a:avLst/>
+          </a:prstGeom>
+        </p:spPr>
+        <p:txBody>
+          <a:bodyPr anchorCtr="0" anchor="ctr" bIns="91425" lIns="91425" spcFirstLastPara="1" rIns="91425" wrap="square" tIns="91425">
+            <a:normAutofit/>
+          </a:bodyPr>
+          <a:lstStyle/>
+          <a:p>
+            <a:pPr indent="0" lvl="0" marL="0" rtl="0" algn="r">
+              <a:spcBef>
+                <a:spcPts val="0"/>
+              </a:spcBef>
+              <a:spcAft>
+                <a:spcPts val="0"/>
+              </a:spcAft>
+              <a:buNone/>
+            </a:pPr>
+            <a:fld id="{00000000-1234-1234-1234-123412341234}" type="slidenum">
+              <a:rPr lang="fr"/>
+              <a:t>‹#›</a:t>
+            </a:fld>
+            <a:endParaRPr/>
+          </a:p>
+        </p:txBody>
+      </p:sp>
     </p:spTree>
   </p:cSld>
   <p:clrMapOvr>
@@ -18016,7 +18776,7 @@
   <p:cSld>
     <p:spTree>
       <p:nvGrpSpPr>
-        <p:cNvPr id="347" name="Shape 347"/>
+        <p:cNvPr id="359" name="Shape 359"/>
         <p:cNvGrpSpPr/>
         <p:nvPr/>
       </p:nvGrpSpPr>
@@ -18030,7 +18790,7 @@
       </p:grpSpPr>
       <p:sp>
         <p:nvSpPr>
-          <p:cNvPr id="348" name="Google Shape;348;p25"/>
+          <p:cNvPr id="360" name="Google Shape;360;p25"/>
           <p:cNvSpPr txBox="1"/>
           <p:nvPr>
             <p:ph type="title"/>
@@ -18070,7 +18830,7 @@
       </p:sp>
       <p:pic>
         <p:nvPicPr>
-          <p:cNvPr id="349" name="Google Shape;349;p25"/>
+          <p:cNvPr id="361" name="Google Shape;361;p25"/>
           <p:cNvPicPr preferRelativeResize="0"/>
           <p:nvPr/>
         </p:nvPicPr>
@@ -18095,6 +18855,46 @@
           </a:ln>
         </p:spPr>
       </p:pic>
+      <p:sp>
+        <p:nvSpPr>
+          <p:cNvPr id="362" name="Google Shape;362;p25"/>
+          <p:cNvSpPr txBox="1"/>
+          <p:nvPr>
+            <p:ph idx="12" type="sldNum"/>
+          </p:nvPr>
+        </p:nvSpPr>
+        <p:spPr>
+          <a:xfrm>
+            <a:off x="8451046" y="4736976"/>
+            <a:ext cx="548700" cy="393600"/>
+          </a:xfrm>
+          <a:prstGeom prst="rect">
+            <a:avLst/>
+          </a:prstGeom>
+        </p:spPr>
+        <p:txBody>
+          <a:bodyPr anchorCtr="0" anchor="ctr" bIns="91425" lIns="91425" spcFirstLastPara="1" rIns="91425" wrap="square" tIns="91425">
+            <a:normAutofit/>
+          </a:bodyPr>
+          <a:lstStyle/>
+          <a:p>
+            <a:pPr indent="0" lvl="0" marL="0" rtl="0" algn="r">
+              <a:spcBef>
+                <a:spcPts val="0"/>
+              </a:spcBef>
+              <a:spcAft>
+                <a:spcPts val="0"/>
+              </a:spcAft>
+              <a:buNone/>
+            </a:pPr>
+            <a:fld id="{00000000-1234-1234-1234-123412341234}" type="slidenum">
+              <a:rPr lang="fr"/>
+              <a:t>‹#›</a:t>
+            </a:fld>
+            <a:endParaRPr/>
+          </a:p>
+        </p:txBody>
+      </p:sp>
     </p:spTree>
   </p:cSld>
   <p:clrMapOvr>
@@ -18108,7 +18908,7 @@
   <p:cSld>
     <p:spTree>
       <p:nvGrpSpPr>
-        <p:cNvPr id="353" name="Shape 353"/>
+        <p:cNvPr id="366" name="Shape 366"/>
         <p:cNvGrpSpPr/>
         <p:nvPr/>
       </p:nvGrpSpPr>
@@ -18122,7 +18922,7 @@
       </p:grpSpPr>
       <p:sp>
         <p:nvSpPr>
-          <p:cNvPr id="354" name="Google Shape;354;p26"/>
+          <p:cNvPr id="367" name="Google Shape;367;p26"/>
           <p:cNvSpPr txBox="1"/>
           <p:nvPr>
             <p:ph type="title"/>
@@ -18162,7 +18962,7 @@
       </p:sp>
       <p:pic>
         <p:nvPicPr>
-          <p:cNvPr id="355" name="Google Shape;355;p26"/>
+          <p:cNvPr id="368" name="Google Shape;368;p26"/>
           <p:cNvPicPr preferRelativeResize="0"/>
           <p:nvPr/>
         </p:nvPicPr>
@@ -18188,6 +18988,46 @@
           </a:ln>
         </p:spPr>
       </p:pic>
+      <p:sp>
+        <p:nvSpPr>
+          <p:cNvPr id="369" name="Google Shape;369;p26"/>
+          <p:cNvSpPr txBox="1"/>
+          <p:nvPr>
+            <p:ph idx="12" type="sldNum"/>
+          </p:nvPr>
+        </p:nvSpPr>
+        <p:spPr>
+          <a:xfrm>
+            <a:off x="8451046" y="4736976"/>
+            <a:ext cx="548700" cy="393600"/>
+          </a:xfrm>
+          <a:prstGeom prst="rect">
+            <a:avLst/>
+          </a:prstGeom>
+        </p:spPr>
+        <p:txBody>
+          <a:bodyPr anchorCtr="0" anchor="ctr" bIns="91425" lIns="91425" spcFirstLastPara="1" rIns="91425" wrap="square" tIns="91425">
+            <a:normAutofit/>
+          </a:bodyPr>
+          <a:lstStyle/>
+          <a:p>
+            <a:pPr indent="0" lvl="0" marL="0" rtl="0" algn="r">
+              <a:spcBef>
+                <a:spcPts val="0"/>
+              </a:spcBef>
+              <a:spcAft>
+                <a:spcPts val="0"/>
+              </a:spcAft>
+              <a:buNone/>
+            </a:pPr>
+            <a:fld id="{00000000-1234-1234-1234-123412341234}" type="slidenum">
+              <a:rPr lang="fr"/>
+              <a:t>‹#›</a:t>
+            </a:fld>
+            <a:endParaRPr/>
+          </a:p>
+        </p:txBody>
+      </p:sp>
     </p:spTree>
   </p:cSld>
   <p:clrMapOvr>
@@ -18201,7 +19041,7 @@
   <p:cSld>
     <p:spTree>
       <p:nvGrpSpPr>
-        <p:cNvPr id="359" name="Shape 359"/>
+        <p:cNvPr id="373" name="Shape 373"/>
         <p:cNvGrpSpPr/>
         <p:nvPr/>
       </p:nvGrpSpPr>
@@ -18215,7 +19055,7 @@
       </p:grpSpPr>
       <p:sp>
         <p:nvSpPr>
-          <p:cNvPr id="360" name="Google Shape;360;p27"/>
+          <p:cNvPr id="374" name="Google Shape;374;p27"/>
           <p:cNvSpPr txBox="1"/>
           <p:nvPr>
             <p:ph type="title"/>
@@ -18255,7 +19095,7 @@
       </p:sp>
       <p:pic>
         <p:nvPicPr>
-          <p:cNvPr id="361" name="Google Shape;361;p27"/>
+          <p:cNvPr id="375" name="Google Shape;375;p27"/>
           <p:cNvPicPr preferRelativeResize="0"/>
           <p:nvPr/>
         </p:nvPicPr>
@@ -18281,6 +19121,46 @@
           </a:ln>
         </p:spPr>
       </p:pic>
+      <p:sp>
+        <p:nvSpPr>
+          <p:cNvPr id="376" name="Google Shape;376;p27"/>
+          <p:cNvSpPr txBox="1"/>
+          <p:nvPr>
+            <p:ph idx="12" type="sldNum"/>
+          </p:nvPr>
+        </p:nvSpPr>
+        <p:spPr>
+          <a:xfrm>
+            <a:off x="8451046" y="4736976"/>
+            <a:ext cx="548700" cy="393600"/>
+          </a:xfrm>
+          <a:prstGeom prst="rect">
+            <a:avLst/>
+          </a:prstGeom>
+        </p:spPr>
+        <p:txBody>
+          <a:bodyPr anchorCtr="0" anchor="ctr" bIns="91425" lIns="91425" spcFirstLastPara="1" rIns="91425" wrap="square" tIns="91425">
+            <a:normAutofit/>
+          </a:bodyPr>
+          <a:lstStyle/>
+          <a:p>
+            <a:pPr indent="0" lvl="0" marL="0" rtl="0" algn="r">
+              <a:spcBef>
+                <a:spcPts val="0"/>
+              </a:spcBef>
+              <a:spcAft>
+                <a:spcPts val="0"/>
+              </a:spcAft>
+              <a:buNone/>
+            </a:pPr>
+            <a:fld id="{00000000-1234-1234-1234-123412341234}" type="slidenum">
+              <a:rPr lang="fr"/>
+              <a:t>‹#›</a:t>
+            </a:fld>
+            <a:endParaRPr/>
+          </a:p>
+        </p:txBody>
+      </p:sp>
     </p:spTree>
   </p:cSld>
   <p:clrMapOvr>
@@ -18294,7 +19174,7 @@
   <p:cSld>
     <p:spTree>
       <p:nvGrpSpPr>
-        <p:cNvPr id="365" name="Shape 365"/>
+        <p:cNvPr id="380" name="Shape 380"/>
         <p:cNvGrpSpPr/>
         <p:nvPr/>
       </p:nvGrpSpPr>
@@ -18308,7 +19188,7 @@
       </p:grpSpPr>
       <p:sp>
         <p:nvSpPr>
-          <p:cNvPr id="366" name="Google Shape;366;p28"/>
+          <p:cNvPr id="381" name="Google Shape;381;p28"/>
           <p:cNvSpPr txBox="1"/>
           <p:nvPr>
             <p:ph type="title"/>
@@ -18356,7 +19236,7 @@
       </p:sp>
       <p:pic>
         <p:nvPicPr>
-          <p:cNvPr id="367" name="Google Shape;367;p28"/>
+          <p:cNvPr id="382" name="Google Shape;382;p28"/>
           <p:cNvPicPr preferRelativeResize="0"/>
           <p:nvPr/>
         </p:nvPicPr>
@@ -18382,6 +19262,46 @@
           </a:ln>
         </p:spPr>
       </p:pic>
+      <p:sp>
+        <p:nvSpPr>
+          <p:cNvPr id="383" name="Google Shape;383;p28"/>
+          <p:cNvSpPr txBox="1"/>
+          <p:nvPr>
+            <p:ph idx="12" type="sldNum"/>
+          </p:nvPr>
+        </p:nvSpPr>
+        <p:spPr>
+          <a:xfrm>
+            <a:off x="8451046" y="4736976"/>
+            <a:ext cx="548700" cy="393600"/>
+          </a:xfrm>
+          <a:prstGeom prst="rect">
+            <a:avLst/>
+          </a:prstGeom>
+        </p:spPr>
+        <p:txBody>
+          <a:bodyPr anchorCtr="0" anchor="ctr" bIns="91425" lIns="91425" spcFirstLastPara="1" rIns="91425" wrap="square" tIns="91425">
+            <a:normAutofit/>
+          </a:bodyPr>
+          <a:lstStyle/>
+          <a:p>
+            <a:pPr indent="0" lvl="0" marL="0" rtl="0" algn="r">
+              <a:spcBef>
+                <a:spcPts val="0"/>
+              </a:spcBef>
+              <a:spcAft>
+                <a:spcPts val="0"/>
+              </a:spcAft>
+              <a:buNone/>
+            </a:pPr>
+            <a:fld id="{00000000-1234-1234-1234-123412341234}" type="slidenum">
+              <a:rPr lang="fr"/>
+              <a:t>‹#›</a:t>
+            </a:fld>
+            <a:endParaRPr/>
+          </a:p>
+        </p:txBody>
+      </p:sp>
     </p:spTree>
   </p:cSld>
   <p:clrMapOvr>
@@ -18395,7 +19315,7 @@
   <p:cSld>
     <p:spTree>
       <p:nvGrpSpPr>
-        <p:cNvPr id="371" name="Shape 371"/>
+        <p:cNvPr id="387" name="Shape 387"/>
         <p:cNvGrpSpPr/>
         <p:nvPr/>
       </p:nvGrpSpPr>
@@ -18409,7 +19329,7 @@
       </p:grpSpPr>
       <p:sp>
         <p:nvSpPr>
-          <p:cNvPr id="372" name="Google Shape;372;p29"/>
+          <p:cNvPr id="388" name="Google Shape;388;p29"/>
           <p:cNvSpPr txBox="1"/>
           <p:nvPr>
             <p:ph type="title"/>
@@ -18449,7 +19369,7 @@
       </p:sp>
       <p:pic>
         <p:nvPicPr>
-          <p:cNvPr id="373" name="Google Shape;373;p29"/>
+          <p:cNvPr id="389" name="Google Shape;389;p29"/>
           <p:cNvPicPr preferRelativeResize="0"/>
           <p:nvPr/>
         </p:nvPicPr>
@@ -18475,6 +19395,46 @@
           </a:ln>
         </p:spPr>
       </p:pic>
+      <p:sp>
+        <p:nvSpPr>
+          <p:cNvPr id="390" name="Google Shape;390;p29"/>
+          <p:cNvSpPr txBox="1"/>
+          <p:nvPr>
+            <p:ph idx="12" type="sldNum"/>
+          </p:nvPr>
+        </p:nvSpPr>
+        <p:spPr>
+          <a:xfrm>
+            <a:off x="8451046" y="4736976"/>
+            <a:ext cx="548700" cy="393600"/>
+          </a:xfrm>
+          <a:prstGeom prst="rect">
+            <a:avLst/>
+          </a:prstGeom>
+        </p:spPr>
+        <p:txBody>
+          <a:bodyPr anchorCtr="0" anchor="ctr" bIns="91425" lIns="91425" spcFirstLastPara="1" rIns="91425" wrap="square" tIns="91425">
+            <a:normAutofit/>
+          </a:bodyPr>
+          <a:lstStyle/>
+          <a:p>
+            <a:pPr indent="0" lvl="0" marL="0" rtl="0" algn="r">
+              <a:spcBef>
+                <a:spcPts val="0"/>
+              </a:spcBef>
+              <a:spcAft>
+                <a:spcPts val="0"/>
+              </a:spcAft>
+              <a:buNone/>
+            </a:pPr>
+            <a:fld id="{00000000-1234-1234-1234-123412341234}" type="slidenum">
+              <a:rPr lang="fr"/>
+              <a:t>‹#›</a:t>
+            </a:fld>
+            <a:endParaRPr/>
+          </a:p>
+        </p:txBody>
+      </p:sp>
     </p:spTree>
   </p:cSld>
   <p:clrMapOvr>
@@ -18488,7 +19448,7 @@
   <p:cSld>
     <p:spTree>
       <p:nvGrpSpPr>
-        <p:cNvPr id="377" name="Shape 377"/>
+        <p:cNvPr id="394" name="Shape 394"/>
         <p:cNvGrpSpPr/>
         <p:nvPr/>
       </p:nvGrpSpPr>
@@ -18502,7 +19462,7 @@
       </p:grpSpPr>
       <p:sp>
         <p:nvSpPr>
-          <p:cNvPr id="378" name="Google Shape;378;p30"/>
+          <p:cNvPr id="395" name="Google Shape;395;p30"/>
           <p:cNvSpPr txBox="1"/>
           <p:nvPr>
             <p:ph type="title"/>
@@ -18534,8 +19494,48 @@
             </a:pPr>
             <a:r>
               <a:rPr lang="fr"/>
-              <a:t>Utilisation de Java langage model</a:t>
+              <a:t>Utilisation de Java language model</a:t>
             </a:r>
+            <a:endParaRPr/>
+          </a:p>
+        </p:txBody>
+      </p:sp>
+      <p:sp>
+        <p:nvSpPr>
+          <p:cNvPr id="396" name="Google Shape;396;p30"/>
+          <p:cNvSpPr txBox="1"/>
+          <p:nvPr>
+            <p:ph idx="12" type="sldNum"/>
+          </p:nvPr>
+        </p:nvSpPr>
+        <p:spPr>
+          <a:xfrm>
+            <a:off x="8451046" y="4736976"/>
+            <a:ext cx="548700" cy="393600"/>
+          </a:xfrm>
+          <a:prstGeom prst="rect">
+            <a:avLst/>
+          </a:prstGeom>
+        </p:spPr>
+        <p:txBody>
+          <a:bodyPr anchorCtr="0" anchor="ctr" bIns="91425" lIns="91425" spcFirstLastPara="1" rIns="91425" wrap="square" tIns="91425">
+            <a:normAutofit/>
+          </a:bodyPr>
+          <a:lstStyle/>
+          <a:p>
+            <a:pPr indent="0" lvl="0" marL="0" rtl="0" algn="r">
+              <a:spcBef>
+                <a:spcPts val="0"/>
+              </a:spcBef>
+              <a:spcAft>
+                <a:spcPts val="0"/>
+              </a:spcAft>
+              <a:buNone/>
+            </a:pPr>
+            <a:fld id="{00000000-1234-1234-1234-123412341234}" type="slidenum">
+              <a:rPr lang="fr"/>
+              <a:t>‹#›</a:t>
+            </a:fld>
             <a:endParaRPr/>
           </a:p>
         </p:txBody>
@@ -18553,7 +19553,7 @@
   <p:cSld>
     <p:spTree>
       <p:nvGrpSpPr>
-        <p:cNvPr id="382" name="Shape 382"/>
+        <p:cNvPr id="400" name="Shape 400"/>
         <p:cNvGrpSpPr/>
         <p:nvPr/>
       </p:nvGrpSpPr>
@@ -18567,7 +19567,7 @@
       </p:grpSpPr>
       <p:sp>
         <p:nvSpPr>
-          <p:cNvPr id="383" name="Google Shape;383;p31"/>
+          <p:cNvPr id="401" name="Google Shape;401;p31"/>
           <p:cNvSpPr txBox="1"/>
           <p:nvPr>
             <p:ph type="title"/>
@@ -18615,7 +19615,7 @@
       </p:sp>
       <p:pic>
         <p:nvPicPr>
-          <p:cNvPr id="384" name="Google Shape;384;p31"/>
+          <p:cNvPr id="402" name="Google Shape;402;p31"/>
           <p:cNvPicPr preferRelativeResize="0"/>
           <p:nvPr/>
         </p:nvPicPr>
@@ -18641,6 +19641,46 @@
           </a:ln>
         </p:spPr>
       </p:pic>
+      <p:sp>
+        <p:nvSpPr>
+          <p:cNvPr id="403" name="Google Shape;403;p31"/>
+          <p:cNvSpPr txBox="1"/>
+          <p:nvPr>
+            <p:ph idx="12" type="sldNum"/>
+          </p:nvPr>
+        </p:nvSpPr>
+        <p:spPr>
+          <a:xfrm>
+            <a:off x="8451046" y="4736976"/>
+            <a:ext cx="548700" cy="393600"/>
+          </a:xfrm>
+          <a:prstGeom prst="rect">
+            <a:avLst/>
+          </a:prstGeom>
+        </p:spPr>
+        <p:txBody>
+          <a:bodyPr anchorCtr="0" anchor="ctr" bIns="91425" lIns="91425" spcFirstLastPara="1" rIns="91425" wrap="square" tIns="91425">
+            <a:normAutofit/>
+          </a:bodyPr>
+          <a:lstStyle/>
+          <a:p>
+            <a:pPr indent="0" lvl="0" marL="0" rtl="0" algn="r">
+              <a:spcBef>
+                <a:spcPts val="0"/>
+              </a:spcBef>
+              <a:spcAft>
+                <a:spcPts val="0"/>
+              </a:spcAft>
+              <a:buNone/>
+            </a:pPr>
+            <a:fld id="{00000000-1234-1234-1234-123412341234}" type="slidenum">
+              <a:rPr lang="fr"/>
+              <a:t>‹#›</a:t>
+            </a:fld>
+            <a:endParaRPr/>
+          </a:p>
+        </p:txBody>
+      </p:sp>
     </p:spTree>
   </p:cSld>
   <p:clrMapOvr>
@@ -18654,7 +19694,7 @@
   <p:cSld>
     <p:spTree>
       <p:nvGrpSpPr>
-        <p:cNvPr id="283" name="Shape 283"/>
+        <p:cNvPr id="284" name="Shape 284"/>
         <p:cNvGrpSpPr/>
         <p:nvPr/>
       </p:nvGrpSpPr>
@@ -18668,7 +19708,7 @@
       </p:grpSpPr>
       <p:sp>
         <p:nvSpPr>
-          <p:cNvPr id="284" name="Google Shape;284;p14"/>
+          <p:cNvPr id="285" name="Google Shape;285;p14"/>
           <p:cNvSpPr txBox="1"/>
           <p:nvPr>
             <p:ph type="title"/>
@@ -18706,6 +19746,46 @@
           </a:p>
         </p:txBody>
       </p:sp>
+      <p:sp>
+        <p:nvSpPr>
+          <p:cNvPr id="286" name="Google Shape;286;p14"/>
+          <p:cNvSpPr txBox="1"/>
+          <p:nvPr>
+            <p:ph idx="12" type="sldNum"/>
+          </p:nvPr>
+        </p:nvSpPr>
+        <p:spPr>
+          <a:xfrm>
+            <a:off x="8451046" y="4736976"/>
+            <a:ext cx="548700" cy="393600"/>
+          </a:xfrm>
+          <a:prstGeom prst="rect">
+            <a:avLst/>
+          </a:prstGeom>
+        </p:spPr>
+        <p:txBody>
+          <a:bodyPr anchorCtr="0" anchor="ctr" bIns="91425" lIns="91425" spcFirstLastPara="1" rIns="91425" wrap="square" tIns="91425">
+            <a:normAutofit/>
+          </a:bodyPr>
+          <a:lstStyle/>
+          <a:p>
+            <a:pPr indent="0" lvl="0" marL="0" rtl="0" algn="r">
+              <a:spcBef>
+                <a:spcPts val="0"/>
+              </a:spcBef>
+              <a:spcAft>
+                <a:spcPts val="0"/>
+              </a:spcAft>
+              <a:buNone/>
+            </a:pPr>
+            <a:fld id="{00000000-1234-1234-1234-123412341234}" type="slidenum">
+              <a:rPr lang="fr"/>
+              <a:t>‹#›</a:t>
+            </a:fld>
+            <a:endParaRPr/>
+          </a:p>
+        </p:txBody>
+      </p:sp>
     </p:spTree>
   </p:cSld>
   <p:clrMapOvr>
@@ -18719,7 +19799,7 @@
   <p:cSld>
     <p:spTree>
       <p:nvGrpSpPr>
-        <p:cNvPr id="388" name="Shape 388"/>
+        <p:cNvPr id="407" name="Shape 407"/>
         <p:cNvGrpSpPr/>
         <p:nvPr/>
       </p:nvGrpSpPr>
@@ -18733,7 +19813,7 @@
       </p:grpSpPr>
       <p:sp>
         <p:nvSpPr>
-          <p:cNvPr id="389" name="Google Shape;389;p32"/>
+          <p:cNvPr id="408" name="Google Shape;408;p32"/>
           <p:cNvSpPr txBox="1"/>
           <p:nvPr>
             <p:ph type="title"/>
@@ -18773,7 +19853,7 @@
       </p:sp>
       <p:pic>
         <p:nvPicPr>
-          <p:cNvPr id="390" name="Google Shape;390;p32"/>
+          <p:cNvPr id="409" name="Google Shape;409;p32"/>
           <p:cNvPicPr preferRelativeResize="0"/>
           <p:nvPr/>
         </p:nvPicPr>
@@ -18799,6 +19879,46 @@
           </a:ln>
         </p:spPr>
       </p:pic>
+      <p:sp>
+        <p:nvSpPr>
+          <p:cNvPr id="410" name="Google Shape;410;p32"/>
+          <p:cNvSpPr txBox="1"/>
+          <p:nvPr>
+            <p:ph idx="12" type="sldNum"/>
+          </p:nvPr>
+        </p:nvSpPr>
+        <p:spPr>
+          <a:xfrm>
+            <a:off x="8451046" y="4736976"/>
+            <a:ext cx="548700" cy="393600"/>
+          </a:xfrm>
+          <a:prstGeom prst="rect">
+            <a:avLst/>
+          </a:prstGeom>
+        </p:spPr>
+        <p:txBody>
+          <a:bodyPr anchorCtr="0" anchor="ctr" bIns="91425" lIns="91425" spcFirstLastPara="1" rIns="91425" wrap="square" tIns="91425">
+            <a:normAutofit/>
+          </a:bodyPr>
+          <a:lstStyle/>
+          <a:p>
+            <a:pPr indent="0" lvl="0" marL="0" rtl="0" algn="r">
+              <a:spcBef>
+                <a:spcPts val="0"/>
+              </a:spcBef>
+              <a:spcAft>
+                <a:spcPts val="0"/>
+              </a:spcAft>
+              <a:buNone/>
+            </a:pPr>
+            <a:fld id="{00000000-1234-1234-1234-123412341234}" type="slidenum">
+              <a:rPr lang="fr"/>
+              <a:t>‹#›</a:t>
+            </a:fld>
+            <a:endParaRPr/>
+          </a:p>
+        </p:txBody>
+      </p:sp>
     </p:spTree>
   </p:cSld>
   <p:clrMapOvr>
@@ -18812,7 +19932,7 @@
   <p:cSld>
     <p:spTree>
       <p:nvGrpSpPr>
-        <p:cNvPr id="394" name="Shape 394"/>
+        <p:cNvPr id="414" name="Shape 414"/>
         <p:cNvGrpSpPr/>
         <p:nvPr/>
       </p:nvGrpSpPr>
@@ -18826,7 +19946,7 @@
       </p:grpSpPr>
       <p:sp>
         <p:nvSpPr>
-          <p:cNvPr id="395" name="Google Shape;395;p33"/>
+          <p:cNvPr id="415" name="Google Shape;415;p33"/>
           <p:cNvSpPr txBox="1"/>
           <p:nvPr>
             <p:ph type="title"/>
@@ -18866,7 +19986,7 @@
       </p:sp>
       <p:sp>
         <p:nvSpPr>
-          <p:cNvPr id="396" name="Google Shape;396;p33"/>
+          <p:cNvPr id="416" name="Google Shape;416;p33"/>
           <p:cNvSpPr txBox="1"/>
           <p:nvPr>
             <p:ph idx="1" type="body"/>
@@ -18941,6 +20061,46 @@
           </a:p>
         </p:txBody>
       </p:sp>
+      <p:sp>
+        <p:nvSpPr>
+          <p:cNvPr id="417" name="Google Shape;417;p33"/>
+          <p:cNvSpPr txBox="1"/>
+          <p:nvPr>
+            <p:ph idx="12" type="sldNum"/>
+          </p:nvPr>
+        </p:nvSpPr>
+        <p:spPr>
+          <a:xfrm>
+            <a:off x="8451046" y="4736976"/>
+            <a:ext cx="548700" cy="393600"/>
+          </a:xfrm>
+          <a:prstGeom prst="rect">
+            <a:avLst/>
+          </a:prstGeom>
+        </p:spPr>
+        <p:txBody>
+          <a:bodyPr anchorCtr="0" anchor="ctr" bIns="91425" lIns="91425" spcFirstLastPara="1" rIns="91425" wrap="square" tIns="91425">
+            <a:normAutofit/>
+          </a:bodyPr>
+          <a:lstStyle/>
+          <a:p>
+            <a:pPr indent="0" lvl="0" marL="0" rtl="0" algn="r">
+              <a:spcBef>
+                <a:spcPts val="0"/>
+              </a:spcBef>
+              <a:spcAft>
+                <a:spcPts val="0"/>
+              </a:spcAft>
+              <a:buNone/>
+            </a:pPr>
+            <a:fld id="{00000000-1234-1234-1234-123412341234}" type="slidenum">
+              <a:rPr lang="fr"/>
+              <a:t>‹#›</a:t>
+            </a:fld>
+            <a:endParaRPr/>
+          </a:p>
+        </p:txBody>
+      </p:sp>
     </p:spTree>
   </p:cSld>
   <p:clrMapOvr>
@@ -18954,7 +20114,7 @@
   <p:cSld>
     <p:spTree>
       <p:nvGrpSpPr>
-        <p:cNvPr id="400" name="Shape 400"/>
+        <p:cNvPr id="421" name="Shape 421"/>
         <p:cNvGrpSpPr/>
         <p:nvPr/>
       </p:nvGrpSpPr>
@@ -18968,7 +20128,7 @@
       </p:grpSpPr>
       <p:sp>
         <p:nvSpPr>
-          <p:cNvPr id="401" name="Google Shape;401;p34"/>
+          <p:cNvPr id="422" name="Google Shape;422;p34"/>
           <p:cNvSpPr txBox="1"/>
           <p:nvPr>
             <p:ph type="title"/>
@@ -19000,8 +20160,48 @@
             </a:pPr>
             <a:r>
               <a:rPr lang="fr"/>
-              <a:t>Bilan de fonctionnement</a:t>
+              <a:t>Résultat sur Western</a:t>
             </a:r>
+            <a:endParaRPr/>
+          </a:p>
+        </p:txBody>
+      </p:sp>
+      <p:sp>
+        <p:nvSpPr>
+          <p:cNvPr id="423" name="Google Shape;423;p34"/>
+          <p:cNvSpPr txBox="1"/>
+          <p:nvPr>
+            <p:ph idx="12" type="sldNum"/>
+          </p:nvPr>
+        </p:nvSpPr>
+        <p:spPr>
+          <a:xfrm>
+            <a:off x="8451046" y="4736976"/>
+            <a:ext cx="548700" cy="393600"/>
+          </a:xfrm>
+          <a:prstGeom prst="rect">
+            <a:avLst/>
+          </a:prstGeom>
+        </p:spPr>
+        <p:txBody>
+          <a:bodyPr anchorCtr="0" anchor="ctr" bIns="91425" lIns="91425" spcFirstLastPara="1" rIns="91425" wrap="square" tIns="91425">
+            <a:normAutofit/>
+          </a:bodyPr>
+          <a:lstStyle/>
+          <a:p>
+            <a:pPr indent="0" lvl="0" marL="0" rtl="0" algn="r">
+              <a:spcBef>
+                <a:spcPts val="0"/>
+              </a:spcBef>
+              <a:spcAft>
+                <a:spcPts val="0"/>
+              </a:spcAft>
+              <a:buNone/>
+            </a:pPr>
+            <a:fld id="{00000000-1234-1234-1234-123412341234}" type="slidenum">
+              <a:rPr lang="fr"/>
+              <a:t>‹#›</a:t>
+            </a:fld>
             <a:endParaRPr/>
           </a:p>
         </p:txBody>
@@ -19019,7 +20219,7 @@
   <p:cSld>
     <p:spTree>
       <p:nvGrpSpPr>
-        <p:cNvPr id="405" name="Shape 405"/>
+        <p:cNvPr id="427" name="Shape 427"/>
         <p:cNvGrpSpPr/>
         <p:nvPr/>
       </p:nvGrpSpPr>
@@ -19033,7 +20233,7 @@
       </p:grpSpPr>
       <p:sp>
         <p:nvSpPr>
-          <p:cNvPr id="406" name="Google Shape;406;p35"/>
+          <p:cNvPr id="428" name="Google Shape;428;p35"/>
           <p:cNvSpPr txBox="1"/>
           <p:nvPr>
             <p:ph type="title"/>
@@ -19065,6 +20265,775 @@
             </a:pPr>
             <a:r>
               <a:rPr lang="fr"/>
+              <a:t>DCC Western généré</a:t>
+            </a:r>
+            <a:endParaRPr/>
+          </a:p>
+        </p:txBody>
+      </p:sp>
+      <p:pic>
+        <p:nvPicPr>
+          <p:cNvPr id="429" name="Google Shape;429;p35"/>
+          <p:cNvPicPr preferRelativeResize="0"/>
+          <p:nvPr/>
+        </p:nvPicPr>
+        <p:blipFill>
+          <a:blip r:embed="rId3">
+            <a:alphaModFix/>
+          </a:blip>
+          <a:stretch>
+            <a:fillRect/>
+          </a:stretch>
+        </p:blipFill>
+        <p:spPr>
+          <a:xfrm>
+            <a:off x="1924937" y="1305925"/>
+            <a:ext cx="5294126" cy="3416600"/>
+          </a:xfrm>
+          <a:prstGeom prst="rect">
+            <a:avLst/>
+          </a:prstGeom>
+          <a:noFill/>
+          <a:ln>
+            <a:noFill/>
+          </a:ln>
+        </p:spPr>
+      </p:pic>
+      <p:sp>
+        <p:nvSpPr>
+          <p:cNvPr id="430" name="Google Shape;430;p35"/>
+          <p:cNvSpPr txBox="1"/>
+          <p:nvPr>
+            <p:ph idx="12" type="sldNum"/>
+          </p:nvPr>
+        </p:nvSpPr>
+        <p:spPr>
+          <a:xfrm>
+            <a:off x="8451046" y="4736976"/>
+            <a:ext cx="548700" cy="393600"/>
+          </a:xfrm>
+          <a:prstGeom prst="rect">
+            <a:avLst/>
+          </a:prstGeom>
+        </p:spPr>
+        <p:txBody>
+          <a:bodyPr anchorCtr="0" anchor="ctr" bIns="91425" lIns="91425" spcFirstLastPara="1" rIns="91425" wrap="square" tIns="91425">
+            <a:normAutofit/>
+          </a:bodyPr>
+          <a:lstStyle/>
+          <a:p>
+            <a:pPr indent="0" lvl="0" marL="0" rtl="0" algn="r">
+              <a:spcBef>
+                <a:spcPts val="0"/>
+              </a:spcBef>
+              <a:spcAft>
+                <a:spcPts val="0"/>
+              </a:spcAft>
+              <a:buNone/>
+            </a:pPr>
+            <a:fld id="{00000000-1234-1234-1234-123412341234}" type="slidenum">
+              <a:rPr lang="fr"/>
+              <a:t>‹#›</a:t>
+            </a:fld>
+            <a:endParaRPr/>
+          </a:p>
+        </p:txBody>
+      </p:sp>
+    </p:spTree>
+  </p:cSld>
+  <p:clrMapOvr>
+    <a:masterClrMapping/>
+  </p:clrMapOvr>
+</p:sld>
+</file>
+
+<file path=ppt/slides/slide24.xml><?xml version="1.0" encoding="utf-8"?>
+<p:sld xmlns:a="http://schemas.openxmlformats.org/drawingml/2006/main" xmlns:r="http://schemas.openxmlformats.org/officeDocument/2006/relationships" xmlns:mc="http://schemas.openxmlformats.org/markup-compatibility/2006" xmlns:mv="urn:schemas-microsoft-com:mac:vml" xmlns:p="http://schemas.openxmlformats.org/presentationml/2006/main" xmlns:c="http://schemas.openxmlformats.org/drawingml/2006/chart" xmlns:dgm="http://schemas.openxmlformats.org/drawingml/2006/diagram" xmlns:o="urn:schemas-microsoft-com:office:office" xmlns:v="urn:schemas-microsoft-com:vml" xmlns:pvml="urn:schemas-microsoft-com:office:powerpoint" xmlns:com="http://schemas.openxmlformats.org/drawingml/2006/compatibility" xmlns:p14="http://schemas.microsoft.com/office/powerpoint/2010/main" xmlns:p15="http://schemas.microsoft.com/office/powerpoint/2012/main" xmlns:ahyp="http://schemas.microsoft.com/office/drawing/2018/hyperlinkcolor">
+  <p:cSld>
+    <p:spTree>
+      <p:nvGrpSpPr>
+        <p:cNvPr id="434" name="Shape 434"/>
+        <p:cNvGrpSpPr/>
+        <p:nvPr/>
+      </p:nvGrpSpPr>
+      <p:grpSpPr>
+        <a:xfrm>
+          <a:off x="0" y="0"/>
+          <a:ext cx="0" cy="0"/>
+          <a:chOff x="0" y="0"/>
+          <a:chExt cx="0" cy="0"/>
+        </a:xfrm>
+      </p:grpSpPr>
+      <p:sp>
+        <p:nvSpPr>
+          <p:cNvPr id="435" name="Google Shape;435;p36"/>
+          <p:cNvSpPr txBox="1"/>
+          <p:nvPr>
+            <p:ph type="title"/>
+          </p:nvPr>
+        </p:nvSpPr>
+        <p:spPr>
+          <a:xfrm>
+            <a:off x="1303800" y="598575"/>
+            <a:ext cx="7790700" cy="999300"/>
+          </a:xfrm>
+          <a:prstGeom prst="rect">
+            <a:avLst/>
+          </a:prstGeom>
+        </p:spPr>
+        <p:txBody>
+          <a:bodyPr anchorCtr="0" anchor="t" bIns="91425" lIns="91425" spcFirstLastPara="1" rIns="91425" wrap="square" tIns="91425">
+            <a:normAutofit/>
+          </a:bodyPr>
+          <a:lstStyle/>
+          <a:p>
+            <a:pPr indent="0" lvl="0" marL="0" rtl="0" algn="l">
+              <a:spcBef>
+                <a:spcPts val="0"/>
+              </a:spcBef>
+              <a:spcAft>
+                <a:spcPts val="0"/>
+              </a:spcAft>
+              <a:buNone/>
+            </a:pPr>
+            <a:r>
+              <a:rPr lang="fr"/>
+              <a:t>DCC Western généré</a:t>
+            </a:r>
+            <a:endParaRPr/>
+          </a:p>
+        </p:txBody>
+      </p:sp>
+      <p:pic>
+        <p:nvPicPr>
+          <p:cNvPr id="436" name="Google Shape;436;p36"/>
+          <p:cNvPicPr preferRelativeResize="0"/>
+          <p:nvPr/>
+        </p:nvPicPr>
+        <p:blipFill>
+          <a:blip r:embed="rId3">
+            <a:alphaModFix/>
+          </a:blip>
+          <a:stretch>
+            <a:fillRect/>
+          </a:stretch>
+        </p:blipFill>
+        <p:spPr>
+          <a:xfrm>
+            <a:off x="2207021" y="1372575"/>
+            <a:ext cx="4729958" cy="3240825"/>
+          </a:xfrm>
+          <a:prstGeom prst="rect">
+            <a:avLst/>
+          </a:prstGeom>
+          <a:noFill/>
+          <a:ln>
+            <a:noFill/>
+          </a:ln>
+        </p:spPr>
+      </p:pic>
+      <p:sp>
+        <p:nvSpPr>
+          <p:cNvPr id="437" name="Google Shape;437;p36"/>
+          <p:cNvSpPr txBox="1"/>
+          <p:nvPr>
+            <p:ph idx="12" type="sldNum"/>
+          </p:nvPr>
+        </p:nvSpPr>
+        <p:spPr>
+          <a:xfrm>
+            <a:off x="8451046" y="4736976"/>
+            <a:ext cx="548700" cy="393600"/>
+          </a:xfrm>
+          <a:prstGeom prst="rect">
+            <a:avLst/>
+          </a:prstGeom>
+        </p:spPr>
+        <p:txBody>
+          <a:bodyPr anchorCtr="0" anchor="ctr" bIns="91425" lIns="91425" spcFirstLastPara="1" rIns="91425" wrap="square" tIns="91425">
+            <a:normAutofit/>
+          </a:bodyPr>
+          <a:lstStyle/>
+          <a:p>
+            <a:pPr indent="0" lvl="0" marL="0" rtl="0" algn="r">
+              <a:spcBef>
+                <a:spcPts val="0"/>
+              </a:spcBef>
+              <a:spcAft>
+                <a:spcPts val="0"/>
+              </a:spcAft>
+              <a:buNone/>
+            </a:pPr>
+            <a:fld id="{00000000-1234-1234-1234-123412341234}" type="slidenum">
+              <a:rPr lang="fr"/>
+              <a:t>‹#›</a:t>
+            </a:fld>
+            <a:endParaRPr/>
+          </a:p>
+        </p:txBody>
+      </p:sp>
+    </p:spTree>
+  </p:cSld>
+  <p:clrMapOvr>
+    <a:masterClrMapping/>
+  </p:clrMapOvr>
+</p:sld>
+</file>
+
+<file path=ppt/slides/slide25.xml><?xml version="1.0" encoding="utf-8"?>
+<p:sld xmlns:a="http://schemas.openxmlformats.org/drawingml/2006/main" xmlns:r="http://schemas.openxmlformats.org/officeDocument/2006/relationships" xmlns:mc="http://schemas.openxmlformats.org/markup-compatibility/2006" xmlns:mv="urn:schemas-microsoft-com:mac:vml" xmlns:p="http://schemas.openxmlformats.org/presentationml/2006/main" xmlns:c="http://schemas.openxmlformats.org/drawingml/2006/chart" xmlns:dgm="http://schemas.openxmlformats.org/drawingml/2006/diagram" xmlns:o="urn:schemas-microsoft-com:office:office" xmlns:v="urn:schemas-microsoft-com:vml" xmlns:pvml="urn:schemas-microsoft-com:office:powerpoint" xmlns:com="http://schemas.openxmlformats.org/drawingml/2006/compatibility" xmlns:p14="http://schemas.microsoft.com/office/powerpoint/2010/main" xmlns:p15="http://schemas.microsoft.com/office/powerpoint/2012/main" xmlns:ahyp="http://schemas.microsoft.com/office/drawing/2018/hyperlinkcolor">
+  <p:cSld>
+    <p:spTree>
+      <p:nvGrpSpPr>
+        <p:cNvPr id="441" name="Shape 441"/>
+        <p:cNvGrpSpPr/>
+        <p:nvPr/>
+      </p:nvGrpSpPr>
+      <p:grpSpPr>
+        <a:xfrm>
+          <a:off x="0" y="0"/>
+          <a:ext cx="0" cy="0"/>
+          <a:chOff x="0" y="0"/>
+          <a:chExt cx="0" cy="0"/>
+        </a:xfrm>
+      </p:grpSpPr>
+      <p:sp>
+        <p:nvSpPr>
+          <p:cNvPr id="442" name="Google Shape;442;p37"/>
+          <p:cNvSpPr txBox="1"/>
+          <p:nvPr>
+            <p:ph type="title"/>
+          </p:nvPr>
+        </p:nvSpPr>
+        <p:spPr>
+          <a:xfrm>
+            <a:off x="1303800" y="598575"/>
+            <a:ext cx="7790700" cy="999300"/>
+          </a:xfrm>
+          <a:prstGeom prst="rect">
+            <a:avLst/>
+          </a:prstGeom>
+        </p:spPr>
+        <p:txBody>
+          <a:bodyPr anchorCtr="0" anchor="t" bIns="91425" lIns="91425" spcFirstLastPara="1" rIns="91425" wrap="square" tIns="91425">
+            <a:normAutofit/>
+          </a:bodyPr>
+          <a:lstStyle/>
+          <a:p>
+            <a:pPr indent="0" lvl="0" marL="0" rtl="0" algn="l">
+              <a:spcBef>
+                <a:spcPts val="0"/>
+              </a:spcBef>
+              <a:spcAft>
+                <a:spcPts val="0"/>
+              </a:spcAft>
+              <a:buNone/>
+            </a:pPr>
+            <a:r>
+              <a:rPr lang="fr"/>
+              <a:t>DCC Western généré</a:t>
+            </a:r>
+            <a:endParaRPr/>
+          </a:p>
+        </p:txBody>
+      </p:sp>
+      <p:pic>
+        <p:nvPicPr>
+          <p:cNvPr id="443" name="Google Shape;443;p37"/>
+          <p:cNvPicPr preferRelativeResize="0"/>
+          <p:nvPr/>
+        </p:nvPicPr>
+        <p:blipFill>
+          <a:blip r:embed="rId3">
+            <a:alphaModFix/>
+          </a:blip>
+          <a:stretch>
+            <a:fillRect/>
+          </a:stretch>
+        </p:blipFill>
+        <p:spPr>
+          <a:xfrm>
+            <a:off x="2036224" y="1439225"/>
+            <a:ext cx="5071552" cy="3240826"/>
+          </a:xfrm>
+          <a:prstGeom prst="rect">
+            <a:avLst/>
+          </a:prstGeom>
+          <a:noFill/>
+          <a:ln>
+            <a:noFill/>
+          </a:ln>
+        </p:spPr>
+      </p:pic>
+      <p:sp>
+        <p:nvSpPr>
+          <p:cNvPr id="444" name="Google Shape;444;p37"/>
+          <p:cNvSpPr txBox="1"/>
+          <p:nvPr>
+            <p:ph idx="12" type="sldNum"/>
+          </p:nvPr>
+        </p:nvSpPr>
+        <p:spPr>
+          <a:xfrm>
+            <a:off x="8451046" y="4736976"/>
+            <a:ext cx="548700" cy="393600"/>
+          </a:xfrm>
+          <a:prstGeom prst="rect">
+            <a:avLst/>
+          </a:prstGeom>
+        </p:spPr>
+        <p:txBody>
+          <a:bodyPr anchorCtr="0" anchor="ctr" bIns="91425" lIns="91425" spcFirstLastPara="1" rIns="91425" wrap="square" tIns="91425">
+            <a:normAutofit/>
+          </a:bodyPr>
+          <a:lstStyle/>
+          <a:p>
+            <a:pPr indent="0" lvl="0" marL="0" rtl="0" algn="r">
+              <a:spcBef>
+                <a:spcPts val="0"/>
+              </a:spcBef>
+              <a:spcAft>
+                <a:spcPts val="0"/>
+              </a:spcAft>
+              <a:buNone/>
+            </a:pPr>
+            <a:fld id="{00000000-1234-1234-1234-123412341234}" type="slidenum">
+              <a:rPr lang="fr"/>
+              <a:t>‹#›</a:t>
+            </a:fld>
+            <a:endParaRPr/>
+          </a:p>
+        </p:txBody>
+      </p:sp>
+    </p:spTree>
+  </p:cSld>
+  <p:clrMapOvr>
+    <a:masterClrMapping/>
+  </p:clrMapOvr>
+</p:sld>
+</file>
+
+<file path=ppt/slides/slide26.xml><?xml version="1.0" encoding="utf-8"?>
+<p:sld xmlns:a="http://schemas.openxmlformats.org/drawingml/2006/main" xmlns:r="http://schemas.openxmlformats.org/officeDocument/2006/relationships" xmlns:mc="http://schemas.openxmlformats.org/markup-compatibility/2006" xmlns:mv="urn:schemas-microsoft-com:mac:vml" xmlns:p="http://schemas.openxmlformats.org/presentationml/2006/main" xmlns:c="http://schemas.openxmlformats.org/drawingml/2006/chart" xmlns:dgm="http://schemas.openxmlformats.org/drawingml/2006/diagram" xmlns:o="urn:schemas-microsoft-com:office:office" xmlns:v="urn:schemas-microsoft-com:vml" xmlns:pvml="urn:schemas-microsoft-com:office:powerpoint" xmlns:com="http://schemas.openxmlformats.org/drawingml/2006/compatibility" xmlns:p14="http://schemas.microsoft.com/office/powerpoint/2010/main" xmlns:p15="http://schemas.microsoft.com/office/powerpoint/2012/main" xmlns:ahyp="http://schemas.microsoft.com/office/drawing/2018/hyperlinkcolor">
+  <p:cSld>
+    <p:spTree>
+      <p:nvGrpSpPr>
+        <p:cNvPr id="448" name="Shape 448"/>
+        <p:cNvGrpSpPr/>
+        <p:nvPr/>
+      </p:nvGrpSpPr>
+      <p:grpSpPr>
+        <a:xfrm>
+          <a:off x="0" y="0"/>
+          <a:ext cx="0" cy="0"/>
+          <a:chOff x="0" y="0"/>
+          <a:chExt cx="0" cy="0"/>
+        </a:xfrm>
+      </p:grpSpPr>
+      <p:sp>
+        <p:nvSpPr>
+          <p:cNvPr id="449" name="Google Shape;449;p38"/>
+          <p:cNvSpPr txBox="1"/>
+          <p:nvPr>
+            <p:ph type="title"/>
+          </p:nvPr>
+        </p:nvSpPr>
+        <p:spPr>
+          <a:xfrm>
+            <a:off x="1303800" y="598575"/>
+            <a:ext cx="7790700" cy="999300"/>
+          </a:xfrm>
+          <a:prstGeom prst="rect">
+            <a:avLst/>
+          </a:prstGeom>
+        </p:spPr>
+        <p:txBody>
+          <a:bodyPr anchorCtr="0" anchor="t" bIns="91425" lIns="91425" spcFirstLastPara="1" rIns="91425" wrap="square" tIns="91425">
+            <a:normAutofit/>
+          </a:bodyPr>
+          <a:lstStyle/>
+          <a:p>
+            <a:pPr indent="0" lvl="0" marL="0" rtl="0" algn="l">
+              <a:spcBef>
+                <a:spcPts val="0"/>
+              </a:spcBef>
+              <a:spcAft>
+                <a:spcPts val="0"/>
+              </a:spcAft>
+              <a:buNone/>
+            </a:pPr>
+            <a:r>
+              <a:rPr lang="fr"/>
+              <a:t>DCC Western généré</a:t>
+            </a:r>
+            <a:endParaRPr/>
+          </a:p>
+        </p:txBody>
+      </p:sp>
+      <p:pic>
+        <p:nvPicPr>
+          <p:cNvPr id="450" name="Google Shape;450;p38"/>
+          <p:cNvPicPr preferRelativeResize="0"/>
+          <p:nvPr/>
+        </p:nvPicPr>
+        <p:blipFill>
+          <a:blip r:embed="rId3">
+            <a:alphaModFix/>
+          </a:blip>
+          <a:stretch>
+            <a:fillRect/>
+          </a:stretch>
+        </p:blipFill>
+        <p:spPr>
+          <a:xfrm>
+            <a:off x="2197406" y="1305925"/>
+            <a:ext cx="4749187" cy="3240825"/>
+          </a:xfrm>
+          <a:prstGeom prst="rect">
+            <a:avLst/>
+          </a:prstGeom>
+          <a:noFill/>
+          <a:ln>
+            <a:noFill/>
+          </a:ln>
+        </p:spPr>
+      </p:pic>
+      <p:sp>
+        <p:nvSpPr>
+          <p:cNvPr id="451" name="Google Shape;451;p38"/>
+          <p:cNvSpPr txBox="1"/>
+          <p:nvPr>
+            <p:ph idx="12" type="sldNum"/>
+          </p:nvPr>
+        </p:nvSpPr>
+        <p:spPr>
+          <a:xfrm>
+            <a:off x="8451046" y="4736976"/>
+            <a:ext cx="548700" cy="393600"/>
+          </a:xfrm>
+          <a:prstGeom prst="rect">
+            <a:avLst/>
+          </a:prstGeom>
+        </p:spPr>
+        <p:txBody>
+          <a:bodyPr anchorCtr="0" anchor="ctr" bIns="91425" lIns="91425" spcFirstLastPara="1" rIns="91425" wrap="square" tIns="91425">
+            <a:normAutofit/>
+          </a:bodyPr>
+          <a:lstStyle/>
+          <a:p>
+            <a:pPr indent="0" lvl="0" marL="0" rtl="0" algn="r">
+              <a:spcBef>
+                <a:spcPts val="0"/>
+              </a:spcBef>
+              <a:spcAft>
+                <a:spcPts val="0"/>
+              </a:spcAft>
+              <a:buNone/>
+            </a:pPr>
+            <a:fld id="{00000000-1234-1234-1234-123412341234}" type="slidenum">
+              <a:rPr lang="fr"/>
+              <a:t>‹#›</a:t>
+            </a:fld>
+            <a:endParaRPr/>
+          </a:p>
+        </p:txBody>
+      </p:sp>
+    </p:spTree>
+  </p:cSld>
+  <p:clrMapOvr>
+    <a:masterClrMapping/>
+  </p:clrMapOvr>
+</p:sld>
+</file>
+
+<file path=ppt/slides/slide27.xml><?xml version="1.0" encoding="utf-8"?>
+<p:sld xmlns:a="http://schemas.openxmlformats.org/drawingml/2006/main" xmlns:r="http://schemas.openxmlformats.org/officeDocument/2006/relationships" xmlns:mc="http://schemas.openxmlformats.org/markup-compatibility/2006" xmlns:mv="urn:schemas-microsoft-com:mac:vml" xmlns:p="http://schemas.openxmlformats.org/presentationml/2006/main" xmlns:c="http://schemas.openxmlformats.org/drawingml/2006/chart" xmlns:dgm="http://schemas.openxmlformats.org/drawingml/2006/diagram" xmlns:o="urn:schemas-microsoft-com:office:office" xmlns:v="urn:schemas-microsoft-com:vml" xmlns:pvml="urn:schemas-microsoft-com:office:powerpoint" xmlns:com="http://schemas.openxmlformats.org/drawingml/2006/compatibility" xmlns:p14="http://schemas.microsoft.com/office/powerpoint/2010/main" xmlns:p15="http://schemas.microsoft.com/office/powerpoint/2012/main" xmlns:ahyp="http://schemas.microsoft.com/office/drawing/2018/hyperlinkcolor">
+  <p:cSld>
+    <p:spTree>
+      <p:nvGrpSpPr>
+        <p:cNvPr id="455" name="Shape 455"/>
+        <p:cNvGrpSpPr/>
+        <p:nvPr/>
+      </p:nvGrpSpPr>
+      <p:grpSpPr>
+        <a:xfrm>
+          <a:off x="0" y="0"/>
+          <a:ext cx="0" cy="0"/>
+          <a:chOff x="0" y="0"/>
+          <a:chExt cx="0" cy="0"/>
+        </a:xfrm>
+      </p:grpSpPr>
+      <p:sp>
+        <p:nvSpPr>
+          <p:cNvPr id="456" name="Google Shape;456;p39"/>
+          <p:cNvSpPr txBox="1"/>
+          <p:nvPr>
+            <p:ph type="title"/>
+          </p:nvPr>
+        </p:nvSpPr>
+        <p:spPr>
+          <a:xfrm>
+            <a:off x="1303800" y="598575"/>
+            <a:ext cx="7790700" cy="999300"/>
+          </a:xfrm>
+          <a:prstGeom prst="rect">
+            <a:avLst/>
+          </a:prstGeom>
+        </p:spPr>
+        <p:txBody>
+          <a:bodyPr anchorCtr="0" anchor="t" bIns="91425" lIns="91425" spcFirstLastPara="1" rIns="91425" wrap="square" tIns="91425">
+            <a:normAutofit/>
+          </a:bodyPr>
+          <a:lstStyle/>
+          <a:p>
+            <a:pPr indent="0" lvl="0" marL="0" rtl="0" algn="l">
+              <a:spcBef>
+                <a:spcPts val="0"/>
+              </a:spcBef>
+              <a:spcAft>
+                <a:spcPts val="0"/>
+              </a:spcAft>
+              <a:buNone/>
+            </a:pPr>
+            <a:r>
+              <a:rPr lang="fr"/>
+              <a:t>DCC Western généré</a:t>
+            </a:r>
+            <a:endParaRPr/>
+          </a:p>
+        </p:txBody>
+      </p:sp>
+      <p:pic>
+        <p:nvPicPr>
+          <p:cNvPr id="457" name="Google Shape;457;p39"/>
+          <p:cNvPicPr preferRelativeResize="0"/>
+          <p:nvPr/>
+        </p:nvPicPr>
+        <p:blipFill rotWithShape="1">
+          <a:blip r:embed="rId3">
+            <a:alphaModFix/>
+          </a:blip>
+          <a:srcRect b="0" l="19549" r="28012" t="0"/>
+          <a:stretch/>
+        </p:blipFill>
+        <p:spPr>
+          <a:xfrm>
+            <a:off x="2352837" y="1220200"/>
+            <a:ext cx="4438326" cy="3616700"/>
+          </a:xfrm>
+          <a:prstGeom prst="rect">
+            <a:avLst/>
+          </a:prstGeom>
+          <a:noFill/>
+          <a:ln>
+            <a:noFill/>
+          </a:ln>
+        </p:spPr>
+      </p:pic>
+      <p:sp>
+        <p:nvSpPr>
+          <p:cNvPr id="458" name="Google Shape;458;p39"/>
+          <p:cNvSpPr txBox="1"/>
+          <p:nvPr>
+            <p:ph idx="12" type="sldNum"/>
+          </p:nvPr>
+        </p:nvSpPr>
+        <p:spPr>
+          <a:xfrm>
+            <a:off x="8451046" y="4736976"/>
+            <a:ext cx="548700" cy="393600"/>
+          </a:xfrm>
+          <a:prstGeom prst="rect">
+            <a:avLst/>
+          </a:prstGeom>
+        </p:spPr>
+        <p:txBody>
+          <a:bodyPr anchorCtr="0" anchor="ctr" bIns="91425" lIns="91425" spcFirstLastPara="1" rIns="91425" wrap="square" tIns="91425">
+            <a:normAutofit/>
+          </a:bodyPr>
+          <a:lstStyle/>
+          <a:p>
+            <a:pPr indent="0" lvl="0" marL="0" rtl="0" algn="r">
+              <a:spcBef>
+                <a:spcPts val="0"/>
+              </a:spcBef>
+              <a:spcAft>
+                <a:spcPts val="0"/>
+              </a:spcAft>
+              <a:buNone/>
+            </a:pPr>
+            <a:fld id="{00000000-1234-1234-1234-123412341234}" type="slidenum">
+              <a:rPr lang="fr"/>
+              <a:t>‹#›</a:t>
+            </a:fld>
+            <a:endParaRPr/>
+          </a:p>
+        </p:txBody>
+      </p:sp>
+    </p:spTree>
+  </p:cSld>
+  <p:clrMapOvr>
+    <a:masterClrMapping/>
+  </p:clrMapOvr>
+</p:sld>
+</file>
+
+<file path=ppt/slides/slide28.xml><?xml version="1.0" encoding="utf-8"?>
+<p:sld xmlns:a="http://schemas.openxmlformats.org/drawingml/2006/main" xmlns:r="http://schemas.openxmlformats.org/officeDocument/2006/relationships" xmlns:mc="http://schemas.openxmlformats.org/markup-compatibility/2006" xmlns:mv="urn:schemas-microsoft-com:mac:vml" xmlns:p="http://schemas.openxmlformats.org/presentationml/2006/main" xmlns:c="http://schemas.openxmlformats.org/drawingml/2006/chart" xmlns:dgm="http://schemas.openxmlformats.org/drawingml/2006/diagram" xmlns:o="urn:schemas-microsoft-com:office:office" xmlns:v="urn:schemas-microsoft-com:vml" xmlns:pvml="urn:schemas-microsoft-com:office:powerpoint" xmlns:com="http://schemas.openxmlformats.org/drawingml/2006/compatibility" xmlns:p14="http://schemas.microsoft.com/office/powerpoint/2010/main" xmlns:p15="http://schemas.microsoft.com/office/powerpoint/2012/main" xmlns:ahyp="http://schemas.microsoft.com/office/drawing/2018/hyperlinkcolor">
+  <p:cSld>
+    <p:spTree>
+      <p:nvGrpSpPr>
+        <p:cNvPr id="462" name="Shape 462"/>
+        <p:cNvGrpSpPr/>
+        <p:nvPr/>
+      </p:nvGrpSpPr>
+      <p:grpSpPr>
+        <a:xfrm>
+          <a:off x="0" y="0"/>
+          <a:ext cx="0" cy="0"/>
+          <a:chOff x="0" y="0"/>
+          <a:chExt cx="0" cy="0"/>
+        </a:xfrm>
+      </p:grpSpPr>
+      <p:sp>
+        <p:nvSpPr>
+          <p:cNvPr id="463" name="Google Shape;463;p40"/>
+          <p:cNvSpPr txBox="1"/>
+          <p:nvPr>
+            <p:ph type="title"/>
+          </p:nvPr>
+        </p:nvSpPr>
+        <p:spPr>
+          <a:xfrm>
+            <a:off x="824000" y="1613825"/>
+            <a:ext cx="5857800" cy="1872900"/>
+          </a:xfrm>
+          <a:prstGeom prst="rect">
+            <a:avLst/>
+          </a:prstGeom>
+        </p:spPr>
+        <p:txBody>
+          <a:bodyPr anchorCtr="0" anchor="ctr" bIns="91425" lIns="91425" spcFirstLastPara="1" rIns="91425" wrap="square" tIns="91425">
+            <a:normAutofit/>
+          </a:bodyPr>
+          <a:lstStyle/>
+          <a:p>
+            <a:pPr indent="0" lvl="0" marL="0" rtl="0" algn="l">
+              <a:spcBef>
+                <a:spcPts val="0"/>
+              </a:spcBef>
+              <a:spcAft>
+                <a:spcPts val="0"/>
+              </a:spcAft>
+              <a:buNone/>
+            </a:pPr>
+            <a:r>
+              <a:rPr lang="fr"/>
+              <a:t>Bilan de fonctionnement</a:t>
+            </a:r>
+            <a:endParaRPr/>
+          </a:p>
+        </p:txBody>
+      </p:sp>
+      <p:sp>
+        <p:nvSpPr>
+          <p:cNvPr id="464" name="Google Shape;464;p40"/>
+          <p:cNvSpPr txBox="1"/>
+          <p:nvPr>
+            <p:ph idx="12" type="sldNum"/>
+          </p:nvPr>
+        </p:nvSpPr>
+        <p:spPr>
+          <a:xfrm>
+            <a:off x="8451046" y="4736976"/>
+            <a:ext cx="548700" cy="393600"/>
+          </a:xfrm>
+          <a:prstGeom prst="rect">
+            <a:avLst/>
+          </a:prstGeom>
+        </p:spPr>
+        <p:txBody>
+          <a:bodyPr anchorCtr="0" anchor="ctr" bIns="91425" lIns="91425" spcFirstLastPara="1" rIns="91425" wrap="square" tIns="91425">
+            <a:normAutofit/>
+          </a:bodyPr>
+          <a:lstStyle/>
+          <a:p>
+            <a:pPr indent="0" lvl="0" marL="0" rtl="0" algn="r">
+              <a:spcBef>
+                <a:spcPts val="0"/>
+              </a:spcBef>
+              <a:spcAft>
+                <a:spcPts val="0"/>
+              </a:spcAft>
+              <a:buNone/>
+            </a:pPr>
+            <a:fld id="{00000000-1234-1234-1234-123412341234}" type="slidenum">
+              <a:rPr lang="fr"/>
+              <a:t>‹#›</a:t>
+            </a:fld>
+            <a:endParaRPr/>
+          </a:p>
+        </p:txBody>
+      </p:sp>
+    </p:spTree>
+  </p:cSld>
+  <p:clrMapOvr>
+    <a:masterClrMapping/>
+  </p:clrMapOvr>
+</p:sld>
+</file>
+
+<file path=ppt/slides/slide29.xml><?xml version="1.0" encoding="utf-8"?>
+<p:sld xmlns:a="http://schemas.openxmlformats.org/drawingml/2006/main" xmlns:r="http://schemas.openxmlformats.org/officeDocument/2006/relationships" xmlns:mc="http://schemas.openxmlformats.org/markup-compatibility/2006" xmlns:mv="urn:schemas-microsoft-com:mac:vml" xmlns:p="http://schemas.openxmlformats.org/presentationml/2006/main" xmlns:c="http://schemas.openxmlformats.org/drawingml/2006/chart" xmlns:dgm="http://schemas.openxmlformats.org/drawingml/2006/diagram" xmlns:o="urn:schemas-microsoft-com:office:office" xmlns:v="urn:schemas-microsoft-com:vml" xmlns:pvml="urn:schemas-microsoft-com:office:powerpoint" xmlns:com="http://schemas.openxmlformats.org/drawingml/2006/compatibility" xmlns:p14="http://schemas.microsoft.com/office/powerpoint/2010/main" xmlns:p15="http://schemas.microsoft.com/office/powerpoint/2012/main" xmlns:ahyp="http://schemas.microsoft.com/office/drawing/2018/hyperlinkcolor">
+  <p:cSld>
+    <p:spTree>
+      <p:nvGrpSpPr>
+        <p:cNvPr id="468" name="Shape 468"/>
+        <p:cNvGrpSpPr/>
+        <p:nvPr/>
+      </p:nvGrpSpPr>
+      <p:grpSpPr>
+        <a:xfrm>
+          <a:off x="0" y="0"/>
+          <a:ext cx="0" cy="0"/>
+          <a:chOff x="0" y="0"/>
+          <a:chExt cx="0" cy="0"/>
+        </a:xfrm>
+      </p:grpSpPr>
+      <p:sp>
+        <p:nvSpPr>
+          <p:cNvPr id="469" name="Google Shape;469;p41"/>
+          <p:cNvSpPr txBox="1"/>
+          <p:nvPr>
+            <p:ph type="title"/>
+          </p:nvPr>
+        </p:nvSpPr>
+        <p:spPr>
+          <a:xfrm>
+            <a:off x="1303800" y="598575"/>
+            <a:ext cx="7790700" cy="999300"/>
+          </a:xfrm>
+          <a:prstGeom prst="rect">
+            <a:avLst/>
+          </a:prstGeom>
+        </p:spPr>
+        <p:txBody>
+          <a:bodyPr anchorCtr="0" anchor="t" bIns="91425" lIns="91425" spcFirstLastPara="1" rIns="91425" wrap="square" tIns="91425">
+            <a:normAutofit/>
+          </a:bodyPr>
+          <a:lstStyle/>
+          <a:p>
+            <a:pPr indent="0" lvl="0" marL="0" rtl="0" algn="l">
+              <a:spcBef>
+                <a:spcPts val="0"/>
+              </a:spcBef>
+              <a:spcAft>
+                <a:spcPts val="0"/>
+              </a:spcAft>
+              <a:buNone/>
+            </a:pPr>
+            <a:r>
+              <a:rPr lang="fr"/>
               <a:t>Qu’est-ce qui marche..?</a:t>
             </a:r>
             <a:endParaRPr/>
@@ -19073,7 +21042,7 @@
       </p:sp>
       <p:sp>
         <p:nvSpPr>
-          <p:cNvPr id="407" name="Google Shape;407;p35"/>
+          <p:cNvPr id="470" name="Google Shape;470;p41"/>
           <p:cNvSpPr txBox="1"/>
           <p:nvPr>
             <p:ph idx="1" type="body"/>
@@ -19161,6 +21130,46 @@
           </a:p>
         </p:txBody>
       </p:sp>
+      <p:sp>
+        <p:nvSpPr>
+          <p:cNvPr id="471" name="Google Shape;471;p41"/>
+          <p:cNvSpPr txBox="1"/>
+          <p:nvPr>
+            <p:ph idx="12" type="sldNum"/>
+          </p:nvPr>
+        </p:nvSpPr>
+        <p:spPr>
+          <a:xfrm>
+            <a:off x="8451046" y="4736976"/>
+            <a:ext cx="548700" cy="393600"/>
+          </a:xfrm>
+          <a:prstGeom prst="rect">
+            <a:avLst/>
+          </a:prstGeom>
+        </p:spPr>
+        <p:txBody>
+          <a:bodyPr anchorCtr="0" anchor="ctr" bIns="91425" lIns="91425" spcFirstLastPara="1" rIns="91425" wrap="square" tIns="91425">
+            <a:normAutofit/>
+          </a:bodyPr>
+          <a:lstStyle/>
+          <a:p>
+            <a:pPr indent="0" lvl="0" marL="0" rtl="0" algn="r">
+              <a:spcBef>
+                <a:spcPts val="0"/>
+              </a:spcBef>
+              <a:spcAft>
+                <a:spcPts val="0"/>
+              </a:spcAft>
+              <a:buNone/>
+            </a:pPr>
+            <a:fld id="{00000000-1234-1234-1234-123412341234}" type="slidenum">
+              <a:rPr lang="fr"/>
+              <a:t>‹#›</a:t>
+            </a:fld>
+            <a:endParaRPr/>
+          </a:p>
+        </p:txBody>
+      </p:sp>
     </p:spTree>
   </p:cSld>
   <p:clrMapOvr>
@@ -19169,12 +21178,12 @@
 </p:sld>
 </file>
 
-<file path=ppt/slides/slide24.xml><?xml version="1.0" encoding="utf-8"?>
+<file path=ppt/slides/slide3.xml><?xml version="1.0" encoding="utf-8"?>
 <p:sld xmlns:a="http://schemas.openxmlformats.org/drawingml/2006/main" xmlns:r="http://schemas.openxmlformats.org/officeDocument/2006/relationships" xmlns:mc="http://schemas.openxmlformats.org/markup-compatibility/2006" xmlns:mv="urn:schemas-microsoft-com:mac:vml" xmlns:p="http://schemas.openxmlformats.org/presentationml/2006/main" xmlns:c="http://schemas.openxmlformats.org/drawingml/2006/chart" xmlns:dgm="http://schemas.openxmlformats.org/drawingml/2006/diagram" xmlns:o="urn:schemas-microsoft-com:office:office" xmlns:v="urn:schemas-microsoft-com:vml" xmlns:pvml="urn:schemas-microsoft-com:office:powerpoint" xmlns:com="http://schemas.openxmlformats.org/drawingml/2006/compatibility" xmlns:p14="http://schemas.microsoft.com/office/powerpoint/2010/main" xmlns:p15="http://schemas.microsoft.com/office/powerpoint/2012/main" xmlns:ahyp="http://schemas.microsoft.com/office/drawing/2018/hyperlinkcolor">
   <p:cSld>
     <p:spTree>
       <p:nvGrpSpPr>
-        <p:cNvPr id="411" name="Shape 411"/>
+        <p:cNvPr id="290" name="Shape 290"/>
         <p:cNvGrpSpPr/>
         <p:nvPr/>
       </p:nvGrpSpPr>
@@ -19188,7 +21197,202 @@
       </p:grpSpPr>
       <p:sp>
         <p:nvSpPr>
-          <p:cNvPr id="412" name="Google Shape;412;p36"/>
+          <p:cNvPr id="291" name="Google Shape;291;p15"/>
+          <p:cNvSpPr txBox="1"/>
+          <p:nvPr>
+            <p:ph type="title"/>
+          </p:nvPr>
+        </p:nvSpPr>
+        <p:spPr>
+          <a:xfrm>
+            <a:off x="1303800" y="598575"/>
+            <a:ext cx="7030500" cy="999300"/>
+          </a:xfrm>
+          <a:prstGeom prst="rect">
+            <a:avLst/>
+          </a:prstGeom>
+        </p:spPr>
+        <p:txBody>
+          <a:bodyPr anchorCtr="0" anchor="t" bIns="91425" lIns="91425" spcFirstLastPara="1" rIns="91425" wrap="square" tIns="91425">
+            <a:normAutofit/>
+          </a:bodyPr>
+          <a:lstStyle/>
+          <a:p>
+            <a:pPr indent="0" lvl="0" marL="0" rtl="0" algn="l">
+              <a:spcBef>
+                <a:spcPts val="0"/>
+              </a:spcBef>
+              <a:spcAft>
+                <a:spcPts val="0"/>
+              </a:spcAft>
+              <a:buNone/>
+            </a:pPr>
+            <a:r>
+              <a:rPr lang="fr"/>
+              <a:t>Horaires</a:t>
+            </a:r>
+            <a:endParaRPr/>
+          </a:p>
+        </p:txBody>
+      </p:sp>
+      <p:sp>
+        <p:nvSpPr>
+          <p:cNvPr id="292" name="Google Shape;292;p15"/>
+          <p:cNvSpPr txBox="1"/>
+          <p:nvPr>
+            <p:ph idx="1" type="body"/>
+          </p:nvPr>
+        </p:nvSpPr>
+        <p:spPr>
+          <a:xfrm>
+            <a:off x="1303800" y="1990050"/>
+            <a:ext cx="7030500" cy="2541600"/>
+          </a:xfrm>
+          <a:prstGeom prst="rect">
+            <a:avLst/>
+          </a:prstGeom>
+        </p:spPr>
+        <p:txBody>
+          <a:bodyPr anchorCtr="0" anchor="t" bIns="91425" lIns="91425" spcFirstLastPara="1" rIns="91425" wrap="square" tIns="91425">
+            <a:normAutofit/>
+          </a:bodyPr>
+          <a:lstStyle/>
+          <a:p>
+            <a:pPr indent="0" lvl="0" marL="0" rtl="0" algn="l">
+              <a:spcBef>
+                <a:spcPts val="0"/>
+              </a:spcBef>
+              <a:spcAft>
+                <a:spcPts val="0"/>
+              </a:spcAft>
+              <a:buNone/>
+            </a:pPr>
+            <a:r>
+              <a:rPr lang="fr" sz="2100"/>
+              <a:t>Fernandes Samuel : ~58 heures pour 60 % du projet final</a:t>
+            </a:r>
+            <a:endParaRPr sz="2100"/>
+          </a:p>
+          <a:p>
+            <a:pPr indent="0" lvl="0" marL="0" rtl="0" algn="l">
+              <a:spcBef>
+                <a:spcPts val="1200"/>
+              </a:spcBef>
+              <a:spcAft>
+                <a:spcPts val="0"/>
+              </a:spcAft>
+              <a:buNone/>
+            </a:pPr>
+            <a:r>
+              <a:t/>
+            </a:r>
+            <a:endParaRPr sz="2100"/>
+          </a:p>
+          <a:p>
+            <a:pPr indent="0" lvl="0" marL="0" rtl="0" algn="l">
+              <a:spcBef>
+                <a:spcPts val="1200"/>
+              </a:spcBef>
+              <a:spcAft>
+                <a:spcPts val="0"/>
+              </a:spcAft>
+              <a:buNone/>
+            </a:pPr>
+            <a:r>
+              <a:rPr lang="fr" sz="2100"/>
+              <a:t>Marsault </a:t>
+            </a:r>
+            <a:r>
+              <a:rPr lang="fr" sz="2100"/>
+              <a:t>Samuel : ~45 heures pour 40 % du projet final</a:t>
+            </a:r>
+            <a:endParaRPr sz="2100"/>
+          </a:p>
+          <a:p>
+            <a:pPr indent="0" lvl="0" marL="0" rtl="0" algn="l">
+              <a:spcBef>
+                <a:spcPts val="1200"/>
+              </a:spcBef>
+              <a:spcAft>
+                <a:spcPts val="1200"/>
+              </a:spcAft>
+              <a:buNone/>
+            </a:pPr>
+            <a:r>
+              <a:t/>
+            </a:r>
+            <a:endParaRPr sz="2100"/>
+          </a:p>
+        </p:txBody>
+      </p:sp>
+      <p:sp>
+        <p:nvSpPr>
+          <p:cNvPr id="293" name="Google Shape;293;p15"/>
+          <p:cNvSpPr txBox="1"/>
+          <p:nvPr>
+            <p:ph idx="12" type="sldNum"/>
+          </p:nvPr>
+        </p:nvSpPr>
+        <p:spPr>
+          <a:xfrm>
+            <a:off x="8451046" y="4736976"/>
+            <a:ext cx="548700" cy="393600"/>
+          </a:xfrm>
+          <a:prstGeom prst="rect">
+            <a:avLst/>
+          </a:prstGeom>
+        </p:spPr>
+        <p:txBody>
+          <a:bodyPr anchorCtr="0" anchor="ctr" bIns="91425" lIns="91425" spcFirstLastPara="1" rIns="91425" wrap="square" tIns="91425">
+            <a:normAutofit/>
+          </a:bodyPr>
+          <a:lstStyle/>
+          <a:p>
+            <a:pPr indent="0" lvl="0" marL="0" rtl="0" algn="r">
+              <a:spcBef>
+                <a:spcPts val="0"/>
+              </a:spcBef>
+              <a:spcAft>
+                <a:spcPts val="0"/>
+              </a:spcAft>
+              <a:buNone/>
+            </a:pPr>
+            <a:fld id="{00000000-1234-1234-1234-123412341234}" type="slidenum">
+              <a:rPr lang="fr"/>
+              <a:t>‹#›</a:t>
+            </a:fld>
+            <a:endParaRPr/>
+          </a:p>
+        </p:txBody>
+      </p:sp>
+    </p:spTree>
+  </p:cSld>
+  <p:clrMapOvr>
+    <a:masterClrMapping/>
+  </p:clrMapOvr>
+</p:sld>
+</file>
+
+<file path=ppt/slides/slide30.xml><?xml version="1.0" encoding="utf-8"?>
+<p:sld xmlns:a="http://schemas.openxmlformats.org/drawingml/2006/main" xmlns:r="http://schemas.openxmlformats.org/officeDocument/2006/relationships" xmlns:mc="http://schemas.openxmlformats.org/markup-compatibility/2006" xmlns:mv="urn:schemas-microsoft-com:mac:vml" xmlns:p="http://schemas.openxmlformats.org/presentationml/2006/main" xmlns:c="http://schemas.openxmlformats.org/drawingml/2006/chart" xmlns:dgm="http://schemas.openxmlformats.org/drawingml/2006/diagram" xmlns:o="urn:schemas-microsoft-com:office:office" xmlns:v="urn:schemas-microsoft-com:vml" xmlns:pvml="urn:schemas-microsoft-com:office:powerpoint" xmlns:com="http://schemas.openxmlformats.org/drawingml/2006/compatibility" xmlns:p14="http://schemas.microsoft.com/office/powerpoint/2010/main" xmlns:p15="http://schemas.microsoft.com/office/powerpoint/2012/main" xmlns:ahyp="http://schemas.microsoft.com/office/drawing/2018/hyperlinkcolor">
+  <p:cSld>
+    <p:spTree>
+      <p:nvGrpSpPr>
+        <p:cNvPr id="475" name="Shape 475"/>
+        <p:cNvGrpSpPr/>
+        <p:nvPr/>
+      </p:nvGrpSpPr>
+      <p:grpSpPr>
+        <a:xfrm>
+          <a:off x="0" y="0"/>
+          <a:ext cx="0" cy="0"/>
+          <a:chOff x="0" y="0"/>
+          <a:chExt cx="0" cy="0"/>
+        </a:xfrm>
+      </p:grpSpPr>
+      <p:sp>
+        <p:nvSpPr>
+          <p:cNvPr id="476" name="Google Shape;476;p42"/>
           <p:cNvSpPr txBox="1"/>
           <p:nvPr>
             <p:ph type="title"/>
@@ -19228,7 +21432,7 @@
       </p:sp>
       <p:sp>
         <p:nvSpPr>
-          <p:cNvPr id="413" name="Google Shape;413;p36"/>
+          <p:cNvPr id="477" name="Google Shape;477;p42"/>
           <p:cNvSpPr txBox="1"/>
           <p:nvPr>
             <p:ph idx="1" type="body"/>
@@ -19260,7 +21464,23 @@
             </a:pPr>
             <a:r>
               <a:rPr lang="fr" sz="2100"/>
-              <a:t>Les PumlObjects ne stockant pas une instance précise d’un élément, il fallait trouvé un moyen de les différencier (ne pas mettre des &lt;&lt;Use&gt;&gt; ou “implements” plusieurs fois, sur des elements sont aucun lien !).</a:t>
+              <a:t>Les PumlObjects ne stockant pas une instance précise d’un élément, il fallait </a:t>
+            </a:r>
+            <a:r>
+              <a:rPr lang="fr" sz="2100"/>
+              <a:t>trouver</a:t>
+            </a:r>
+            <a:r>
+              <a:rPr lang="fr" sz="2100"/>
+              <a:t> un moyen de les différencier (ne pas mettre des &lt;&lt;Use&gt;&gt; plusieurs fois ou dans le cas d’une </a:t>
+            </a:r>
+            <a:r>
+              <a:rPr lang="fr" sz="2100"/>
+              <a:t>agrégation</a:t>
+            </a:r>
+            <a:r>
+              <a:rPr lang="fr" sz="2100"/>
+              <a:t>/composition)</a:t>
             </a:r>
             <a:endParaRPr sz="2100"/>
           </a:p>
@@ -19278,6 +21498,46 @@
               <a:t/>
             </a:r>
             <a:endParaRPr sz="2100"/>
+          </a:p>
+        </p:txBody>
+      </p:sp>
+      <p:sp>
+        <p:nvSpPr>
+          <p:cNvPr id="478" name="Google Shape;478;p42"/>
+          <p:cNvSpPr txBox="1"/>
+          <p:nvPr>
+            <p:ph idx="12" type="sldNum"/>
+          </p:nvPr>
+        </p:nvSpPr>
+        <p:spPr>
+          <a:xfrm>
+            <a:off x="8451046" y="4736976"/>
+            <a:ext cx="548700" cy="393600"/>
+          </a:xfrm>
+          <a:prstGeom prst="rect">
+            <a:avLst/>
+          </a:prstGeom>
+        </p:spPr>
+        <p:txBody>
+          <a:bodyPr anchorCtr="0" anchor="ctr" bIns="91425" lIns="91425" spcFirstLastPara="1" rIns="91425" wrap="square" tIns="91425">
+            <a:normAutofit/>
+          </a:bodyPr>
+          <a:lstStyle/>
+          <a:p>
+            <a:pPr indent="0" lvl="0" marL="0" rtl="0" algn="r">
+              <a:spcBef>
+                <a:spcPts val="0"/>
+              </a:spcBef>
+              <a:spcAft>
+                <a:spcPts val="0"/>
+              </a:spcAft>
+              <a:buNone/>
+            </a:pPr>
+            <a:fld id="{00000000-1234-1234-1234-123412341234}" type="slidenum">
+              <a:rPr lang="fr"/>
+              <a:t>‹#›</a:t>
+            </a:fld>
+            <a:endParaRPr/>
           </a:p>
         </p:txBody>
       </p:sp>
@@ -19289,12 +21549,12 @@
 </p:sld>
 </file>
 
-<file path=ppt/slides/slide25.xml><?xml version="1.0" encoding="utf-8"?>
+<file path=ppt/slides/slide31.xml><?xml version="1.0" encoding="utf-8"?>
 <p:sld xmlns:a="http://schemas.openxmlformats.org/drawingml/2006/main" xmlns:r="http://schemas.openxmlformats.org/officeDocument/2006/relationships" xmlns:mc="http://schemas.openxmlformats.org/markup-compatibility/2006" xmlns:mv="urn:schemas-microsoft-com:mac:vml" xmlns:p="http://schemas.openxmlformats.org/presentationml/2006/main" xmlns:c="http://schemas.openxmlformats.org/drawingml/2006/chart" xmlns:dgm="http://schemas.openxmlformats.org/drawingml/2006/diagram" xmlns:o="urn:schemas-microsoft-com:office:office" xmlns:v="urn:schemas-microsoft-com:vml" xmlns:pvml="urn:schemas-microsoft-com:office:powerpoint" xmlns:com="http://schemas.openxmlformats.org/drawingml/2006/compatibility" xmlns:p14="http://schemas.microsoft.com/office/powerpoint/2010/main" xmlns:p15="http://schemas.microsoft.com/office/powerpoint/2012/main" xmlns:ahyp="http://schemas.microsoft.com/office/drawing/2018/hyperlinkcolor">
   <p:cSld>
     <p:spTree>
       <p:nvGrpSpPr>
-        <p:cNvPr id="417" name="Shape 417"/>
+        <p:cNvPr id="482" name="Shape 482"/>
         <p:cNvGrpSpPr/>
         <p:nvPr/>
       </p:nvGrpSpPr>
@@ -19308,7 +21568,7 @@
       </p:grpSpPr>
       <p:sp>
         <p:nvSpPr>
-          <p:cNvPr id="418" name="Google Shape;418;p37"/>
+          <p:cNvPr id="483" name="Google Shape;483;p43"/>
           <p:cNvSpPr txBox="1"/>
           <p:nvPr>
             <p:ph type="title"/>
@@ -19348,7 +21608,7 @@
       </p:sp>
       <p:sp>
         <p:nvSpPr>
-          <p:cNvPr id="419" name="Google Shape;419;p37"/>
+          <p:cNvPr id="484" name="Google Shape;484;p43"/>
           <p:cNvSpPr txBox="1"/>
           <p:nvPr>
             <p:ph idx="1" type="body"/>
@@ -19380,7 +21640,7 @@
             </a:pPr>
             <a:r>
               <a:rPr lang="fr" sz="2100"/>
-              <a:t>Utiliser une variable globale dans l’abstract PumlClasses, modifiée lors de l’analyse de ses héritages et ses uses (list incrémentée), puis réinitialisée avant d’analyser la suivante.</a:t>
+              <a:t>Utiliser une variable globale dans les implémentations de RelationableObject, modifiée lors de l’analyse de ses champs et ses uses (liste incrémentée), puis réinitialisée avant d’analyser la suivante.</a:t>
             </a:r>
             <a:endParaRPr sz="2100"/>
           </a:p>
@@ -19396,12 +21656,36 @@
               <a:buChar char="+"/>
             </a:pPr>
             <a:r>
-              <a:rPr lang="fr" sz="2100"/>
-              <a:t>Éventuellement</a:t>
+              <a:rPr i="1" lang="fr" sz="2100"/>
+              <a:t>(</a:t>
+            </a:r>
+            <a:r>
+              <a:rPr i="1" lang="fr" sz="2100"/>
+              <a:t>Éventuellement)</a:t>
             </a:r>
             <a:r>
               <a:rPr lang="fr" sz="2100"/>
-              <a:t> rebouclé sur tout les element de type CLASS de l’environnement durant la création du DCA/DCC pour les ajouter à la fin</a:t>
+              <a:t> </a:t>
+            </a:r>
+            <a:r>
+              <a:rPr lang="fr" sz="2100"/>
+              <a:t>reboucler sur </a:t>
+            </a:r>
+            <a:r>
+              <a:rPr lang="fr" sz="2100"/>
+              <a:t>tous</a:t>
+            </a:r>
+            <a:r>
+              <a:rPr lang="fr" sz="2100"/>
+              <a:t> les </a:t>
+            </a:r>
+            <a:r>
+              <a:rPr lang="fr" sz="2100"/>
+              <a:t>éléments</a:t>
+            </a:r>
+            <a:r>
+              <a:rPr lang="fr" sz="2100"/>
+              <a:t> de type CLASS de l’environnement durant la création du DCA/DCC pour les ajouter à la fin</a:t>
             </a:r>
             <a:endParaRPr sz="2100"/>
           </a:p>
@@ -19419,6 +21703,46 @@
               <a:t/>
             </a:r>
             <a:endParaRPr sz="2100"/>
+          </a:p>
+        </p:txBody>
+      </p:sp>
+      <p:sp>
+        <p:nvSpPr>
+          <p:cNvPr id="485" name="Google Shape;485;p43"/>
+          <p:cNvSpPr txBox="1"/>
+          <p:nvPr>
+            <p:ph idx="12" type="sldNum"/>
+          </p:nvPr>
+        </p:nvSpPr>
+        <p:spPr>
+          <a:xfrm>
+            <a:off x="8451046" y="4736976"/>
+            <a:ext cx="548700" cy="393600"/>
+          </a:xfrm>
+          <a:prstGeom prst="rect">
+            <a:avLst/>
+          </a:prstGeom>
+        </p:spPr>
+        <p:txBody>
+          <a:bodyPr anchorCtr="0" anchor="ctr" bIns="91425" lIns="91425" spcFirstLastPara="1" rIns="91425" wrap="square" tIns="91425">
+            <a:normAutofit/>
+          </a:bodyPr>
+          <a:lstStyle/>
+          <a:p>
+            <a:pPr indent="0" lvl="0" marL="0" rtl="0" algn="r">
+              <a:spcBef>
+                <a:spcPts val="0"/>
+              </a:spcBef>
+              <a:spcAft>
+                <a:spcPts val="0"/>
+              </a:spcAft>
+              <a:buNone/>
+            </a:pPr>
+            <a:fld id="{00000000-1234-1234-1234-123412341234}" type="slidenum">
+              <a:rPr lang="fr"/>
+              <a:t>‹#›</a:t>
+            </a:fld>
+            <a:endParaRPr/>
           </a:p>
         </p:txBody>
       </p:sp>
@@ -19430,12 +21754,12 @@
 </p:sld>
 </file>
 
-<file path=ppt/slides/slide26.xml><?xml version="1.0" encoding="utf-8"?>
+<file path=ppt/slides/slide32.xml><?xml version="1.0" encoding="utf-8"?>
 <p:sld xmlns:a="http://schemas.openxmlformats.org/drawingml/2006/main" xmlns:r="http://schemas.openxmlformats.org/officeDocument/2006/relationships" xmlns:mc="http://schemas.openxmlformats.org/markup-compatibility/2006" xmlns:mv="urn:schemas-microsoft-com:mac:vml" xmlns:p="http://schemas.openxmlformats.org/presentationml/2006/main" xmlns:c="http://schemas.openxmlformats.org/drawingml/2006/chart" xmlns:dgm="http://schemas.openxmlformats.org/drawingml/2006/diagram" xmlns:o="urn:schemas-microsoft-com:office:office" xmlns:v="urn:schemas-microsoft-com:vml" xmlns:pvml="urn:schemas-microsoft-com:office:powerpoint" xmlns:com="http://schemas.openxmlformats.org/drawingml/2006/compatibility" xmlns:p14="http://schemas.microsoft.com/office/powerpoint/2010/main" xmlns:p15="http://schemas.microsoft.com/office/powerpoint/2012/main" xmlns:ahyp="http://schemas.microsoft.com/office/drawing/2018/hyperlinkcolor">
   <p:cSld>
     <p:spTree>
       <p:nvGrpSpPr>
-        <p:cNvPr id="423" name="Shape 423"/>
+        <p:cNvPr id="489" name="Shape 489"/>
         <p:cNvGrpSpPr/>
         <p:nvPr/>
       </p:nvGrpSpPr>
@@ -19449,7 +21773,7 @@
       </p:grpSpPr>
       <p:sp>
         <p:nvSpPr>
-          <p:cNvPr id="424" name="Google Shape;424;p38"/>
+          <p:cNvPr id="490" name="Google Shape;490;p44"/>
           <p:cNvSpPr txBox="1"/>
           <p:nvPr>
             <p:ph type="title"/>
@@ -19503,6 +21827,46 @@
           </a:p>
         </p:txBody>
       </p:sp>
+      <p:sp>
+        <p:nvSpPr>
+          <p:cNvPr id="491" name="Google Shape;491;p44"/>
+          <p:cNvSpPr txBox="1"/>
+          <p:nvPr>
+            <p:ph idx="12" type="sldNum"/>
+          </p:nvPr>
+        </p:nvSpPr>
+        <p:spPr>
+          <a:xfrm>
+            <a:off x="8451046" y="4736976"/>
+            <a:ext cx="548700" cy="393600"/>
+          </a:xfrm>
+          <a:prstGeom prst="rect">
+            <a:avLst/>
+          </a:prstGeom>
+        </p:spPr>
+        <p:txBody>
+          <a:bodyPr anchorCtr="0" anchor="ctr" bIns="91425" lIns="91425" spcFirstLastPara="1" rIns="91425" wrap="square" tIns="91425">
+            <a:normAutofit/>
+          </a:bodyPr>
+          <a:lstStyle/>
+          <a:p>
+            <a:pPr indent="0" lvl="0" marL="0" rtl="0" algn="r">
+              <a:spcBef>
+                <a:spcPts val="0"/>
+              </a:spcBef>
+              <a:spcAft>
+                <a:spcPts val="0"/>
+              </a:spcAft>
+              <a:buNone/>
+            </a:pPr>
+            <a:fld id="{00000000-1234-1234-1234-123412341234}" type="slidenum">
+              <a:rPr lang="fr"/>
+              <a:t>‹#›</a:t>
+            </a:fld>
+            <a:endParaRPr/>
+          </a:p>
+        </p:txBody>
+      </p:sp>
     </p:spTree>
   </p:cSld>
   <p:clrMapOvr>
@@ -19511,12 +21875,12 @@
 </p:sld>
 </file>
 
-<file path=ppt/slides/slide3.xml><?xml version="1.0" encoding="utf-8"?>
+<file path=ppt/slides/slide4.xml><?xml version="1.0" encoding="utf-8"?>
 <p:sld xmlns:a="http://schemas.openxmlformats.org/drawingml/2006/main" xmlns:r="http://schemas.openxmlformats.org/officeDocument/2006/relationships" xmlns:mc="http://schemas.openxmlformats.org/markup-compatibility/2006" xmlns:mv="urn:schemas-microsoft-com:mac:vml" xmlns:p="http://schemas.openxmlformats.org/presentationml/2006/main" xmlns:c="http://schemas.openxmlformats.org/drawingml/2006/chart" xmlns:dgm="http://schemas.openxmlformats.org/drawingml/2006/diagram" xmlns:o="urn:schemas-microsoft-com:office:office" xmlns:v="urn:schemas-microsoft-com:vml" xmlns:pvml="urn:schemas-microsoft-com:office:powerpoint" xmlns:com="http://schemas.openxmlformats.org/drawingml/2006/compatibility" xmlns:p14="http://schemas.microsoft.com/office/powerpoint/2010/main" xmlns:p15="http://schemas.microsoft.com/office/powerpoint/2012/main" xmlns:ahyp="http://schemas.microsoft.com/office/drawing/2018/hyperlinkcolor">
   <p:cSld>
     <p:spTree>
       <p:nvGrpSpPr>
-        <p:cNvPr id="288" name="Shape 288"/>
+        <p:cNvPr id="297" name="Shape 297"/>
         <p:cNvGrpSpPr/>
         <p:nvPr/>
       </p:nvGrpSpPr>
@@ -19530,7 +21894,7 @@
       </p:grpSpPr>
       <p:sp>
         <p:nvSpPr>
-          <p:cNvPr id="289" name="Google Shape;289;p15"/>
+          <p:cNvPr id="298" name="Google Shape;298;p16"/>
           <p:cNvSpPr txBox="1"/>
           <p:nvPr>
             <p:ph type="title"/>
@@ -19562,7 +21926,7 @@
             </a:pPr>
             <a:r>
               <a:rPr lang="fr"/>
-              <a:t>Horaires</a:t>
+              <a:t>Répartition des tâches </a:t>
             </a:r>
             <a:endParaRPr/>
           </a:p>
@@ -19570,7 +21934,7 @@
       </p:sp>
       <p:sp>
         <p:nvSpPr>
-          <p:cNvPr id="290" name="Google Shape;290;p15"/>
+          <p:cNvPr id="299" name="Google Shape;299;p16"/>
           <p:cNvSpPr txBox="1"/>
           <p:nvPr>
             <p:ph idx="1" type="body"/>
@@ -19578,8 +21942,8 @@
         </p:nvSpPr>
         <p:spPr>
           <a:xfrm>
-            <a:off x="1303800" y="1990050"/>
-            <a:ext cx="7030500" cy="2541600"/>
+            <a:off x="1303800" y="1597875"/>
+            <a:ext cx="7030500" cy="3545700"/>
           </a:xfrm>
           <a:prstGeom prst="rect">
             <a:avLst/>
@@ -19587,7 +21951,7 @@
         </p:spPr>
         <p:txBody>
           <a:bodyPr anchorCtr="0" anchor="t" bIns="91425" lIns="91425" spcFirstLastPara="1" rIns="91425" wrap="square" tIns="91425">
-            <a:normAutofit/>
+            <a:normAutofit lnSpcReduction="20000"/>
           </a:bodyPr>
           <a:lstStyle/>
           <a:p>
@@ -19602,7 +21966,11 @@
             </a:pPr>
             <a:r>
               <a:rPr lang="fr" sz="2100"/>
-              <a:t>Fernandes Samuel : ~59 heures pour 60 % du projet</a:t>
+              <a:t>Fernandes Samuel : création des classes attribués à chaque </a:t>
+            </a:r>
+            <a:r>
+              <a:rPr lang="fr" sz="2100"/>
+              <a:t>Élément java pour leur traduction, et de quoi écrire dans un fichier, classe du manuel (+ remake de l’API)</a:t>
             </a:r>
             <a:endParaRPr sz="2100"/>
           </a:p>
@@ -19633,11 +22001,7 @@
             </a:pPr>
             <a:r>
               <a:rPr lang="fr" sz="2100"/>
-              <a:t>Marsault </a:t>
-            </a:r>
-            <a:r>
-              <a:rPr lang="fr" sz="2100"/>
-              <a:t>Samuel : ~44 heures pour 40 % du projet</a:t>
+              <a:t>Marsault Samuel : classes de création de DCC/DCA, des options, majorité du travail de documentation et ‘récursive’ </a:t>
             </a:r>
             <a:endParaRPr sz="2100"/>
           </a:p>
@@ -19655,6 +22019,46 @@
               <a:t/>
             </a:r>
             <a:endParaRPr sz="2100"/>
+          </a:p>
+        </p:txBody>
+      </p:sp>
+      <p:sp>
+        <p:nvSpPr>
+          <p:cNvPr id="300" name="Google Shape;300;p16"/>
+          <p:cNvSpPr txBox="1"/>
+          <p:nvPr>
+            <p:ph idx="12" type="sldNum"/>
+          </p:nvPr>
+        </p:nvSpPr>
+        <p:spPr>
+          <a:xfrm>
+            <a:off x="8451046" y="4736976"/>
+            <a:ext cx="548700" cy="393600"/>
+          </a:xfrm>
+          <a:prstGeom prst="rect">
+            <a:avLst/>
+          </a:prstGeom>
+        </p:spPr>
+        <p:txBody>
+          <a:bodyPr anchorCtr="0" anchor="ctr" bIns="91425" lIns="91425" spcFirstLastPara="1" rIns="91425" wrap="square" tIns="91425">
+            <a:normAutofit/>
+          </a:bodyPr>
+          <a:lstStyle/>
+          <a:p>
+            <a:pPr indent="0" lvl="0" marL="0" rtl="0" algn="r">
+              <a:spcBef>
+                <a:spcPts val="0"/>
+              </a:spcBef>
+              <a:spcAft>
+                <a:spcPts val="0"/>
+              </a:spcAft>
+              <a:buNone/>
+            </a:pPr>
+            <a:fld id="{00000000-1234-1234-1234-123412341234}" type="slidenum">
+              <a:rPr lang="fr"/>
+              <a:t>‹#›</a:t>
+            </a:fld>
+            <a:endParaRPr/>
           </a:p>
         </p:txBody>
       </p:sp>
@@ -19666,12 +22070,12 @@
 </p:sld>
 </file>
 
-<file path=ppt/slides/slide4.xml><?xml version="1.0" encoding="utf-8"?>
+<file path=ppt/slides/slide5.xml><?xml version="1.0" encoding="utf-8"?>
 <p:sld xmlns:a="http://schemas.openxmlformats.org/drawingml/2006/main" xmlns:r="http://schemas.openxmlformats.org/officeDocument/2006/relationships" xmlns:mc="http://schemas.openxmlformats.org/markup-compatibility/2006" xmlns:mv="urn:schemas-microsoft-com:mac:vml" xmlns:p="http://schemas.openxmlformats.org/presentationml/2006/main" xmlns:c="http://schemas.openxmlformats.org/drawingml/2006/chart" xmlns:dgm="http://schemas.openxmlformats.org/drawingml/2006/diagram" xmlns:o="urn:schemas-microsoft-com:office:office" xmlns:v="urn:schemas-microsoft-com:vml" xmlns:pvml="urn:schemas-microsoft-com:office:powerpoint" xmlns:com="http://schemas.openxmlformats.org/drawingml/2006/compatibility" xmlns:p14="http://schemas.microsoft.com/office/powerpoint/2010/main" xmlns:p15="http://schemas.microsoft.com/office/powerpoint/2012/main" xmlns:ahyp="http://schemas.microsoft.com/office/drawing/2018/hyperlinkcolor">
   <p:cSld>
     <p:spTree>
       <p:nvGrpSpPr>
-        <p:cNvPr id="294" name="Shape 294"/>
+        <p:cNvPr id="304" name="Shape 304"/>
         <p:cNvGrpSpPr/>
         <p:nvPr/>
       </p:nvGrpSpPr>
@@ -19685,7 +22089,112 @@
       </p:grpSpPr>
       <p:sp>
         <p:nvSpPr>
-          <p:cNvPr id="295" name="Google Shape;295;p16"/>
+          <p:cNvPr id="305" name="Google Shape;305;p17"/>
+          <p:cNvSpPr txBox="1"/>
+          <p:nvPr>
+            <p:ph type="title"/>
+          </p:nvPr>
+        </p:nvSpPr>
+        <p:spPr>
+          <a:xfrm>
+            <a:off x="824000" y="1613825"/>
+            <a:ext cx="5857800" cy="1872900"/>
+          </a:xfrm>
+          <a:prstGeom prst="rect">
+            <a:avLst/>
+          </a:prstGeom>
+        </p:spPr>
+        <p:txBody>
+          <a:bodyPr anchorCtr="0" anchor="ctr" bIns="91425" lIns="91425" spcFirstLastPara="1" rIns="91425" wrap="square" tIns="91425">
+            <a:normAutofit/>
+          </a:bodyPr>
+          <a:lstStyle/>
+          <a:p>
+            <a:pPr indent="0" lvl="0" marL="0" rtl="0" algn="l">
+              <a:spcBef>
+                <a:spcPts val="0"/>
+              </a:spcBef>
+              <a:spcAft>
+                <a:spcPts val="0"/>
+              </a:spcAft>
+              <a:buNone/>
+            </a:pPr>
+            <a:r>
+              <a:rPr lang="fr"/>
+              <a:t>Notre API</a:t>
+            </a:r>
+            <a:endParaRPr/>
+          </a:p>
+        </p:txBody>
+      </p:sp>
+      <p:sp>
+        <p:nvSpPr>
+          <p:cNvPr id="306" name="Google Shape;306;p17"/>
+          <p:cNvSpPr txBox="1"/>
+          <p:nvPr>
+            <p:ph idx="12" type="sldNum"/>
+          </p:nvPr>
+        </p:nvSpPr>
+        <p:spPr>
+          <a:xfrm>
+            <a:off x="8451046" y="4736976"/>
+            <a:ext cx="548700" cy="393600"/>
+          </a:xfrm>
+          <a:prstGeom prst="rect">
+            <a:avLst/>
+          </a:prstGeom>
+        </p:spPr>
+        <p:txBody>
+          <a:bodyPr anchorCtr="0" anchor="ctr" bIns="91425" lIns="91425" spcFirstLastPara="1" rIns="91425" wrap="square" tIns="91425">
+            <a:normAutofit/>
+          </a:bodyPr>
+          <a:lstStyle/>
+          <a:p>
+            <a:pPr indent="0" lvl="0" marL="0" rtl="0" algn="r">
+              <a:spcBef>
+                <a:spcPts val="0"/>
+              </a:spcBef>
+              <a:spcAft>
+                <a:spcPts val="0"/>
+              </a:spcAft>
+              <a:buNone/>
+            </a:pPr>
+            <a:fld id="{00000000-1234-1234-1234-123412341234}" type="slidenum">
+              <a:rPr lang="fr"/>
+              <a:t>‹#›</a:t>
+            </a:fld>
+            <a:endParaRPr/>
+          </a:p>
+        </p:txBody>
+      </p:sp>
+    </p:spTree>
+  </p:cSld>
+  <p:clrMapOvr>
+    <a:masterClrMapping/>
+  </p:clrMapOvr>
+</p:sld>
+</file>
+
+<file path=ppt/slides/slide6.xml><?xml version="1.0" encoding="utf-8"?>
+<p:sld xmlns:a="http://schemas.openxmlformats.org/drawingml/2006/main" xmlns:r="http://schemas.openxmlformats.org/officeDocument/2006/relationships" xmlns:mc="http://schemas.openxmlformats.org/markup-compatibility/2006" xmlns:mv="urn:schemas-microsoft-com:mac:vml" xmlns:p="http://schemas.openxmlformats.org/presentationml/2006/main" xmlns:c="http://schemas.openxmlformats.org/drawingml/2006/chart" xmlns:dgm="http://schemas.openxmlformats.org/drawingml/2006/diagram" xmlns:o="urn:schemas-microsoft-com:office:office" xmlns:v="urn:schemas-microsoft-com:vml" xmlns:pvml="urn:schemas-microsoft-com:office:powerpoint" xmlns:com="http://schemas.openxmlformats.org/drawingml/2006/compatibility" xmlns:p14="http://schemas.microsoft.com/office/powerpoint/2010/main" xmlns:p15="http://schemas.microsoft.com/office/powerpoint/2012/main" xmlns:ahyp="http://schemas.microsoft.com/office/drawing/2018/hyperlinkcolor">
+  <p:cSld>
+    <p:spTree>
+      <p:nvGrpSpPr>
+        <p:cNvPr id="310" name="Shape 310"/>
+        <p:cNvGrpSpPr/>
+        <p:nvPr/>
+      </p:nvGrpSpPr>
+      <p:grpSpPr>
+        <a:xfrm>
+          <a:off x="0" y="0"/>
+          <a:ext cx="0" cy="0"/>
+          <a:chOff x="0" y="0"/>
+          <a:chExt cx="0" cy="0"/>
+        </a:xfrm>
+      </p:grpSpPr>
+      <p:sp>
+        <p:nvSpPr>
+          <p:cNvPr id="311" name="Google Shape;311;p18"/>
           <p:cNvSpPr txBox="1"/>
           <p:nvPr>
             <p:ph type="title"/>
@@ -19717,7 +22226,7 @@
             </a:pPr>
             <a:r>
               <a:rPr lang="fr"/>
-              <a:t>Répartition des tâches </a:t>
+              <a:t>Nos choix</a:t>
             </a:r>
             <a:endParaRPr/>
           </a:p>
@@ -19725,7 +22234,7 @@
       </p:sp>
       <p:sp>
         <p:nvSpPr>
-          <p:cNvPr id="296" name="Google Shape;296;p16"/>
+          <p:cNvPr id="312" name="Google Shape;312;p18"/>
           <p:cNvSpPr txBox="1"/>
           <p:nvPr>
             <p:ph idx="1" type="body"/>
@@ -19734,7 +22243,7 @@
         <p:spPr>
           <a:xfrm>
             <a:off x="1303800" y="1597875"/>
-            <a:ext cx="7030500" cy="3545700"/>
+            <a:ext cx="7030500" cy="3203100"/>
           </a:xfrm>
           <a:prstGeom prst="rect">
             <a:avLst/>
@@ -19742,74 +22251,129 @@
         </p:spPr>
         <p:txBody>
           <a:bodyPr anchorCtr="0" anchor="t" bIns="91425" lIns="91425" spcFirstLastPara="1" rIns="91425" wrap="square" tIns="91425">
-            <a:normAutofit lnSpcReduction="20000"/>
+            <a:normAutofit lnSpcReduction="10000"/>
           </a:bodyPr>
           <a:lstStyle/>
           <a:p>
-            <a:pPr indent="0" lvl="0" marL="0" rtl="0" algn="l">
-              <a:spcBef>
-                <a:spcPts val="0"/>
-              </a:spcBef>
-              <a:spcAft>
-                <a:spcPts val="0"/>
-              </a:spcAft>
-              <a:buNone/>
+            <a:pPr indent="-361950" lvl="0" marL="457200" rtl="0" algn="l">
+              <a:spcBef>
+                <a:spcPts val="0"/>
+              </a:spcBef>
+              <a:spcAft>
+                <a:spcPts val="0"/>
+              </a:spcAft>
+              <a:buSzPts val="2100"/>
+              <a:buChar char="-"/>
             </a:pPr>
             <a:r>
               <a:rPr lang="fr" sz="2100"/>
-              <a:t>Fernandes Samuel : création des classes attribués à chaque </a:t>
+              <a:t>Réduire </a:t>
             </a:r>
             <a:r>
               <a:rPr lang="fr" sz="2100"/>
-              <a:t>Élément java pour leur traduction, et de quoi écrire dans un fichier, classe du manuel (+ remake de l’API)</a:t>
+              <a:t>le nombre d’instances créées ⇒ Optimiser la mémoire utilisées et augmenter la vitesse d'exécution</a:t>
+            </a:r>
+            <a:br>
+              <a:rPr lang="fr" sz="2100"/>
+            </a:br>
+            <a:endParaRPr sz="2100"/>
+          </a:p>
+          <a:p>
+            <a:pPr indent="-361950" lvl="0" marL="457200" rtl="0" algn="l">
+              <a:spcBef>
+                <a:spcPts val="0"/>
+              </a:spcBef>
+              <a:spcAft>
+                <a:spcPts val="0"/>
+              </a:spcAft>
+              <a:buSzPts val="2100"/>
+              <a:buChar char="-"/>
+            </a:pPr>
+            <a:r>
+              <a:rPr lang="fr" sz="2100"/>
+              <a:t>Privilégier les interfaces Default ?</a:t>
+            </a:r>
+            <a:br>
+              <a:rPr lang="fr" sz="2100"/>
+            </a:br>
+            <a:endParaRPr sz="2100"/>
+          </a:p>
+          <a:p>
+            <a:pPr indent="-361950" lvl="0" marL="457200" rtl="0" algn="l">
+              <a:spcBef>
+                <a:spcPts val="0"/>
+              </a:spcBef>
+              <a:spcAft>
+                <a:spcPts val="0"/>
+              </a:spcAft>
+              <a:buSzPts val="2100"/>
+              <a:buChar char="-"/>
+            </a:pPr>
+            <a:r>
+              <a:rPr lang="fr" sz="2100"/>
+              <a:t>Ouvrir les packages manuellement… ?</a:t>
+            </a:r>
+            <a:br>
+              <a:rPr lang="fr" sz="2100"/>
+            </a:br>
+            <a:endParaRPr sz="2100"/>
+          </a:p>
+          <a:p>
+            <a:pPr indent="-361950" lvl="0" marL="457200" rtl="0" algn="l">
+              <a:spcBef>
+                <a:spcPts val="0"/>
+              </a:spcBef>
+              <a:spcAft>
+                <a:spcPts val="0"/>
+              </a:spcAft>
+              <a:buSzPts val="2100"/>
+              <a:buChar char="-"/>
+            </a:pPr>
+            <a:r>
+              <a:rPr lang="fr" sz="2100"/>
+              <a:t>Faire un maximum de fonctions statiques… ?</a:t>
             </a:r>
             <a:endParaRPr sz="2100"/>
           </a:p>
+        </p:txBody>
+      </p:sp>
+      <p:sp>
+        <p:nvSpPr>
+          <p:cNvPr id="313" name="Google Shape;313;p18"/>
+          <p:cNvSpPr txBox="1"/>
+          <p:nvPr>
+            <p:ph idx="12" type="sldNum"/>
+          </p:nvPr>
+        </p:nvSpPr>
+        <p:spPr>
+          <a:xfrm>
+            <a:off x="8451046" y="4736976"/>
+            <a:ext cx="548700" cy="393600"/>
+          </a:xfrm>
+          <a:prstGeom prst="rect">
+            <a:avLst/>
+          </a:prstGeom>
+        </p:spPr>
+        <p:txBody>
+          <a:bodyPr anchorCtr="0" anchor="ctr" bIns="91425" lIns="91425" spcFirstLastPara="1" rIns="91425" wrap="square" tIns="91425">
+            <a:normAutofit/>
+          </a:bodyPr>
+          <a:lstStyle/>
           <a:p>
-            <a:pPr indent="0" lvl="0" marL="0" rtl="0" algn="l">
-              <a:spcBef>
-                <a:spcPts val="1200"/>
+            <a:pPr indent="0" lvl="0" marL="0" rtl="0" algn="r">
+              <a:spcBef>
+                <a:spcPts val="0"/>
               </a:spcBef>
               <a:spcAft>
                 <a:spcPts val="0"/>
               </a:spcAft>
               <a:buNone/>
             </a:pPr>
-            <a:r>
-              <a:t/>
-            </a:r>
-            <a:endParaRPr sz="2100"/>
-          </a:p>
-          <a:p>
-            <a:pPr indent="0" lvl="0" marL="0" rtl="0" algn="l">
-              <a:spcBef>
-                <a:spcPts val="1200"/>
-              </a:spcBef>
-              <a:spcAft>
-                <a:spcPts val="0"/>
-              </a:spcAft>
-              <a:buNone/>
-            </a:pPr>
-            <a:r>
-              <a:rPr lang="fr" sz="2100"/>
-              <a:t>Marsault Samuel : classes de création de DCC/DCA, des options, majorité du travail de documentation et recherche ‘récursive’ </a:t>
-            </a:r>
-            <a:endParaRPr sz="2100"/>
-          </a:p>
-          <a:p>
-            <a:pPr indent="0" lvl="0" marL="0" rtl="0" algn="l">
-              <a:spcBef>
-                <a:spcPts val="1200"/>
-              </a:spcBef>
-              <a:spcAft>
-                <a:spcPts val="1200"/>
-              </a:spcAft>
-              <a:buNone/>
-            </a:pPr>
-            <a:r>
-              <a:t/>
-            </a:r>
-            <a:endParaRPr sz="2100"/>
+            <a:fld id="{00000000-1234-1234-1234-123412341234}" type="slidenum">
+              <a:rPr lang="fr"/>
+              <a:t>‹#›</a:t>
+            </a:fld>
+            <a:endParaRPr/>
           </a:p>
         </p:txBody>
       </p:sp>
@@ -19821,12 +22385,12 @@
 </p:sld>
 </file>
 
-<file path=ppt/slides/slide5.xml><?xml version="1.0" encoding="utf-8"?>
+<file path=ppt/slides/slide7.xml><?xml version="1.0" encoding="utf-8"?>
 <p:sld xmlns:a="http://schemas.openxmlformats.org/drawingml/2006/main" xmlns:r="http://schemas.openxmlformats.org/officeDocument/2006/relationships" xmlns:mc="http://schemas.openxmlformats.org/markup-compatibility/2006" xmlns:mv="urn:schemas-microsoft-com:mac:vml" xmlns:p="http://schemas.openxmlformats.org/presentationml/2006/main" xmlns:c="http://schemas.openxmlformats.org/drawingml/2006/chart" xmlns:dgm="http://schemas.openxmlformats.org/drawingml/2006/diagram" xmlns:o="urn:schemas-microsoft-com:office:office" xmlns:v="urn:schemas-microsoft-com:vml" xmlns:pvml="urn:schemas-microsoft-com:office:powerpoint" xmlns:com="http://schemas.openxmlformats.org/drawingml/2006/compatibility" xmlns:p14="http://schemas.microsoft.com/office/powerpoint/2010/main" xmlns:p15="http://schemas.microsoft.com/office/powerpoint/2012/main" xmlns:ahyp="http://schemas.microsoft.com/office/drawing/2018/hyperlinkcolor">
   <p:cSld>
     <p:spTree>
       <p:nvGrpSpPr>
-        <p:cNvPr id="300" name="Shape 300"/>
+        <p:cNvPr id="317" name="Shape 317"/>
         <p:cNvGrpSpPr/>
         <p:nvPr/>
       </p:nvGrpSpPr>
@@ -19840,72 +22404,7 @@
       </p:grpSpPr>
       <p:sp>
         <p:nvSpPr>
-          <p:cNvPr id="301" name="Google Shape;301;p17"/>
-          <p:cNvSpPr txBox="1"/>
-          <p:nvPr>
-            <p:ph type="title"/>
-          </p:nvPr>
-        </p:nvSpPr>
-        <p:spPr>
-          <a:xfrm>
-            <a:off x="824000" y="1613825"/>
-            <a:ext cx="5857800" cy="1872900"/>
-          </a:xfrm>
-          <a:prstGeom prst="rect">
-            <a:avLst/>
-          </a:prstGeom>
-        </p:spPr>
-        <p:txBody>
-          <a:bodyPr anchorCtr="0" anchor="ctr" bIns="91425" lIns="91425" spcFirstLastPara="1" rIns="91425" wrap="square" tIns="91425">
-            <a:normAutofit/>
-          </a:bodyPr>
-          <a:lstStyle/>
-          <a:p>
-            <a:pPr indent="0" lvl="0" marL="0" rtl="0" algn="l">
-              <a:spcBef>
-                <a:spcPts val="0"/>
-              </a:spcBef>
-              <a:spcAft>
-                <a:spcPts val="0"/>
-              </a:spcAft>
-              <a:buNone/>
-            </a:pPr>
-            <a:r>
-              <a:rPr lang="fr"/>
-              <a:t>Notre API</a:t>
-            </a:r>
-            <a:endParaRPr/>
-          </a:p>
-        </p:txBody>
-      </p:sp>
-    </p:spTree>
-  </p:cSld>
-  <p:clrMapOvr>
-    <a:masterClrMapping/>
-  </p:clrMapOvr>
-</p:sld>
-</file>
-
-<file path=ppt/slides/slide6.xml><?xml version="1.0" encoding="utf-8"?>
-<p:sld xmlns:a="http://schemas.openxmlformats.org/drawingml/2006/main" xmlns:r="http://schemas.openxmlformats.org/officeDocument/2006/relationships" xmlns:mc="http://schemas.openxmlformats.org/markup-compatibility/2006" xmlns:mv="urn:schemas-microsoft-com:mac:vml" xmlns:p="http://schemas.openxmlformats.org/presentationml/2006/main" xmlns:c="http://schemas.openxmlformats.org/drawingml/2006/chart" xmlns:dgm="http://schemas.openxmlformats.org/drawingml/2006/diagram" xmlns:o="urn:schemas-microsoft-com:office:office" xmlns:v="urn:schemas-microsoft-com:vml" xmlns:pvml="urn:schemas-microsoft-com:office:powerpoint" xmlns:com="http://schemas.openxmlformats.org/drawingml/2006/compatibility" xmlns:p14="http://schemas.microsoft.com/office/powerpoint/2010/main" xmlns:p15="http://schemas.microsoft.com/office/powerpoint/2012/main" xmlns:ahyp="http://schemas.microsoft.com/office/drawing/2018/hyperlinkcolor">
-  <p:cSld>
-    <p:spTree>
-      <p:nvGrpSpPr>
-        <p:cNvPr id="305" name="Shape 305"/>
-        <p:cNvGrpSpPr/>
-        <p:nvPr/>
-      </p:nvGrpSpPr>
-      <p:grpSpPr>
-        <a:xfrm>
-          <a:off x="0" y="0"/>
-          <a:ext cx="0" cy="0"/>
-          <a:chOff x="0" y="0"/>
-          <a:chExt cx="0" cy="0"/>
-        </a:xfrm>
-      </p:grpSpPr>
-      <p:sp>
-        <p:nvSpPr>
-          <p:cNvPr id="306" name="Google Shape;306;p18"/>
+          <p:cNvPr id="318" name="Google Shape;318;p19"/>
           <p:cNvSpPr txBox="1"/>
           <p:nvPr>
             <p:ph type="title"/>
@@ -19937,152 +22436,6 @@
             </a:pPr>
             <a:r>
               <a:rPr lang="fr"/>
-              <a:t>Nos choix</a:t>
-            </a:r>
-            <a:endParaRPr/>
-          </a:p>
-        </p:txBody>
-      </p:sp>
-      <p:sp>
-        <p:nvSpPr>
-          <p:cNvPr id="307" name="Google Shape;307;p18"/>
-          <p:cNvSpPr txBox="1"/>
-          <p:nvPr>
-            <p:ph idx="1" type="body"/>
-          </p:nvPr>
-        </p:nvSpPr>
-        <p:spPr>
-          <a:xfrm>
-            <a:off x="1303800" y="1597875"/>
-            <a:ext cx="7030500" cy="3203100"/>
-          </a:xfrm>
-          <a:prstGeom prst="rect">
-            <a:avLst/>
-          </a:prstGeom>
-        </p:spPr>
-        <p:txBody>
-          <a:bodyPr anchorCtr="0" anchor="t" bIns="91425" lIns="91425" spcFirstLastPara="1" rIns="91425" wrap="square" tIns="91425">
-            <a:normAutofit/>
-          </a:bodyPr>
-          <a:lstStyle/>
-          <a:p>
-            <a:pPr indent="-361950" lvl="0" marL="457200" rtl="0" algn="l">
-              <a:spcBef>
-                <a:spcPts val="0"/>
-              </a:spcBef>
-              <a:spcAft>
-                <a:spcPts val="0"/>
-              </a:spcAft>
-              <a:buSzPts val="2100"/>
-              <a:buChar char="-"/>
-            </a:pPr>
-            <a:r>
-              <a:rPr lang="fr" sz="2100"/>
-              <a:t>Optimiser le nombre d’instances créées ⇒ Réduire la mémoire utilisées et augmenter la vitesse d'exécution</a:t>
-            </a:r>
-            <a:br>
-              <a:rPr lang="fr" sz="2100"/>
-            </a:br>
-            <a:endParaRPr sz="2100"/>
-          </a:p>
-          <a:p>
-            <a:pPr indent="-361950" lvl="0" marL="457200" rtl="0" algn="l">
-              <a:spcBef>
-                <a:spcPts val="0"/>
-              </a:spcBef>
-              <a:spcAft>
-                <a:spcPts val="0"/>
-              </a:spcAft>
-              <a:buSzPts val="2100"/>
-              <a:buChar char="-"/>
-            </a:pPr>
-            <a:r>
-              <a:rPr lang="fr" sz="2100"/>
-              <a:t>Faire un maximum de fonctions statiques… ?</a:t>
-            </a:r>
-            <a:br>
-              <a:rPr lang="fr" sz="2100"/>
-            </a:br>
-            <a:endParaRPr sz="2100"/>
-          </a:p>
-          <a:p>
-            <a:pPr indent="-361950" lvl="0" marL="457200" rtl="0" algn="l">
-              <a:spcBef>
-                <a:spcPts val="0"/>
-              </a:spcBef>
-              <a:spcAft>
-                <a:spcPts val="0"/>
-              </a:spcAft>
-              <a:buSzPts val="2100"/>
-              <a:buChar char="-"/>
-            </a:pPr>
-            <a:r>
-              <a:rPr lang="fr" sz="2100"/>
-              <a:t>Privilégier les interfaces Default ?</a:t>
-            </a:r>
-            <a:endParaRPr sz="2100"/>
-          </a:p>
-        </p:txBody>
-      </p:sp>
-    </p:spTree>
-  </p:cSld>
-  <p:clrMapOvr>
-    <a:masterClrMapping/>
-  </p:clrMapOvr>
-</p:sld>
-</file>
-
-<file path=ppt/slides/slide7.xml><?xml version="1.0" encoding="utf-8"?>
-<p:sld xmlns:a="http://schemas.openxmlformats.org/drawingml/2006/main" xmlns:r="http://schemas.openxmlformats.org/officeDocument/2006/relationships" xmlns:mc="http://schemas.openxmlformats.org/markup-compatibility/2006" xmlns:mv="urn:schemas-microsoft-com:mac:vml" xmlns:p="http://schemas.openxmlformats.org/presentationml/2006/main" xmlns:c="http://schemas.openxmlformats.org/drawingml/2006/chart" xmlns:dgm="http://schemas.openxmlformats.org/drawingml/2006/diagram" xmlns:o="urn:schemas-microsoft-com:office:office" xmlns:v="urn:schemas-microsoft-com:vml" xmlns:pvml="urn:schemas-microsoft-com:office:powerpoint" xmlns:com="http://schemas.openxmlformats.org/drawingml/2006/compatibility" xmlns:p14="http://schemas.microsoft.com/office/powerpoint/2010/main" xmlns:p15="http://schemas.microsoft.com/office/powerpoint/2012/main" xmlns:ahyp="http://schemas.microsoft.com/office/drawing/2018/hyperlinkcolor">
-  <p:cSld>
-    <p:spTree>
-      <p:nvGrpSpPr>
-        <p:cNvPr id="311" name="Shape 311"/>
-        <p:cNvGrpSpPr/>
-        <p:nvPr/>
-      </p:nvGrpSpPr>
-      <p:grpSpPr>
-        <a:xfrm>
-          <a:off x="0" y="0"/>
-          <a:ext cx="0" cy="0"/>
-          <a:chOff x="0" y="0"/>
-          <a:chExt cx="0" cy="0"/>
-        </a:xfrm>
-      </p:grpSpPr>
-      <p:sp>
-        <p:nvSpPr>
-          <p:cNvPr id="312" name="Google Shape;312;p19"/>
-          <p:cNvSpPr txBox="1"/>
-          <p:nvPr>
-            <p:ph type="title"/>
-          </p:nvPr>
-        </p:nvSpPr>
-        <p:spPr>
-          <a:xfrm>
-            <a:off x="1303800" y="598575"/>
-            <a:ext cx="7030500" cy="999300"/>
-          </a:xfrm>
-          <a:prstGeom prst="rect">
-            <a:avLst/>
-          </a:prstGeom>
-        </p:spPr>
-        <p:txBody>
-          <a:bodyPr anchorCtr="0" anchor="t" bIns="91425" lIns="91425" spcFirstLastPara="1" rIns="91425" wrap="square" tIns="91425">
-            <a:normAutofit/>
-          </a:bodyPr>
-          <a:lstStyle/>
-          <a:p>
-            <a:pPr indent="0" lvl="0" marL="0" rtl="0" algn="l">
-              <a:spcBef>
-                <a:spcPts val="0"/>
-              </a:spcBef>
-              <a:spcAft>
-                <a:spcPts val="0"/>
-              </a:spcAft>
-              <a:buNone/>
-            </a:pPr>
-            <a:r>
-              <a:rPr lang="fr"/>
               <a:t>Nos choix (après refonte)</a:t>
             </a:r>
             <a:endParaRPr/>
@@ -20091,7 +22444,7 @@
       </p:sp>
       <p:sp>
         <p:nvSpPr>
-          <p:cNvPr id="313" name="Google Shape;313;p19"/>
+          <p:cNvPr id="319" name="Google Shape;319;p19"/>
           <p:cNvSpPr txBox="1"/>
           <p:nvPr>
             <p:ph idx="1" type="body"/>
@@ -20162,6 +22515,46 @@
           </a:p>
         </p:txBody>
       </p:sp>
+      <p:sp>
+        <p:nvSpPr>
+          <p:cNvPr id="320" name="Google Shape;320;p19"/>
+          <p:cNvSpPr txBox="1"/>
+          <p:nvPr>
+            <p:ph idx="12" type="sldNum"/>
+          </p:nvPr>
+        </p:nvSpPr>
+        <p:spPr>
+          <a:xfrm>
+            <a:off x="8451046" y="4736976"/>
+            <a:ext cx="548700" cy="393600"/>
+          </a:xfrm>
+          <a:prstGeom prst="rect">
+            <a:avLst/>
+          </a:prstGeom>
+        </p:spPr>
+        <p:txBody>
+          <a:bodyPr anchorCtr="0" anchor="ctr" bIns="91425" lIns="91425" spcFirstLastPara="1" rIns="91425" wrap="square" tIns="91425">
+            <a:normAutofit/>
+          </a:bodyPr>
+          <a:lstStyle/>
+          <a:p>
+            <a:pPr indent="0" lvl="0" marL="0" rtl="0" algn="r">
+              <a:spcBef>
+                <a:spcPts val="0"/>
+              </a:spcBef>
+              <a:spcAft>
+                <a:spcPts val="0"/>
+              </a:spcAft>
+              <a:buNone/>
+            </a:pPr>
+            <a:fld id="{00000000-1234-1234-1234-123412341234}" type="slidenum">
+              <a:rPr lang="fr"/>
+              <a:t>‹#›</a:t>
+            </a:fld>
+            <a:endParaRPr/>
+          </a:p>
+        </p:txBody>
+      </p:sp>
     </p:spTree>
   </p:cSld>
   <p:clrMapOvr>
@@ -20175,7 +22568,7 @@
   <p:cSld>
     <p:spTree>
       <p:nvGrpSpPr>
-        <p:cNvPr id="317" name="Shape 317"/>
+        <p:cNvPr id="324" name="Shape 324"/>
         <p:cNvGrpSpPr/>
         <p:nvPr/>
       </p:nvGrpSpPr>
@@ -20189,7 +22582,7 @@
       </p:grpSpPr>
       <p:sp>
         <p:nvSpPr>
-          <p:cNvPr id="318" name="Google Shape;318;p20"/>
+          <p:cNvPr id="325" name="Google Shape;325;p20"/>
           <p:cNvSpPr txBox="1"/>
           <p:nvPr>
             <p:ph type="title"/>
@@ -20229,7 +22622,7 @@
       </p:sp>
       <p:sp>
         <p:nvSpPr>
-          <p:cNvPr id="319" name="Google Shape;319;p20"/>
+          <p:cNvPr id="326" name="Google Shape;326;p20"/>
           <p:cNvSpPr txBox="1"/>
           <p:nvPr>
             <p:ph idx="1" type="body"/>
@@ -20246,9 +22639,45 @@
         </p:spPr>
         <p:txBody>
           <a:bodyPr anchorCtr="0" anchor="t" bIns="91425" lIns="91425" spcFirstLastPara="1" rIns="91425" wrap="square" tIns="91425">
-            <a:normAutofit/>
+            <a:normAutofit lnSpcReduction="20000"/>
           </a:bodyPr>
           <a:lstStyle/>
+          <a:p>
+            <a:pPr indent="-361950" lvl="0" marL="457200" rtl="0" algn="l">
+              <a:spcBef>
+                <a:spcPts val="0"/>
+              </a:spcBef>
+              <a:spcAft>
+                <a:spcPts val="0"/>
+              </a:spcAft>
+              <a:buSzPts val="2100"/>
+              <a:buChar char="-"/>
+            </a:pPr>
+            <a:r>
+              <a:rPr lang="fr" sz="2100"/>
+              <a:t>Laisser les noms </a:t>
+            </a:r>
+            <a:r>
+              <a:rPr lang="fr" sz="2100"/>
+              <a:t>complets</a:t>
+            </a:r>
+            <a:r>
+              <a:rPr lang="fr" sz="2100"/>
+              <a:t> des </a:t>
+            </a:r>
+            <a:r>
+              <a:rPr lang="fr" sz="2100"/>
+              <a:t>éléments</a:t>
+            </a:r>
+            <a:r>
+              <a:rPr lang="fr" sz="2100"/>
+              <a:t> pour ne pas avoir à gérer les packages</a:t>
+            </a:r>
+            <a:br>
+              <a:rPr lang="fr" sz="2100"/>
+            </a:br>
+            <a:endParaRPr sz="2100"/>
+          </a:p>
           <a:p>
             <a:pPr indent="-361950" lvl="0" marL="457200" rtl="0" algn="l">
               <a:spcBef>
@@ -20264,38 +22693,14 @@
               <a:rPr lang="fr" sz="2100"/>
               <a:t>Ne pas afficher ce qui vient du langage java ou du package jdk </a:t>
             </a:r>
-            <a:endParaRPr sz="2100"/>
-          </a:p>
-          <a:p>
-            <a:pPr indent="0" lvl="0" marL="457200" rtl="0" algn="l">
-              <a:spcBef>
-                <a:spcPts val="1200"/>
-              </a:spcBef>
-              <a:spcAft>
-                <a:spcPts val="0"/>
-              </a:spcAft>
-              <a:buNone/>
-            </a:pPr>
+            <a:br>
+              <a:rPr lang="fr" sz="2100"/>
+            </a:br>
             <a:r>
-              <a:t/>
-            </a:r>
-            <a:endParaRPr sz="2100"/>
-          </a:p>
-          <a:p>
-            <a:pPr indent="0" lvl="0" marL="0" rtl="0" algn="l">
-              <a:spcBef>
-                <a:spcPts val="1200"/>
-              </a:spcBef>
-              <a:spcAft>
-                <a:spcPts val="0"/>
-              </a:spcAft>
-              <a:buNone/>
-            </a:pPr>
-            <a:r>
-              <a:rPr lang="fr" sz="2100"/>
+              <a:rPr i="1" lang="fr" sz="1800"/>
               <a:t>(Tout simplement pour éviter que vous ne confondiez vos class, enum ou interface avec celles du langage)</a:t>
             </a:r>
-            <a:endParaRPr sz="2100"/>
+            <a:endParaRPr i="1" sz="1800"/>
           </a:p>
           <a:p>
             <a:pPr indent="0" lvl="0" marL="0" rtl="0" algn="l">
@@ -20331,6 +22736,46 @@
               <a:t> le vécu…</a:t>
             </a:r>
             <a:endParaRPr i="1"/>
+          </a:p>
+        </p:txBody>
+      </p:sp>
+      <p:sp>
+        <p:nvSpPr>
+          <p:cNvPr id="327" name="Google Shape;327;p20"/>
+          <p:cNvSpPr txBox="1"/>
+          <p:nvPr>
+            <p:ph idx="12" type="sldNum"/>
+          </p:nvPr>
+        </p:nvSpPr>
+        <p:spPr>
+          <a:xfrm>
+            <a:off x="8451046" y="4736976"/>
+            <a:ext cx="548700" cy="393600"/>
+          </a:xfrm>
+          <a:prstGeom prst="rect">
+            <a:avLst/>
+          </a:prstGeom>
+        </p:spPr>
+        <p:txBody>
+          <a:bodyPr anchorCtr="0" anchor="ctr" bIns="91425" lIns="91425" spcFirstLastPara="1" rIns="91425" wrap="square" tIns="91425">
+            <a:normAutofit/>
+          </a:bodyPr>
+          <a:lstStyle/>
+          <a:p>
+            <a:pPr indent="0" lvl="0" marL="0" rtl="0" algn="r">
+              <a:spcBef>
+                <a:spcPts val="0"/>
+              </a:spcBef>
+              <a:spcAft>
+                <a:spcPts val="0"/>
+              </a:spcAft>
+              <a:buNone/>
+            </a:pPr>
+            <a:fld id="{00000000-1234-1234-1234-123412341234}" type="slidenum">
+              <a:rPr lang="fr"/>
+              <a:t>‹#›</a:t>
+            </a:fld>
+            <a:endParaRPr/>
           </a:p>
         </p:txBody>
       </p:sp>
@@ -20347,7 +22792,7 @@
   <p:cSld>
     <p:spTree>
       <p:nvGrpSpPr>
-        <p:cNvPr id="323" name="Shape 323"/>
+        <p:cNvPr id="331" name="Shape 331"/>
         <p:cNvGrpSpPr/>
         <p:nvPr/>
       </p:nvGrpSpPr>
@@ -20361,7 +22806,7 @@
       </p:grpSpPr>
       <p:sp>
         <p:nvSpPr>
-          <p:cNvPr id="324" name="Google Shape;324;p21"/>
+          <p:cNvPr id="332" name="Google Shape;332;p21"/>
           <p:cNvSpPr txBox="1"/>
           <p:nvPr>
             <p:ph type="title"/>
@@ -20401,7 +22846,7 @@
       </p:sp>
       <p:pic>
         <p:nvPicPr>
-          <p:cNvPr id="325" name="Google Shape;325;p21"/>
+          <p:cNvPr id="333" name="Google Shape;333;p21"/>
           <p:cNvPicPr preferRelativeResize="0"/>
           <p:nvPr/>
         </p:nvPicPr>
@@ -20427,6 +22872,46 @@
           </a:ln>
         </p:spPr>
       </p:pic>
+      <p:sp>
+        <p:nvSpPr>
+          <p:cNvPr id="334" name="Google Shape;334;p21"/>
+          <p:cNvSpPr txBox="1"/>
+          <p:nvPr>
+            <p:ph idx="12" type="sldNum"/>
+          </p:nvPr>
+        </p:nvSpPr>
+        <p:spPr>
+          <a:xfrm>
+            <a:off x="8451046" y="4736976"/>
+            <a:ext cx="548700" cy="393600"/>
+          </a:xfrm>
+          <a:prstGeom prst="rect">
+            <a:avLst/>
+          </a:prstGeom>
+        </p:spPr>
+        <p:txBody>
+          <a:bodyPr anchorCtr="0" anchor="ctr" bIns="91425" lIns="91425" spcFirstLastPara="1" rIns="91425" wrap="square" tIns="91425">
+            <a:normAutofit/>
+          </a:bodyPr>
+          <a:lstStyle/>
+          <a:p>
+            <a:pPr indent="0" lvl="0" marL="0" rtl="0" algn="r">
+              <a:spcBef>
+                <a:spcPts val="0"/>
+              </a:spcBef>
+              <a:spcAft>
+                <a:spcPts val="0"/>
+              </a:spcAft>
+              <a:buNone/>
+            </a:pPr>
+            <a:fld id="{00000000-1234-1234-1234-123412341234}" type="slidenum">
+              <a:rPr lang="fr"/>
+              <a:t>‹#›</a:t>
+            </a:fld>
+            <a:endParaRPr/>
+          </a:p>
+        </p:txBody>
+      </p:sp>
     </p:spTree>
   </p:cSld>
   <p:clrMapOvr>
